--- a/中間発表.pptx
+++ b/中間発表.pptx
@@ -5,16 +5,17 @@
     <p:sldMasterId id="2147483660" r:id="rId1"/>
   </p:sldMasterIdLst>
   <p:notesMasterIdLst>
-    <p:notesMasterId r:id="rId9"/>
+    <p:notesMasterId r:id="rId10"/>
   </p:notesMasterIdLst>
   <p:sldIdLst>
     <p:sldId id="256" r:id="rId2"/>
-    <p:sldId id="257" r:id="rId3"/>
-    <p:sldId id="258" r:id="rId4"/>
-    <p:sldId id="259" r:id="rId5"/>
-    <p:sldId id="260" r:id="rId6"/>
-    <p:sldId id="262" r:id="rId7"/>
-    <p:sldId id="263" r:id="rId8"/>
+    <p:sldId id="264" r:id="rId3"/>
+    <p:sldId id="257" r:id="rId4"/>
+    <p:sldId id="258" r:id="rId5"/>
+    <p:sldId id="259" r:id="rId6"/>
+    <p:sldId id="260" r:id="rId7"/>
+    <p:sldId id="262" r:id="rId8"/>
+    <p:sldId id="263" r:id="rId9"/>
   </p:sldIdLst>
   <p:sldSz cx="12192000" cy="6858000"/>
   <p:notesSz cx="6858000" cy="9144000"/>
@@ -117,6 +118,9 @@
     <p:ext uri="{EFAFB233-063F-42B5-8137-9DF3F51BA10A}">
       <p15:sldGuideLst xmlns:p15="http://schemas.microsoft.com/office/powerpoint/2012/main"/>
     </p:ext>
+    <p:ext uri="{2D200454-40CA-4A62-9FC3-DE9A4176ACB9}">
+      <p15:notesGuideLst xmlns:p15="http://schemas.microsoft.com/office/powerpoint/2012/main"/>
+    </p:ext>
   </p:extLst>
 </p:presentation>
 </file>
@@ -310,7 +314,7 @@
           <a:p>
             <a:fld id="{80A97E7E-BA4F-4139-BAB0-7DE5FC162D75}" type="datetimeFigureOut">
               <a:rPr kumimoji="1" lang="ja-JP" altLang="en-US" smtClean="0"/>
-              <a:t>2019/12/10</a:t>
+              <a:t>2019/12/12</a:t>
             </a:fld>
             <a:endParaRPr kumimoji="1" lang="ja-JP" altLang="en-US"/>
           </a:p>
@@ -720,7 +724,7 @@
           <a:p>
             <a:fld id="{213E3A13-B134-4BD3-93C7-4DD36E6F9305}" type="datetime1">
               <a:rPr kumimoji="1" lang="ja-JP" altLang="en-US" smtClean="0"/>
-              <a:t>2019/12/10</a:t>
+              <a:t>2019/12/12</a:t>
             </a:fld>
             <a:endParaRPr kumimoji="1" lang="ja-JP" altLang="en-US"/>
           </a:p>
@@ -1058,7 +1062,7 @@
           <a:p>
             <a:fld id="{A2F046FF-5E7A-40C7-B23E-5F9AB6DE95C5}" type="datetime1">
               <a:rPr kumimoji="1" lang="ja-JP" altLang="en-US" smtClean="0"/>
-              <a:t>2019/12/10</a:t>
+              <a:t>2019/12/12</a:t>
             </a:fld>
             <a:endParaRPr kumimoji="1" lang="ja-JP" altLang="en-US"/>
           </a:p>
@@ -1459,7 +1463,7 @@
           <a:p>
             <a:fld id="{9394B7DE-A219-4C28-8674-CC1AFA16E5C3}" type="datetime1">
               <a:rPr kumimoji="1" lang="ja-JP" altLang="en-US" smtClean="0"/>
-              <a:t>2019/12/10</a:t>
+              <a:t>2019/12/12</a:t>
             </a:fld>
             <a:endParaRPr kumimoji="1" lang="ja-JP" altLang="en-US"/>
           </a:p>
@@ -1795,7 +1799,7 @@
           <a:p>
             <a:fld id="{3F2717DC-A5F9-4D0B-B643-956E4A180638}" type="datetime1">
               <a:rPr kumimoji="1" lang="ja-JP" altLang="en-US" smtClean="0"/>
-              <a:t>2019/12/10</a:t>
+              <a:t>2019/12/12</a:t>
             </a:fld>
             <a:endParaRPr kumimoji="1" lang="ja-JP" altLang="en-US"/>
           </a:p>
@@ -2115,7 +2119,7 @@
           <a:p>
             <a:fld id="{83B1552F-749A-4BC0-8F34-E8A4DF486EED}" type="datetime1">
               <a:rPr kumimoji="1" lang="ja-JP" altLang="en-US" smtClean="0"/>
-              <a:t>2019/12/10</a:t>
+              <a:t>2019/12/12</a:t>
             </a:fld>
             <a:endParaRPr kumimoji="1" lang="ja-JP" altLang="en-US"/>
           </a:p>
@@ -2511,7 +2515,7 @@
           <a:p>
             <a:fld id="{C7967545-5901-4432-BC49-23DED1F069F8}" type="datetime1">
               <a:rPr kumimoji="1" lang="ja-JP" altLang="en-US" smtClean="0"/>
-              <a:t>2019/12/10</a:t>
+              <a:t>2019/12/12</a:t>
             </a:fld>
             <a:endParaRPr kumimoji="1" lang="ja-JP" altLang="en-US"/>
           </a:p>
@@ -2800,7 +2804,7 @@
           <a:p>
             <a:fld id="{6F0FC8B7-8B55-411E-9162-6419B97EF824}" type="datetime1">
               <a:rPr kumimoji="1" lang="ja-JP" altLang="en-US" smtClean="0"/>
-              <a:t>2019/12/10</a:t>
+              <a:t>2019/12/12</a:t>
             </a:fld>
             <a:endParaRPr kumimoji="1" lang="ja-JP" altLang="en-US"/>
           </a:p>
@@ -3094,7 +3098,7 @@
           <a:p>
             <a:fld id="{6C7AC2A2-C048-4B5E-8C8B-2DC82415AFF1}" type="datetime1">
               <a:rPr kumimoji="1" lang="ja-JP" altLang="en-US" smtClean="0"/>
-              <a:t>2019/12/10</a:t>
+              <a:t>2019/12/12</a:t>
             </a:fld>
             <a:endParaRPr kumimoji="1" lang="ja-JP" altLang="en-US"/>
           </a:p>
@@ -3388,7 +3392,7 @@
           <a:p>
             <a:fld id="{1AFE09C7-A084-4A99-978D-5FCB8B2C7672}" type="datetime1">
               <a:rPr kumimoji="1" lang="ja-JP" altLang="en-US" smtClean="0"/>
-              <a:t>2019/12/10</a:t>
+              <a:t>2019/12/12</a:t>
             </a:fld>
             <a:endParaRPr kumimoji="1" lang="ja-JP" altLang="en-US"/>
           </a:p>
@@ -3717,7 +3721,7 @@
           <a:p>
             <a:fld id="{7EBC03EC-0973-4FC9-812C-39D11D60BDB3}" type="datetime1">
               <a:rPr kumimoji="1" lang="ja-JP" altLang="en-US" smtClean="0"/>
-              <a:t>2019/12/10</a:t>
+              <a:t>2019/12/12</a:t>
             </a:fld>
             <a:endParaRPr kumimoji="1" lang="ja-JP" altLang="en-US"/>
           </a:p>
@@ -4104,7 +4108,7 @@
           <a:p>
             <a:fld id="{782DD7EA-DDE9-4847-AC02-6DFD2B0DD921}" type="datetime1">
               <a:rPr kumimoji="1" lang="ja-JP" altLang="en-US" smtClean="0"/>
-              <a:t>2019/12/10</a:t>
+              <a:t>2019/12/12</a:t>
             </a:fld>
             <a:endParaRPr kumimoji="1" lang="ja-JP" altLang="en-US"/>
           </a:p>
@@ -4625,7 +4629,7 @@
           <a:p>
             <a:fld id="{E8CA6957-F8DF-42B7-A631-22BE741E1E9E}" type="datetime1">
               <a:rPr kumimoji="1" lang="ja-JP" altLang="en-US" smtClean="0"/>
-              <a:t>2019/12/10</a:t>
+              <a:t>2019/12/12</a:t>
             </a:fld>
             <a:endParaRPr kumimoji="1" lang="ja-JP" altLang="en-US"/>
           </a:p>
@@ -4830,7 +4834,7 @@
           <a:p>
             <a:fld id="{08D1D1D5-5A5D-4C42-B38A-37365631E69B}" type="datetime1">
               <a:rPr kumimoji="1" lang="ja-JP" altLang="en-US" smtClean="0"/>
-              <a:t>2019/12/10</a:t>
+              <a:t>2019/12/12</a:t>
             </a:fld>
             <a:endParaRPr kumimoji="1" lang="ja-JP" altLang="en-US"/>
           </a:p>
@@ -5007,7 +5011,7 @@
           <a:p>
             <a:fld id="{3B7E7C85-4222-4BF7-95EF-33BD8F28C25C}" type="datetime1">
               <a:rPr kumimoji="1" lang="ja-JP" altLang="en-US" smtClean="0"/>
-              <a:t>2019/12/10</a:t>
+              <a:t>2019/12/12</a:t>
             </a:fld>
             <a:endParaRPr kumimoji="1" lang="ja-JP" altLang="en-US"/>
           </a:p>
@@ -5372,7 +5376,7 @@
           <a:p>
             <a:fld id="{DF5F6F42-AB9F-42B3-9750-3D80A4A3C4F7}" type="datetime1">
               <a:rPr kumimoji="1" lang="ja-JP" altLang="en-US" smtClean="0"/>
-              <a:t>2019/12/10</a:t>
+              <a:t>2019/12/12</a:t>
             </a:fld>
             <a:endParaRPr kumimoji="1" lang="ja-JP" altLang="en-US"/>
           </a:p>
@@ -5717,7 +5721,7 @@
           <a:p>
             <a:fld id="{8AF3991E-A3E1-4866-AA17-FE90FB5F0DD1}" type="datetime1">
               <a:rPr kumimoji="1" lang="ja-JP" altLang="en-US" smtClean="0"/>
-              <a:t>2019/12/10</a:t>
+              <a:t>2019/12/12</a:t>
             </a:fld>
             <a:endParaRPr kumimoji="1" lang="ja-JP" altLang="en-US"/>
           </a:p>
@@ -7866,7 +7870,7 @@
           <a:p>
             <a:fld id="{656BA055-7830-432E-B8F6-A210E39A5065}" type="datetime1">
               <a:rPr kumimoji="1" lang="ja-JP" altLang="en-US" smtClean="0"/>
-              <a:t>2019/12/10</a:t>
+              <a:t>2019/12/12</a:t>
             </a:fld>
             <a:endParaRPr kumimoji="1" lang="ja-JP" altLang="en-US"/>
           </a:p>
@@ -8403,7 +8407,7 @@
         </p:nvSpPr>
         <p:spPr>
           <a:xfrm>
-            <a:off x="1524000" y="1122362"/>
+            <a:off x="1586144" y="394393"/>
             <a:ext cx="9144000" cy="3130041"/>
           </a:xfrm>
         </p:spPr>
@@ -8415,7 +8419,7 @@
           <a:p>
             <a:r>
               <a:rPr kumimoji="1" lang="ja-JP" altLang="en-US" sz="4800" b="1" dirty="0"/>
-              <a:t>カンバン方式が学べるカンバンゲームをデジタル化した「デジタルカンバンゲーム（仮）」の提案</a:t>
+              <a:t>デジタルカンバンゲームの提案</a:t>
             </a:r>
           </a:p>
         </p:txBody>
@@ -8539,7 +8543,7 @@
           <p:cNvPr id="2" name="タイトル 1">
             <a:extLst>
               <a:ext uri="{FF2B5EF4-FFF2-40B4-BE49-F238E27FC236}">
-                <a16:creationId xmlns:a16="http://schemas.microsoft.com/office/drawing/2014/main" id="{396A8986-FD92-44AC-B188-79C3FCB9D580}"/>
+                <a16:creationId xmlns:a16="http://schemas.microsoft.com/office/drawing/2014/main" id="{14BD61B2-A276-46BC-BE8D-D87F2FD97265}"/>
               </a:ext>
             </a:extLst>
           </p:cNvPr>
@@ -8552,14 +8556,12 @@
         </p:nvSpPr>
         <p:spPr/>
         <p:txBody>
-          <a:bodyPr>
-            <a:normAutofit/>
-          </a:bodyPr>
+          <a:bodyPr/>
           <a:lstStyle/>
           <a:p>
             <a:r>
-              <a:rPr kumimoji="1" lang="ja-JP" altLang="en-US" sz="4800" dirty="0"/>
-              <a:t>カンバンゲームとは</a:t>
+              <a:rPr kumimoji="1" lang="ja-JP" altLang="en-US" dirty="0"/>
+              <a:t>カンバンとは</a:t>
             </a:r>
           </a:p>
         </p:txBody>
@@ -8569,7 +8571,7 @@
           <p:cNvPr id="3" name="コンテンツ プレースホルダー 2">
             <a:extLst>
               <a:ext uri="{FF2B5EF4-FFF2-40B4-BE49-F238E27FC236}">
-                <a16:creationId xmlns:a16="http://schemas.microsoft.com/office/drawing/2014/main" id="{0F091825-2A2A-4771-BA7D-8836F4459874}"/>
+                <a16:creationId xmlns:a16="http://schemas.microsoft.com/office/drawing/2014/main" id="{846B8853-0A96-4DBD-AD9F-4DA74A179AF3}"/>
               </a:ext>
             </a:extLst>
           </p:cNvPr>
@@ -8580,467 +8582,21 @@
             <p:ph idx="1"/>
           </p:nvPr>
         </p:nvSpPr>
-        <p:spPr>
-          <a:xfrm>
-            <a:off x="838200" y="1464816"/>
-            <a:ext cx="11199920" cy="5291091"/>
-          </a:xfrm>
-        </p:spPr>
+        <p:spPr/>
         <p:txBody>
           <a:bodyPr/>
           <a:lstStyle/>
           <a:p>
-            <a:r>
-              <a:rPr lang="ja-JP" altLang="en-US" sz="3200" dirty="0"/>
-              <a:t>タスクボードを使ってチームで仕事を進める手法を学ぶゲームです。</a:t>
-            </a:r>
-            <a:endParaRPr kumimoji="1" lang="en-US" altLang="ja-JP" sz="3200" dirty="0"/>
-          </a:p>
-          <a:p>
-            <a:endParaRPr lang="en-US" altLang="ja-JP" dirty="0"/>
-          </a:p>
-          <a:p>
-            <a:endParaRPr kumimoji="1" lang="en-US" altLang="ja-JP" dirty="0"/>
-          </a:p>
-          <a:p>
-            <a:endParaRPr lang="en-US" altLang="ja-JP" dirty="0"/>
-          </a:p>
-          <a:p>
-            <a:endParaRPr lang="en-US" altLang="ja-JP" dirty="0"/>
-          </a:p>
-          <a:p>
-            <a:endParaRPr lang="en-US" altLang="ja-JP" dirty="0"/>
-          </a:p>
-          <a:p>
-            <a:endParaRPr lang="en-US" altLang="ja-JP" dirty="0"/>
-          </a:p>
-          <a:p>
-            <a:endParaRPr lang="en-US" altLang="ja-JP" dirty="0"/>
-          </a:p>
-          <a:p>
-            <a:r>
-              <a:rPr lang="en-US" altLang="ja-JP" dirty="0">
-                <a:hlinkClick r:id="rId2"/>
-              </a:rPr>
-              <a:t>https://games.yattom.jp/kanban</a:t>
-            </a:r>
-            <a:endParaRPr lang="en-US" altLang="ja-JP" dirty="0"/>
-          </a:p>
-          <a:p>
-            <a:endParaRPr kumimoji="1" lang="en-US" altLang="ja-JP" dirty="0"/>
-          </a:p>
-          <a:p>
-            <a:endParaRPr lang="en-US" altLang="ja-JP" dirty="0"/>
-          </a:p>
-          <a:p>
-            <a:pPr marL="0" indent="0">
-              <a:buNone/>
-            </a:pPr>
-            <a:endParaRPr kumimoji="1" lang="en-US" altLang="ja-JP" dirty="0"/>
-          </a:p>
-        </p:txBody>
-      </p:sp>
-      <p:sp>
-        <p:nvSpPr>
-          <p:cNvPr id="4" name="正方形/長方形 3">
+            <a:endParaRPr kumimoji="1" lang="ja-JP" altLang="en-US"/>
+          </a:p>
+        </p:txBody>
+      </p:sp>
+      <p:sp>
+        <p:nvSpPr>
+          <p:cNvPr id="4" name="スライド番号プレースホルダー 3">
             <a:extLst>
               <a:ext uri="{FF2B5EF4-FFF2-40B4-BE49-F238E27FC236}">
-                <a16:creationId xmlns:a16="http://schemas.microsoft.com/office/drawing/2014/main" id="{05F66E1F-A78D-450D-B9F3-F53975B92707}"/>
-              </a:ext>
-            </a:extLst>
-          </p:cNvPr>
-          <p:cNvSpPr/>
-          <p:nvPr/>
-        </p:nvSpPr>
-        <p:spPr>
-          <a:xfrm>
-            <a:off x="1100831" y="2666092"/>
-            <a:ext cx="4625266" cy="2727092"/>
-          </a:xfrm>
-          <a:prstGeom prst="rect">
-            <a:avLst/>
-          </a:prstGeom>
-          <a:noFill/>
-          <a:ln w="57150">
-            <a:solidFill>
-              <a:schemeClr val="tx1"/>
-            </a:solidFill>
-          </a:ln>
-        </p:spPr>
-        <p:style>
-          <a:lnRef idx="2">
-            <a:schemeClr val="accent1">
-              <a:shade val="50000"/>
-            </a:schemeClr>
-          </a:lnRef>
-          <a:fillRef idx="1">
-            <a:schemeClr val="accent1"/>
-          </a:fillRef>
-          <a:effectRef idx="0">
-            <a:schemeClr val="accent1"/>
-          </a:effectRef>
-          <a:fontRef idx="minor">
-            <a:schemeClr val="lt1"/>
-          </a:fontRef>
-        </p:style>
-        <p:txBody>
-          <a:bodyPr rtlCol="0" anchor="ctr"/>
-          <a:lstStyle/>
-          <a:p>
-            <a:pPr algn="ctr"/>
-            <a:endParaRPr kumimoji="1" lang="ja-JP" altLang="en-US" dirty="0">
-              <a:solidFill>
-                <a:schemeClr val="tx1"/>
-              </a:solidFill>
-            </a:endParaRPr>
-          </a:p>
-        </p:txBody>
-      </p:sp>
-      <p:sp>
-        <p:nvSpPr>
-          <p:cNvPr id="5" name="正方形/長方形 4">
-            <a:extLst>
-              <a:ext uri="{FF2B5EF4-FFF2-40B4-BE49-F238E27FC236}">
-                <a16:creationId xmlns:a16="http://schemas.microsoft.com/office/drawing/2014/main" id="{E540B43E-751B-4F94-82CD-60B97EA7E55F}"/>
-              </a:ext>
-            </a:extLst>
-          </p:cNvPr>
-          <p:cNvSpPr/>
-          <p:nvPr/>
-        </p:nvSpPr>
-        <p:spPr>
-          <a:xfrm>
-            <a:off x="2592281" y="2666092"/>
-            <a:ext cx="1716348" cy="2727092"/>
-          </a:xfrm>
-          <a:prstGeom prst="rect">
-            <a:avLst/>
-          </a:prstGeom>
-          <a:noFill/>
-          <a:ln w="28575">
-            <a:solidFill>
-              <a:schemeClr val="tx1"/>
-            </a:solidFill>
-          </a:ln>
-        </p:spPr>
-        <p:style>
-          <a:lnRef idx="2">
-            <a:schemeClr val="accent1">
-              <a:shade val="50000"/>
-            </a:schemeClr>
-          </a:lnRef>
-          <a:fillRef idx="1">
-            <a:schemeClr val="accent1"/>
-          </a:fillRef>
-          <a:effectRef idx="0">
-            <a:schemeClr val="accent1"/>
-          </a:effectRef>
-          <a:fontRef idx="minor">
-            <a:schemeClr val="lt1"/>
-          </a:fontRef>
-        </p:style>
-        <p:txBody>
-          <a:bodyPr rtlCol="0" anchor="ctr"/>
-          <a:lstStyle/>
-          <a:p>
-            <a:pPr algn="ctr"/>
-            <a:endParaRPr kumimoji="1" lang="ja-JP" altLang="en-US"/>
-          </a:p>
-        </p:txBody>
-      </p:sp>
-      <p:sp>
-        <p:nvSpPr>
-          <p:cNvPr id="6" name="テキスト ボックス 5">
-            <a:extLst>
-              <a:ext uri="{FF2B5EF4-FFF2-40B4-BE49-F238E27FC236}">
-                <a16:creationId xmlns:a16="http://schemas.microsoft.com/office/drawing/2014/main" id="{723A8CC9-D2F5-4DDD-9EAC-D2BC763FE4BD}"/>
-              </a:ext>
-            </a:extLst>
-          </p:cNvPr>
-          <p:cNvSpPr txBox="1"/>
-          <p:nvPr/>
-        </p:nvSpPr>
-        <p:spPr>
-          <a:xfrm>
-            <a:off x="1305017" y="2790379"/>
-            <a:ext cx="1127465" cy="646331"/>
-          </a:xfrm>
-          <a:prstGeom prst="rect">
-            <a:avLst/>
-          </a:prstGeom>
-          <a:noFill/>
-        </p:spPr>
-        <p:txBody>
-          <a:bodyPr wrap="square" rtlCol="0">
-            <a:spAutoFit/>
-          </a:bodyPr>
-          <a:lstStyle/>
-          <a:p>
-            <a:pPr algn="ctr"/>
-            <a:r>
-              <a:rPr kumimoji="1" lang="en-US" altLang="ja-JP" b="1" dirty="0" err="1"/>
-              <a:t>Todo</a:t>
-            </a:r>
-            <a:endParaRPr kumimoji="1" lang="en-US" altLang="ja-JP" b="1" dirty="0"/>
-          </a:p>
-          <a:p>
-            <a:endParaRPr kumimoji="1" lang="ja-JP" altLang="en-US" dirty="0"/>
-          </a:p>
-        </p:txBody>
-      </p:sp>
-      <p:sp>
-        <p:nvSpPr>
-          <p:cNvPr id="7" name="テキスト ボックス 6">
-            <a:extLst>
-              <a:ext uri="{FF2B5EF4-FFF2-40B4-BE49-F238E27FC236}">
-                <a16:creationId xmlns:a16="http://schemas.microsoft.com/office/drawing/2014/main" id="{BF162CF0-E980-40CA-9724-33B7EC72430F}"/>
-              </a:ext>
-            </a:extLst>
-          </p:cNvPr>
-          <p:cNvSpPr txBox="1"/>
-          <p:nvPr/>
-        </p:nvSpPr>
-        <p:spPr>
-          <a:xfrm>
-            <a:off x="2957744" y="2790379"/>
-            <a:ext cx="1127465" cy="646331"/>
-          </a:xfrm>
-          <a:prstGeom prst="rect">
-            <a:avLst/>
-          </a:prstGeom>
-          <a:noFill/>
-        </p:spPr>
-        <p:txBody>
-          <a:bodyPr wrap="square" rtlCol="0">
-            <a:spAutoFit/>
-          </a:bodyPr>
-          <a:lstStyle/>
-          <a:p>
-            <a:pPr algn="ctr"/>
-            <a:r>
-              <a:rPr lang="en-US" altLang="ja-JP" b="1" dirty="0"/>
-              <a:t>doing</a:t>
-            </a:r>
-            <a:endParaRPr kumimoji="1" lang="en-US" altLang="ja-JP" b="1" dirty="0"/>
-          </a:p>
-          <a:p>
-            <a:endParaRPr kumimoji="1" lang="ja-JP" altLang="en-US" dirty="0"/>
-          </a:p>
-        </p:txBody>
-      </p:sp>
-      <p:sp>
-        <p:nvSpPr>
-          <p:cNvPr id="8" name="テキスト ボックス 7">
-            <a:extLst>
-              <a:ext uri="{FF2B5EF4-FFF2-40B4-BE49-F238E27FC236}">
-                <a16:creationId xmlns:a16="http://schemas.microsoft.com/office/drawing/2014/main" id="{CD05305F-6794-4508-BADC-D88223F86435}"/>
-              </a:ext>
-            </a:extLst>
-          </p:cNvPr>
-          <p:cNvSpPr txBox="1"/>
-          <p:nvPr/>
-        </p:nvSpPr>
-        <p:spPr>
-          <a:xfrm>
-            <a:off x="4461028" y="2790379"/>
-            <a:ext cx="1127465" cy="646331"/>
-          </a:xfrm>
-          <a:prstGeom prst="rect">
-            <a:avLst/>
-          </a:prstGeom>
-          <a:noFill/>
-        </p:spPr>
-        <p:txBody>
-          <a:bodyPr wrap="square" rtlCol="0">
-            <a:spAutoFit/>
-          </a:bodyPr>
-          <a:lstStyle/>
-          <a:p>
-            <a:pPr algn="ctr"/>
-            <a:r>
-              <a:rPr kumimoji="1" lang="en-US" altLang="ja-JP" b="1" dirty="0"/>
-              <a:t>done</a:t>
-            </a:r>
-          </a:p>
-          <a:p>
-            <a:endParaRPr kumimoji="1" lang="ja-JP" altLang="en-US" dirty="0"/>
-          </a:p>
-        </p:txBody>
-      </p:sp>
-      <p:pic>
-        <p:nvPicPr>
-          <p:cNvPr id="10" name="図 9" descr="挿絵 が含まれている画像&#10;&#10;自動的に生成された説明">
-            <a:extLst>
-              <a:ext uri="{FF2B5EF4-FFF2-40B4-BE49-F238E27FC236}">
-                <a16:creationId xmlns:a16="http://schemas.microsoft.com/office/drawing/2014/main" id="{004E6307-0ABC-48F8-9FB1-0B7D8CC5C9B6}"/>
-              </a:ext>
-            </a:extLst>
-          </p:cNvPr>
-          <p:cNvPicPr>
-            <a:picLocks noChangeAspect="1"/>
-          </p:cNvPicPr>
-          <p:nvPr/>
-        </p:nvPicPr>
-        <p:blipFill>
-          <a:blip r:embed="rId3">
-            <a:extLst>
-              <a:ext uri="{28A0092B-C50C-407E-A947-70E740481C1C}">
-                <a14:useLocalDpi xmlns:a14="http://schemas.microsoft.com/office/drawing/2010/main" val="0"/>
-              </a:ext>
-            </a:extLst>
-          </a:blip>
-          <a:stretch>
-            <a:fillRect/>
-          </a:stretch>
-        </p:blipFill>
-        <p:spPr>
-          <a:xfrm>
-            <a:off x="6670095" y="3429000"/>
-            <a:ext cx="2021375" cy="1576479"/>
-          </a:xfrm>
-          <a:prstGeom prst="rect">
-            <a:avLst/>
-          </a:prstGeom>
-        </p:spPr>
-      </p:pic>
-      <p:sp>
-        <p:nvSpPr>
-          <p:cNvPr id="11" name="テキスト ボックス 10">
-            <a:extLst>
-              <a:ext uri="{FF2B5EF4-FFF2-40B4-BE49-F238E27FC236}">
-                <a16:creationId xmlns:a16="http://schemas.microsoft.com/office/drawing/2014/main" id="{0A2693F0-F0D6-4D18-9F9C-454F4102F0DC}"/>
-              </a:ext>
-            </a:extLst>
-          </p:cNvPr>
-          <p:cNvSpPr txBox="1"/>
-          <p:nvPr/>
-        </p:nvSpPr>
-        <p:spPr>
-          <a:xfrm>
-            <a:off x="1346443" y="3270732"/>
-            <a:ext cx="1086039" cy="646331"/>
-          </a:xfrm>
-          <a:prstGeom prst="rect">
-            <a:avLst/>
-          </a:prstGeom>
-          <a:noFill/>
-          <a:ln w="12700">
-            <a:solidFill>
-              <a:schemeClr val="tx1"/>
-            </a:solidFill>
-          </a:ln>
-        </p:spPr>
-        <p:txBody>
-          <a:bodyPr wrap="square" rtlCol="0">
-            <a:spAutoFit/>
-          </a:bodyPr>
-          <a:lstStyle/>
-          <a:p>
-            <a:pPr algn="ctr"/>
-            <a:r>
-              <a:rPr kumimoji="1" lang="en-US" altLang="ja-JP" dirty="0"/>
-              <a:t>Story</a:t>
-            </a:r>
-          </a:p>
-          <a:p>
-            <a:endParaRPr kumimoji="1" lang="ja-JP" altLang="en-US" dirty="0"/>
-          </a:p>
-        </p:txBody>
-      </p:sp>
-      <p:sp>
-        <p:nvSpPr>
-          <p:cNvPr id="12" name="テキスト ボックス 11">
-            <a:extLst>
-              <a:ext uri="{FF2B5EF4-FFF2-40B4-BE49-F238E27FC236}">
-                <a16:creationId xmlns:a16="http://schemas.microsoft.com/office/drawing/2014/main" id="{122FECC1-7696-4556-9C77-61CF155FB27D}"/>
-              </a:ext>
-            </a:extLst>
-          </p:cNvPr>
-          <p:cNvSpPr txBox="1"/>
-          <p:nvPr/>
-        </p:nvSpPr>
-        <p:spPr>
-          <a:xfrm>
-            <a:off x="1353843" y="4213235"/>
-            <a:ext cx="1086039" cy="646331"/>
-          </a:xfrm>
-          <a:prstGeom prst="rect">
-            <a:avLst/>
-          </a:prstGeom>
-          <a:noFill/>
-          <a:ln w="12700">
-            <a:solidFill>
-              <a:schemeClr val="tx1"/>
-            </a:solidFill>
-          </a:ln>
-        </p:spPr>
-        <p:txBody>
-          <a:bodyPr wrap="square" rtlCol="0">
-            <a:spAutoFit/>
-          </a:bodyPr>
-          <a:lstStyle/>
-          <a:p>
-            <a:pPr algn="ctr"/>
-            <a:r>
-              <a:rPr kumimoji="1" lang="en-US" altLang="ja-JP" dirty="0"/>
-              <a:t>Story</a:t>
-            </a:r>
-          </a:p>
-          <a:p>
-            <a:endParaRPr kumimoji="1" lang="ja-JP" altLang="en-US" dirty="0"/>
-          </a:p>
-        </p:txBody>
-      </p:sp>
-      <p:sp>
-        <p:nvSpPr>
-          <p:cNvPr id="13" name="テキスト ボックス 12">
-            <a:extLst>
-              <a:ext uri="{FF2B5EF4-FFF2-40B4-BE49-F238E27FC236}">
-                <a16:creationId xmlns:a16="http://schemas.microsoft.com/office/drawing/2014/main" id="{E247993B-7695-4ABA-B3F9-6137891F5720}"/>
-              </a:ext>
-            </a:extLst>
-          </p:cNvPr>
-          <p:cNvSpPr txBox="1"/>
-          <p:nvPr/>
-        </p:nvSpPr>
-        <p:spPr>
-          <a:xfrm>
-            <a:off x="2870444" y="3270732"/>
-            <a:ext cx="1086039" cy="646331"/>
-          </a:xfrm>
-          <a:prstGeom prst="rect">
-            <a:avLst/>
-          </a:prstGeom>
-          <a:noFill/>
-          <a:ln w="12700">
-            <a:solidFill>
-              <a:schemeClr val="tx1"/>
-            </a:solidFill>
-          </a:ln>
-        </p:spPr>
-        <p:txBody>
-          <a:bodyPr wrap="square" rtlCol="0">
-            <a:spAutoFit/>
-          </a:bodyPr>
-          <a:lstStyle/>
-          <a:p>
-            <a:pPr algn="ctr"/>
-            <a:r>
-              <a:rPr kumimoji="1" lang="en-US" altLang="ja-JP" dirty="0"/>
-              <a:t>Story</a:t>
-            </a:r>
-          </a:p>
-          <a:p>
-            <a:endParaRPr kumimoji="1" lang="ja-JP" altLang="en-US" dirty="0"/>
-          </a:p>
-        </p:txBody>
-      </p:sp>
-      <p:sp>
-        <p:nvSpPr>
-          <p:cNvPr id="9" name="スライド番号プレースホルダー 8">
-            <a:extLst>
-              <a:ext uri="{FF2B5EF4-FFF2-40B4-BE49-F238E27FC236}">
-                <a16:creationId xmlns:a16="http://schemas.microsoft.com/office/drawing/2014/main" id="{CDC318EC-940F-4DCC-B031-76D33E429E7D}"/>
+                <a16:creationId xmlns:a16="http://schemas.microsoft.com/office/drawing/2014/main" id="{572FEF9F-6351-43DD-8120-E9E29C207121}"/>
               </a:ext>
             </a:extLst>
           </p:cNvPr>
@@ -9067,7 +8623,7 @@
     </p:spTree>
     <p:extLst>
       <p:ext uri="{BB962C8B-B14F-4D97-AF65-F5344CB8AC3E}">
-        <p14:creationId xmlns:p14="http://schemas.microsoft.com/office/powerpoint/2010/main" val="844471321"/>
+        <p14:creationId xmlns:p14="http://schemas.microsoft.com/office/powerpoint/2010/main" val="3793608313"/>
       </p:ext>
     </p:extLst>
   </p:cSld>
@@ -9078,163 +8634,6 @@
 </file>
 
 <file path=ppt/slides/slide3.xml><?xml version="1.0" encoding="utf-8"?>
-<p:sld xmlns:a="http://schemas.openxmlformats.org/drawingml/2006/main" xmlns:r="http://schemas.openxmlformats.org/officeDocument/2006/relationships" xmlns:p="http://schemas.openxmlformats.org/presentationml/2006/main">
-  <p:cSld>
-    <p:spTree>
-      <p:nvGrpSpPr>
-        <p:cNvPr id="1" name=""/>
-        <p:cNvGrpSpPr/>
-        <p:nvPr/>
-      </p:nvGrpSpPr>
-      <p:grpSpPr>
-        <a:xfrm>
-          <a:off x="0" y="0"/>
-          <a:ext cx="0" cy="0"/>
-          <a:chOff x="0" y="0"/>
-          <a:chExt cx="0" cy="0"/>
-        </a:xfrm>
-      </p:grpSpPr>
-      <p:sp>
-        <p:nvSpPr>
-          <p:cNvPr id="2" name="タイトル 1">
-            <a:extLst>
-              <a:ext uri="{FF2B5EF4-FFF2-40B4-BE49-F238E27FC236}">
-                <a16:creationId xmlns:a16="http://schemas.microsoft.com/office/drawing/2014/main" id="{4EABB958-07DC-400A-A187-736074D0FA43}"/>
-              </a:ext>
-            </a:extLst>
-          </p:cNvPr>
-          <p:cNvSpPr>
-            <a:spLocks noGrp="1"/>
-          </p:cNvSpPr>
-          <p:nvPr>
-            <p:ph type="title"/>
-          </p:nvPr>
-        </p:nvSpPr>
-        <p:spPr>
-          <a:xfrm>
-            <a:off x="2592925" y="624109"/>
-            <a:ext cx="8911687" cy="1648573"/>
-          </a:xfrm>
-        </p:spPr>
-        <p:txBody>
-          <a:bodyPr>
-            <a:normAutofit/>
-          </a:bodyPr>
-          <a:lstStyle/>
-          <a:p>
-            <a:r>
-              <a:rPr kumimoji="1" lang="ja-JP" altLang="en-US" sz="4800" dirty="0"/>
-              <a:t>アナログのカンバンゲームの問題点</a:t>
-            </a:r>
-          </a:p>
-        </p:txBody>
-      </p:sp>
-      <p:sp>
-        <p:nvSpPr>
-          <p:cNvPr id="3" name="コンテンツ プレースホルダー 2">
-            <a:extLst>
-              <a:ext uri="{FF2B5EF4-FFF2-40B4-BE49-F238E27FC236}">
-                <a16:creationId xmlns:a16="http://schemas.microsoft.com/office/drawing/2014/main" id="{970EFB66-A824-4091-BA6E-D8C90934CAFA}"/>
-              </a:ext>
-            </a:extLst>
-          </p:cNvPr>
-          <p:cNvSpPr>
-            <a:spLocks noGrp="1"/>
-          </p:cNvSpPr>
-          <p:nvPr>
-            <p:ph idx="1"/>
-          </p:nvPr>
-        </p:nvSpPr>
-        <p:spPr>
-          <a:xfrm>
-            <a:off x="2589212" y="2932590"/>
-            <a:ext cx="8915400" cy="3777622"/>
-          </a:xfrm>
-        </p:spPr>
-        <p:txBody>
-          <a:bodyPr>
-            <a:normAutofit fontScale="85000" lnSpcReduction="20000"/>
-          </a:bodyPr>
-          <a:lstStyle/>
-          <a:p>
-            <a:r>
-              <a:rPr kumimoji="1" lang="ja-JP" altLang="en-US" sz="4000" dirty="0"/>
-              <a:t>タスク残量の管理が難しい。</a:t>
-            </a:r>
-            <a:endParaRPr kumimoji="1" lang="en-US" altLang="ja-JP" sz="4000" dirty="0"/>
-          </a:p>
-          <a:p>
-            <a:r>
-              <a:rPr lang="ja-JP" altLang="en-US" sz="4000" dirty="0"/>
-              <a:t>ターン経過の把握が難しい。</a:t>
-            </a:r>
-            <a:endParaRPr lang="en-US" altLang="ja-JP" sz="4000" dirty="0"/>
-          </a:p>
-          <a:p>
-            <a:r>
-              <a:rPr kumimoji="1" lang="ja-JP" altLang="en-US" sz="4000" dirty="0"/>
-              <a:t>進捗記録表の記入ミスができる可能性がある。</a:t>
-            </a:r>
-            <a:endParaRPr kumimoji="1" lang="en-US" altLang="ja-JP" sz="4000" dirty="0"/>
-          </a:p>
-          <a:p>
-            <a:r>
-              <a:rPr lang="ja-JP" altLang="en-US" sz="4000" dirty="0"/>
-              <a:t>準備が大変</a:t>
-            </a:r>
-            <a:endParaRPr lang="en-US" altLang="ja-JP" sz="4000" dirty="0"/>
-          </a:p>
-          <a:p>
-            <a:r>
-              <a:rPr kumimoji="1" lang="ja-JP" altLang="en-US" sz="4000" dirty="0"/>
-              <a:t>進捗記録表の記入に気を取られてゲームに集中できない。</a:t>
-            </a:r>
-          </a:p>
-        </p:txBody>
-      </p:sp>
-      <p:sp>
-        <p:nvSpPr>
-          <p:cNvPr id="4" name="スライド番号プレースホルダー 3">
-            <a:extLst>
-              <a:ext uri="{FF2B5EF4-FFF2-40B4-BE49-F238E27FC236}">
-                <a16:creationId xmlns:a16="http://schemas.microsoft.com/office/drawing/2014/main" id="{B9A9841D-BFB6-48D0-AC9A-166D1C2058B1}"/>
-              </a:ext>
-            </a:extLst>
-          </p:cNvPr>
-          <p:cNvSpPr>
-            <a:spLocks noGrp="1"/>
-          </p:cNvSpPr>
-          <p:nvPr>
-            <p:ph type="sldNum" sz="quarter" idx="12"/>
-          </p:nvPr>
-        </p:nvSpPr>
-        <p:spPr/>
-        <p:txBody>
-          <a:bodyPr/>
-          <a:lstStyle/>
-          <a:p>
-            <a:fld id="{B3691BCB-4059-41CC-B14D-F86F2FE9ADC5}" type="slidenum">
-              <a:rPr kumimoji="1" lang="ja-JP" altLang="en-US" smtClean="0"/>
-              <a:t>3</a:t>
-            </a:fld>
-            <a:endParaRPr kumimoji="1" lang="ja-JP" altLang="en-US"/>
-          </a:p>
-        </p:txBody>
-      </p:sp>
-    </p:spTree>
-    <p:extLst>
-      <p:ext uri="{BB962C8B-B14F-4D97-AF65-F5344CB8AC3E}">
-        <p14:creationId xmlns:p14="http://schemas.microsoft.com/office/powerpoint/2010/main" val="4069551384"/>
-      </p:ext>
-    </p:extLst>
-  </p:cSld>
-  <p:clrMapOvr>
-    <a:masterClrMapping/>
-  </p:clrMapOvr>
-</p:sld>
-</file>
-
-<file path=ppt/slides/slide4.xml><?xml version="1.0" encoding="utf-8"?>
 <p:sld xmlns:a="http://schemas.openxmlformats.org/drawingml/2006/main" xmlns:r="http://schemas.openxmlformats.org/officeDocument/2006/relationships" xmlns:p="http://schemas.openxmlformats.org/presentationml/2006/main">
   <p:cSld>
     <p:bg>
@@ -9279,7 +8678,7 @@
       </p:grpSpPr>
       <p:sp useBgFill="1">
         <p:nvSpPr>
-          <p:cNvPr id="22" name="Rectangle 21">
+          <p:cNvPr id="29" name="Rectangle 28">
             <a:extLst>
               <a:ext uri="{FF2B5EF4-FFF2-40B4-BE49-F238E27FC236}">
                 <a16:creationId xmlns:a16="http://schemas.microsoft.com/office/drawing/2014/main" id="{3F4C104D-5F30-4811-9376-566B26E4719A}"/>
@@ -9342,7 +8741,7 @@
           <p:cNvPr id="2" name="タイトル 1">
             <a:extLst>
               <a:ext uri="{FF2B5EF4-FFF2-40B4-BE49-F238E27FC236}">
-                <a16:creationId xmlns:a16="http://schemas.microsoft.com/office/drawing/2014/main" id="{37AAB1D0-BD47-44ED-9BC5-CAFAD3396FC7}"/>
+                <a16:creationId xmlns:a16="http://schemas.microsoft.com/office/drawing/2014/main" id="{396A8986-FD92-44AC-B188-79C3FCB9D580}"/>
               </a:ext>
             </a:extLst>
           </p:cNvPr>
@@ -9355,8 +8754,8 @@
         </p:nvSpPr>
         <p:spPr>
           <a:xfrm>
-            <a:off x="649224" y="645106"/>
-            <a:ext cx="5795964" cy="980125"/>
+            <a:off x="649225" y="526710"/>
+            <a:ext cx="6017905" cy="980802"/>
           </a:xfrm>
         </p:spPr>
         <p:txBody>
@@ -9367,14 +8766,14 @@
           <a:p>
             <a:r>
               <a:rPr kumimoji="1" lang="ja-JP" altLang="en-US" sz="4800" dirty="0"/>
-              <a:t>提案するもの</a:t>
-            </a:r>
-          </a:p>
-        </p:txBody>
-      </p:sp>
-      <p:sp>
-        <p:nvSpPr>
-          <p:cNvPr id="24" name="Rectangle 23">
+              <a:t>カンバンゲームとは</a:t>
+            </a:r>
+          </a:p>
+        </p:txBody>
+      </p:sp>
+      <p:sp>
+        <p:nvSpPr>
+          <p:cNvPr id="31" name="Rectangle 30">
             <a:extLst>
               <a:ext uri="{FF2B5EF4-FFF2-40B4-BE49-F238E27FC236}">
                 <a16:creationId xmlns:a16="http://schemas.microsoft.com/office/drawing/2014/main" id="{0815E34B-5D02-4E01-A936-E8E1C0AB6F12}"/>
@@ -9428,10 +8827,10 @@
       </p:sp>
       <p:sp>
         <p:nvSpPr>
-          <p:cNvPr id="7" name="コンテンツ プレースホルダー 6">
+          <p:cNvPr id="3" name="コンテンツ プレースホルダー 2">
             <a:extLst>
               <a:ext uri="{FF2B5EF4-FFF2-40B4-BE49-F238E27FC236}">
-                <a16:creationId xmlns:a16="http://schemas.microsoft.com/office/drawing/2014/main" id="{36F2F329-9410-4DA5-B1F2-0E348C020EAF}"/>
+                <a16:creationId xmlns:a16="http://schemas.microsoft.com/office/drawing/2014/main" id="{0F091825-2A2A-4771-BA7D-8836F4459874}"/>
               </a:ext>
             </a:extLst>
           </p:cNvPr>
@@ -9444,8 +8843,8 @@
         </p:nvSpPr>
         <p:spPr>
           <a:xfrm>
-            <a:off x="649225" y="2133600"/>
-            <a:ext cx="3650278" cy="3759253"/>
+            <a:off x="649225" y="1671961"/>
+            <a:ext cx="3603179" cy="4895539"/>
           </a:xfrm>
         </p:spPr>
         <p:txBody>
@@ -9455,18 +8854,44 @@
           <a:lstStyle/>
           <a:p>
             <a:r>
-              <a:rPr lang="ja-JP" altLang="en-US" sz="3200" dirty="0"/>
-              <a:t>デジタル化したカンバンゲーム</a:t>
-            </a:r>
+              <a:rPr lang="ja-JP" altLang="en-US" sz="3500" dirty="0"/>
+              <a:t>タスクボードを使ってチームで</a:t>
+            </a:r>
+            <a:r>
+              <a:rPr lang="ja-JP" altLang="en-US" sz="3700" dirty="0"/>
+              <a:t>仕事を進める手法を学ぶゲームです。</a:t>
+            </a:r>
+            <a:endParaRPr kumimoji="1" lang="en-US" altLang="ja-JP" sz="3700" dirty="0"/>
+          </a:p>
+          <a:p>
+            <a:endParaRPr lang="en-US" altLang="ja-JP" dirty="0"/>
+          </a:p>
+          <a:p>
+            <a:pPr marL="0" indent="0">
+              <a:buNone/>
+            </a:pPr>
+            <a:endParaRPr lang="en-US" altLang="ja-JP" dirty="0"/>
+          </a:p>
+          <a:p>
+            <a:endParaRPr kumimoji="1" lang="en-US" altLang="ja-JP" dirty="0"/>
+          </a:p>
+          <a:p>
+            <a:endParaRPr lang="en-US" altLang="ja-JP" dirty="0"/>
+          </a:p>
+          <a:p>
+            <a:pPr marL="0" indent="0">
+              <a:buNone/>
+            </a:pPr>
+            <a:endParaRPr kumimoji="1" lang="en-US" altLang="ja-JP" dirty="0"/>
           </a:p>
         </p:txBody>
       </p:sp>
       <p:pic>
         <p:nvPicPr>
-          <p:cNvPr id="8" name="コンテンツ プレースホルダー 4" descr="スクリーンショットの画面&#10;&#10;自動的に生成された説明">
+          <p:cNvPr id="15" name="図 14" descr="テキスト が含まれている画像&#10;&#10;自動的に生成された説明">
             <a:extLst>
               <a:ext uri="{FF2B5EF4-FFF2-40B4-BE49-F238E27FC236}">
-                <a16:creationId xmlns:a16="http://schemas.microsoft.com/office/drawing/2014/main" id="{DBB405AD-D8DE-4C19-911E-C3571D9B62AD}"/>
+                <a16:creationId xmlns:a16="http://schemas.microsoft.com/office/drawing/2014/main" id="{2945CF38-C252-4220-87A9-10C0E182BFDC}"/>
               </a:ext>
             </a:extLst>
           </p:cNvPr>
@@ -9483,13 +8908,13 @@
               </a:ext>
             </a:extLst>
           </a:blip>
-          <a:srcRect l="2472" r="153" b="3"/>
+          <a:srcRect l="716" r="-1" b="-1"/>
           <a:stretch/>
         </p:blipFill>
         <p:spPr>
           <a:xfrm>
-            <a:off x="4765848" y="1294730"/>
-            <a:ext cx="6953577" cy="4766493"/>
+            <a:off x="5045813" y="1338964"/>
+            <a:ext cx="6132326" cy="4632395"/>
           </a:xfrm>
           <a:prstGeom prst="rect">
             <a:avLst/>
@@ -9498,7 +8923,7 @@
       </p:pic>
       <p:sp>
         <p:nvSpPr>
-          <p:cNvPr id="26" name="Freeform 11">
+          <p:cNvPr id="33" name="Freeform 11">
             <a:extLst>
               <a:ext uri="{FF2B5EF4-FFF2-40B4-BE49-F238E27FC236}">
                 <a16:creationId xmlns:a16="http://schemas.microsoft.com/office/drawing/2014/main" id="{7DE3414B-B032-4710-A468-D3285E38C5FF}"/>
@@ -9715,10 +9140,10 @@
       </p:sp>
       <p:sp>
         <p:nvSpPr>
-          <p:cNvPr id="3" name="スライド番号プレースホルダー 2">
+          <p:cNvPr id="9" name="スライド番号プレースホルダー 8">
             <a:extLst>
               <a:ext uri="{FF2B5EF4-FFF2-40B4-BE49-F238E27FC236}">
-                <a16:creationId xmlns:a16="http://schemas.microsoft.com/office/drawing/2014/main" id="{CF9BF0F7-3FBC-42C5-8233-40C6A939FD0B}"/>
+                <a16:creationId xmlns:a16="http://schemas.microsoft.com/office/drawing/2014/main" id="{CDC318EC-940F-4DCC-B031-76D33E429E7D}"/>
               </a:ext>
             </a:extLst>
           </p:cNvPr>
@@ -9759,16 +9184,55 @@
                   <a:spcPts val="600"/>
                 </a:spcAft>
               </a:pPr>
-              <a:t>4</a:t>
+              <a:t>3</a:t>
             </a:fld>
             <a:endParaRPr kumimoji="1" lang="ja-JP" altLang="en-US" sz="1900"/>
+          </a:p>
+        </p:txBody>
+      </p:sp>
+      <p:sp>
+        <p:nvSpPr>
+          <p:cNvPr id="16" name="フッター プレースホルダー 15">
+            <a:extLst>
+              <a:ext uri="{FF2B5EF4-FFF2-40B4-BE49-F238E27FC236}">
+                <a16:creationId xmlns:a16="http://schemas.microsoft.com/office/drawing/2014/main" id="{F717A6CA-3BA8-454D-B72F-90099F0476A5}"/>
+              </a:ext>
+            </a:extLst>
+          </p:cNvPr>
+          <p:cNvSpPr>
+            <a:spLocks noGrp="1"/>
+          </p:cNvSpPr>
+          <p:nvPr>
+            <p:ph type="ftr" sz="quarter" idx="11"/>
+          </p:nvPr>
+        </p:nvSpPr>
+        <p:spPr/>
+        <p:txBody>
+          <a:bodyPr/>
+          <a:lstStyle/>
+          <a:p>
+            <a:r>
+              <a:rPr kumimoji="1" lang="ja-JP" altLang="en-US" dirty="0"/>
+              <a:t>ゲーミフィケーション最終閲覧日</a:t>
+            </a:r>
+            <a:r>
+              <a:rPr kumimoji="1" lang="en-US" altLang="ja-JP" dirty="0"/>
+              <a:t>:2019/12/12</a:t>
+            </a:r>
+          </a:p>
+          <a:p>
+            <a:r>
+              <a:rPr kumimoji="1" lang="en-US" altLang="ja-JP" dirty="0"/>
+              <a:t>http://nemorine.hateblo.jp/category/%E3%82%B2%E3%83%BC%E3%83%9F%E3%83%95%E3%82%A3%E3%82%B1%E3%83%BC%E3%82%B7%E3%83%A7%E3%83%B3</a:t>
+            </a:r>
+            <a:endParaRPr kumimoji="1" lang="ja-JP" altLang="en-US" dirty="0"/>
           </a:p>
         </p:txBody>
       </p:sp>
     </p:spTree>
     <p:extLst>
       <p:ext uri="{BB962C8B-B14F-4D97-AF65-F5344CB8AC3E}">
-        <p14:creationId xmlns:p14="http://schemas.microsoft.com/office/powerpoint/2010/main" val="2612357184"/>
+        <p14:creationId xmlns:p14="http://schemas.microsoft.com/office/powerpoint/2010/main" val="844471321"/>
       </p:ext>
     </p:extLst>
   </p:cSld>
@@ -9778,7 +9242,7 @@
 </p:sld>
 </file>
 
-<file path=ppt/slides/slide5.xml><?xml version="1.0" encoding="utf-8"?>
+<file path=ppt/slides/slide4.xml><?xml version="1.0" encoding="utf-8"?>
 <p:sld xmlns:a="http://schemas.openxmlformats.org/drawingml/2006/main" xmlns:r="http://schemas.openxmlformats.org/officeDocument/2006/relationships" xmlns:p="http://schemas.openxmlformats.org/presentationml/2006/main">
   <p:cSld>
     <p:spTree>
@@ -9800,7 +9264,7 @@
           <p:cNvPr id="2" name="タイトル 1">
             <a:extLst>
               <a:ext uri="{FF2B5EF4-FFF2-40B4-BE49-F238E27FC236}">
-                <a16:creationId xmlns:a16="http://schemas.microsoft.com/office/drawing/2014/main" id="{AE0921F5-3D2D-4CEA-B2B0-6418F8C006A7}"/>
+                <a16:creationId xmlns:a16="http://schemas.microsoft.com/office/drawing/2014/main" id="{4EABB958-07DC-400A-A187-736074D0FA43}"/>
               </a:ext>
             </a:extLst>
           </p:cNvPr>
@@ -9811,7 +9275,12 @@
             <p:ph type="title"/>
           </p:nvPr>
         </p:nvSpPr>
-        <p:spPr/>
+        <p:spPr>
+          <a:xfrm>
+            <a:off x="2592925" y="624109"/>
+            <a:ext cx="8911687" cy="1648573"/>
+          </a:xfrm>
+        </p:spPr>
         <p:txBody>
           <a:bodyPr>
             <a:normAutofit/>
@@ -9820,7 +9289,7 @@
           <a:p>
             <a:r>
               <a:rPr kumimoji="1" lang="ja-JP" altLang="en-US" sz="4800" dirty="0"/>
-              <a:t>それによって解決すること</a:t>
+              <a:t>アナログのカンバンゲームの問題点</a:t>
             </a:r>
           </a:p>
         </p:txBody>
@@ -9830,7 +9299,7 @@
           <p:cNvPr id="3" name="コンテンツ プレースホルダー 2">
             <a:extLst>
               <a:ext uri="{FF2B5EF4-FFF2-40B4-BE49-F238E27FC236}">
-                <a16:creationId xmlns:a16="http://schemas.microsoft.com/office/drawing/2014/main" id="{01A7A85B-155A-4FAC-B645-473B0847D49D}"/>
+                <a16:creationId xmlns:a16="http://schemas.microsoft.com/office/drawing/2014/main" id="{970EFB66-A824-4091-BA6E-D8C90934CAFA}"/>
               </a:ext>
             </a:extLst>
           </p:cNvPr>
@@ -9841,59 +9310,35 @@
             <p:ph idx="1"/>
           </p:nvPr>
         </p:nvSpPr>
-        <p:spPr/>
+        <p:spPr>
+          <a:xfrm>
+            <a:off x="2589212" y="2932590"/>
+            <a:ext cx="8915400" cy="3777622"/>
+          </a:xfrm>
+        </p:spPr>
         <p:txBody>
           <a:bodyPr>
-            <a:normAutofit lnSpcReduction="10000"/>
+            <a:normAutofit/>
           </a:bodyPr>
           <a:lstStyle/>
           <a:p>
             <a:r>
-              <a:rPr kumimoji="1" lang="ja-JP" altLang="en-US" sz="4400" dirty="0"/>
-              <a:t>タスク残量の変化が自動</a:t>
-            </a:r>
-            <a:endParaRPr kumimoji="1" lang="en-US" altLang="ja-JP" sz="4400" dirty="0"/>
-          </a:p>
-          <a:p>
-            <a:r>
-              <a:rPr lang="ja-JP" altLang="en-US" sz="4400" dirty="0"/>
-              <a:t>ターン経過が自動</a:t>
-            </a:r>
-            <a:endParaRPr lang="en-US" altLang="ja-JP" sz="4400" dirty="0"/>
-          </a:p>
-          <a:p>
-            <a:r>
-              <a:rPr lang="ja-JP" altLang="en-US" sz="4400" dirty="0"/>
-              <a:t>進捗記録表が自動作成</a:t>
-            </a:r>
-            <a:endParaRPr lang="en-US" altLang="ja-JP" sz="4400" dirty="0"/>
-          </a:p>
-          <a:p>
-            <a:r>
-              <a:rPr lang="en-US" altLang="ja-JP" sz="4400" dirty="0"/>
-              <a:t>PC</a:t>
-            </a:r>
-            <a:r>
-              <a:rPr lang="ja-JP" altLang="en-US" sz="4400" dirty="0"/>
-              <a:t>があればすぐできる。</a:t>
-            </a:r>
-            <a:endParaRPr lang="en-US" altLang="ja-JP" sz="4400" dirty="0"/>
-          </a:p>
-          <a:p>
-            <a:r>
-              <a:rPr lang="ja-JP" altLang="en-US" sz="4400" dirty="0"/>
-              <a:t>ゲームに集中できる。</a:t>
-            </a:r>
-            <a:endParaRPr lang="en-US" altLang="ja-JP" sz="4400" dirty="0"/>
-          </a:p>
-          <a:p>
-            <a:endParaRPr lang="en-US" altLang="ja-JP" sz="4400" dirty="0"/>
-          </a:p>
-          <a:p>
-            <a:endParaRPr lang="en-US" altLang="ja-JP" sz="4400" dirty="0"/>
-          </a:p>
-          <a:p>
-            <a:endParaRPr kumimoji="1" lang="ja-JP" altLang="en-US" sz="4400" dirty="0"/>
+              <a:rPr kumimoji="1" lang="ja-JP" altLang="en-US" sz="4000" dirty="0"/>
+              <a:t>タスク残量の管理が難しい。</a:t>
+            </a:r>
+            <a:endParaRPr kumimoji="1" lang="en-US" altLang="ja-JP" sz="4000" dirty="0"/>
+          </a:p>
+          <a:p>
+            <a:r>
+              <a:rPr lang="ja-JP" altLang="en-US" sz="4000" dirty="0"/>
+              <a:t>ターン経過の把握が難しい。</a:t>
+            </a:r>
+          </a:p>
+          <a:p>
+            <a:r>
+              <a:rPr kumimoji="1" lang="ja-JP" altLang="en-US" sz="4000" dirty="0"/>
+              <a:t>ゲームの進行に必要な処理に気を取られてゲームに集中できない。</a:t>
+            </a:r>
           </a:p>
         </p:txBody>
       </p:sp>
@@ -9902,7 +9347,7 @@
           <p:cNvPr id="4" name="スライド番号プレースホルダー 3">
             <a:extLst>
               <a:ext uri="{FF2B5EF4-FFF2-40B4-BE49-F238E27FC236}">
-                <a16:creationId xmlns:a16="http://schemas.microsoft.com/office/drawing/2014/main" id="{E080A947-4A94-4F40-8C2D-F51B6E0BC0E7}"/>
+                <a16:creationId xmlns:a16="http://schemas.microsoft.com/office/drawing/2014/main" id="{B9A9841D-BFB6-48D0-AC9A-166D1C2058B1}"/>
               </a:ext>
             </a:extLst>
           </p:cNvPr>
@@ -9920,7 +9365,7 @@
           <a:p>
             <a:fld id="{B3691BCB-4059-41CC-B14D-F86F2FE9ADC5}" type="slidenum">
               <a:rPr kumimoji="1" lang="ja-JP" altLang="en-US" smtClean="0"/>
-              <a:t>5</a:t>
+              <a:t>4</a:t>
             </a:fld>
             <a:endParaRPr kumimoji="1" lang="ja-JP" altLang="en-US"/>
           </a:p>
@@ -9929,7 +9374,517 @@
     </p:spTree>
     <p:extLst>
       <p:ext uri="{BB962C8B-B14F-4D97-AF65-F5344CB8AC3E}">
-        <p14:creationId xmlns:p14="http://schemas.microsoft.com/office/powerpoint/2010/main" val="3954068478"/>
+        <p14:creationId xmlns:p14="http://schemas.microsoft.com/office/powerpoint/2010/main" val="4069551384"/>
+      </p:ext>
+    </p:extLst>
+  </p:cSld>
+  <p:clrMapOvr>
+    <a:masterClrMapping/>
+  </p:clrMapOvr>
+</p:sld>
+</file>
+
+<file path=ppt/slides/slide5.xml><?xml version="1.0" encoding="utf-8"?>
+<p:sld xmlns:a="http://schemas.openxmlformats.org/drawingml/2006/main" xmlns:r="http://schemas.openxmlformats.org/officeDocument/2006/relationships" xmlns:p="http://schemas.openxmlformats.org/presentationml/2006/main">
+  <p:cSld>
+    <p:bg>
+      <p:bgPr>
+        <a:gradFill rotWithShape="1">
+          <a:gsLst>
+            <a:gs pos="0">
+              <a:schemeClr val="bg2">
+                <a:tint val="90000"/>
+                <a:satMod val="92000"/>
+                <a:lumMod val="120000"/>
+              </a:schemeClr>
+            </a:gs>
+            <a:gs pos="100000">
+              <a:schemeClr val="bg2">
+                <a:shade val="98000"/>
+                <a:satMod val="120000"/>
+                <a:lumMod val="98000"/>
+              </a:schemeClr>
+            </a:gs>
+          </a:gsLst>
+          <a:path path="circle">
+            <a:fillToRect l="50000" t="50000" r="100000" b="100000"/>
+          </a:path>
+        </a:gradFill>
+        <a:effectLst/>
+      </p:bgPr>
+    </p:bg>
+    <p:spTree>
+      <p:nvGrpSpPr>
+        <p:cNvPr id="1" name=""/>
+        <p:cNvGrpSpPr/>
+        <p:nvPr/>
+      </p:nvGrpSpPr>
+      <p:grpSpPr>
+        <a:xfrm>
+          <a:off x="0" y="0"/>
+          <a:ext cx="0" cy="0"/>
+          <a:chOff x="0" y="0"/>
+          <a:chExt cx="0" cy="0"/>
+        </a:xfrm>
+      </p:grpSpPr>
+      <p:sp useBgFill="1">
+        <p:nvSpPr>
+          <p:cNvPr id="22" name="Rectangle 21">
+            <a:extLst>
+              <a:ext uri="{FF2B5EF4-FFF2-40B4-BE49-F238E27FC236}">
+                <a16:creationId xmlns:a16="http://schemas.microsoft.com/office/drawing/2014/main" id="{3F4C104D-5F30-4811-9376-566B26E4719A}"/>
+              </a:ext>
+              <a:ext uri="{C183D7F6-B498-43B3-948B-1728B52AA6E4}">
+                <adec:decorative xmlns:adec="http://schemas.microsoft.com/office/drawing/2017/decorative" val="1"/>
+              </a:ext>
+            </a:extLst>
+          </p:cNvPr>
+          <p:cNvSpPr>
+            <a:spLocks noGrp="1" noRot="1" noChangeAspect="1" noMove="1" noResize="1" noEditPoints="1" noAdjustHandles="1" noChangeArrowheads="1" noChangeShapeType="1" noTextEdit="1"/>
+          </p:cNvSpPr>
+          <p:nvPr>
+            <p:extLst>
+              <p:ext uri="{386F3935-93C4-4BCD-93E2-E3B085C9AB24}">
+                <p16:designElem xmlns:p16="http://schemas.microsoft.com/office/powerpoint/2015/main" val="1"/>
+              </p:ext>
+            </p:extLst>
+          </p:nvPr>
+        </p:nvSpPr>
+        <p:spPr>
+          <a:xfrm>
+            <a:off x="0" y="-786"/>
+            <a:ext cx="12192000" cy="6854038"/>
+          </a:xfrm>
+          <a:prstGeom prst="rect">
+            <a:avLst/>
+          </a:prstGeom>
+          <a:ln>
+            <a:noFill/>
+          </a:ln>
+        </p:spPr>
+        <p:style>
+          <a:lnRef idx="2">
+            <a:schemeClr val="accent1">
+              <a:shade val="50000"/>
+            </a:schemeClr>
+          </a:lnRef>
+          <a:fillRef idx="1">
+            <a:schemeClr val="accent1"/>
+          </a:fillRef>
+          <a:effectRef idx="0">
+            <a:schemeClr val="accent1"/>
+          </a:effectRef>
+          <a:fontRef idx="minor">
+            <a:schemeClr val="lt1"/>
+          </a:fontRef>
+        </p:style>
+        <p:txBody>
+          <a:bodyPr rtlCol="0" anchor="ctr"/>
+          <a:lstStyle/>
+          <a:p>
+            <a:pPr algn="ctr"/>
+            <a:endParaRPr lang="en-US"/>
+          </a:p>
+        </p:txBody>
+      </p:sp>
+      <p:sp>
+        <p:nvSpPr>
+          <p:cNvPr id="2" name="タイトル 1">
+            <a:extLst>
+              <a:ext uri="{FF2B5EF4-FFF2-40B4-BE49-F238E27FC236}">
+                <a16:creationId xmlns:a16="http://schemas.microsoft.com/office/drawing/2014/main" id="{37AAB1D0-BD47-44ED-9BC5-CAFAD3396FC7}"/>
+              </a:ext>
+            </a:extLst>
+          </p:cNvPr>
+          <p:cNvSpPr>
+            <a:spLocks noGrp="1"/>
+          </p:cNvSpPr>
+          <p:nvPr>
+            <p:ph type="title"/>
+          </p:nvPr>
+        </p:nvSpPr>
+        <p:spPr>
+          <a:xfrm>
+            <a:off x="649225" y="195119"/>
+            <a:ext cx="10873992" cy="580859"/>
+          </a:xfrm>
+        </p:spPr>
+        <p:txBody>
+          <a:bodyPr>
+            <a:normAutofit fontScale="90000"/>
+          </a:bodyPr>
+          <a:lstStyle/>
+          <a:p>
+            <a:r>
+              <a:rPr kumimoji="1" lang="ja-JP" altLang="en-US" sz="4800" dirty="0"/>
+              <a:t>提案するもの：デジタルカンバンゲーム</a:t>
+            </a:r>
+          </a:p>
+        </p:txBody>
+      </p:sp>
+      <p:sp>
+        <p:nvSpPr>
+          <p:cNvPr id="24" name="Rectangle 23">
+            <a:extLst>
+              <a:ext uri="{FF2B5EF4-FFF2-40B4-BE49-F238E27FC236}">
+                <a16:creationId xmlns:a16="http://schemas.microsoft.com/office/drawing/2014/main" id="{0815E34B-5D02-4E01-A936-E8E1C0AB6F12}"/>
+              </a:ext>
+              <a:ext uri="{C183D7F6-B498-43B3-948B-1728B52AA6E4}">
+                <adec:decorative xmlns:adec="http://schemas.microsoft.com/office/drawing/2017/decorative" val="1"/>
+              </a:ext>
+            </a:extLst>
+          </p:cNvPr>
+          <p:cNvSpPr>
+            <a:spLocks noGrp="1" noRot="1" noChangeAspect="1" noMove="1" noResize="1" noEditPoints="1" noAdjustHandles="1" noChangeArrowheads="1" noChangeShapeType="1" noTextEdit="1"/>
+          </p:cNvSpPr>
+          <p:nvPr>
+            <p:extLst>
+              <p:ext uri="{386F3935-93C4-4BCD-93E2-E3B085C9AB24}">
+                <p16:designElem xmlns:p16="http://schemas.microsoft.com/office/powerpoint/2015/main" val="1"/>
+              </p:ext>
+            </p:extLst>
+          </p:nvPr>
+        </p:nvSpPr>
+        <p:spPr>
+          <a:xfrm>
+            <a:off x="0" y="0"/>
+            <a:ext cx="182880" cy="6858000"/>
+          </a:xfrm>
+          <a:prstGeom prst="rect">
+            <a:avLst/>
+          </a:prstGeom>
+          <a:solidFill>
+            <a:schemeClr val="tx2"/>
+          </a:solidFill>
+          <a:ln>
+            <a:noFill/>
+          </a:ln>
+          <a:effectLst/>
+        </p:spPr>
+        <p:style>
+          <a:lnRef idx="1">
+            <a:schemeClr val="accent1"/>
+          </a:lnRef>
+          <a:fillRef idx="3">
+            <a:schemeClr val="accent1"/>
+          </a:fillRef>
+          <a:effectRef idx="2">
+            <a:schemeClr val="accent1"/>
+          </a:effectRef>
+          <a:fontRef idx="minor">
+            <a:schemeClr val="lt1"/>
+          </a:fontRef>
+        </p:style>
+      </p:sp>
+      <p:sp>
+        <p:nvSpPr>
+          <p:cNvPr id="26" name="Freeform 11">
+            <a:extLst>
+              <a:ext uri="{FF2B5EF4-FFF2-40B4-BE49-F238E27FC236}">
+                <a16:creationId xmlns:a16="http://schemas.microsoft.com/office/drawing/2014/main" id="{7DE3414B-B032-4710-A468-D3285E38C5FF}"/>
+              </a:ext>
+              <a:ext uri="{C183D7F6-B498-43B3-948B-1728B52AA6E4}">
+                <adec:decorative xmlns:adec="http://schemas.microsoft.com/office/drawing/2017/decorative" val="1"/>
+              </a:ext>
+            </a:extLst>
+          </p:cNvPr>
+          <p:cNvSpPr>
+            <a:spLocks noGrp="1" noRot="1" noChangeAspect="1" noMove="1" noResize="1" noEditPoints="1" noAdjustHandles="1" noChangeArrowheads="1" noChangeShapeType="1" noTextEdit="1"/>
+          </p:cNvSpPr>
+          <p:nvPr>
+            <p:extLst>
+              <p:ext uri="{386F3935-93C4-4BCD-93E2-E3B085C9AB24}">
+                <p16:designElem xmlns:p16="http://schemas.microsoft.com/office/powerpoint/2015/main" val="1"/>
+              </p:ext>
+            </p:extLst>
+          </p:nvPr>
+        </p:nvSpPr>
+        <p:spPr>
+          <a:xfrm>
+            <a:off x="-1" y="6061223"/>
+            <a:ext cx="1038036" cy="506277"/>
+          </a:xfrm>
+          <a:custGeom>
+            <a:avLst/>
+            <a:gdLst>
+              <a:gd name="connsiteX0" fmla="*/ 0 w 1038036"/>
+              <a:gd name="connsiteY0" fmla="*/ 0 h 506277"/>
+              <a:gd name="connsiteX1" fmla="*/ 182880 w 1038036"/>
+              <a:gd name="connsiteY1" fmla="*/ 0 h 506277"/>
+              <a:gd name="connsiteX2" fmla="*/ 291705 w 1038036"/>
+              <a:gd name="connsiteY2" fmla="*/ 0 h 506277"/>
+              <a:gd name="connsiteX3" fmla="*/ 291705 w 1038036"/>
+              <a:gd name="connsiteY3" fmla="*/ 151 h 506277"/>
+              <a:gd name="connsiteX4" fmla="*/ 692049 w 1038036"/>
+              <a:gd name="connsiteY4" fmla="*/ 705 h 506277"/>
+              <a:gd name="connsiteX5" fmla="*/ 782744 w 1038036"/>
+              <a:gd name="connsiteY5" fmla="*/ 705 h 506277"/>
+              <a:gd name="connsiteX6" fmla="*/ 797001 w 1038036"/>
+              <a:gd name="connsiteY6" fmla="*/ 5473 h 506277"/>
+              <a:gd name="connsiteX7" fmla="*/ 801982 w 1038036"/>
+              <a:gd name="connsiteY7" fmla="*/ 10242 h 506277"/>
+              <a:gd name="connsiteX8" fmla="*/ 1030951 w 1038036"/>
+              <a:gd name="connsiteY8" fmla="*/ 239185 h 506277"/>
+              <a:gd name="connsiteX9" fmla="*/ 1030951 w 1038036"/>
+              <a:gd name="connsiteY9" fmla="*/ 267797 h 506277"/>
+              <a:gd name="connsiteX10" fmla="*/ 801982 w 1038036"/>
+              <a:gd name="connsiteY10" fmla="*/ 496740 h 506277"/>
+              <a:gd name="connsiteX11" fmla="*/ 797001 w 1038036"/>
+              <a:gd name="connsiteY11" fmla="*/ 501508 h 506277"/>
+              <a:gd name="connsiteX12" fmla="*/ 782744 w 1038036"/>
+              <a:gd name="connsiteY12" fmla="*/ 506277 h 506277"/>
+              <a:gd name="connsiteX13" fmla="*/ 692049 w 1038036"/>
+              <a:gd name="connsiteY13" fmla="*/ 506277 h 506277"/>
+              <a:gd name="connsiteX14" fmla="*/ 291705 w 1038036"/>
+              <a:gd name="connsiteY14" fmla="*/ 505140 h 506277"/>
+              <a:gd name="connsiteX15" fmla="*/ 291705 w 1038036"/>
+              <a:gd name="connsiteY15" fmla="*/ 506277 h 506277"/>
+              <a:gd name="connsiteX16" fmla="*/ 0 w 1038036"/>
+              <a:gd name="connsiteY16" fmla="*/ 506277 h 506277"/>
+            </a:gdLst>
+            <a:ahLst/>
+            <a:cxnLst>
+              <a:cxn ang="0">
+                <a:pos x="connsiteX0" y="connsiteY0"/>
+              </a:cxn>
+              <a:cxn ang="0">
+                <a:pos x="connsiteX1" y="connsiteY1"/>
+              </a:cxn>
+              <a:cxn ang="0">
+                <a:pos x="connsiteX2" y="connsiteY2"/>
+              </a:cxn>
+              <a:cxn ang="0">
+                <a:pos x="connsiteX3" y="connsiteY3"/>
+              </a:cxn>
+              <a:cxn ang="0">
+                <a:pos x="connsiteX4" y="connsiteY4"/>
+              </a:cxn>
+              <a:cxn ang="0">
+                <a:pos x="connsiteX5" y="connsiteY5"/>
+              </a:cxn>
+              <a:cxn ang="0">
+                <a:pos x="connsiteX6" y="connsiteY6"/>
+              </a:cxn>
+              <a:cxn ang="0">
+                <a:pos x="connsiteX7" y="connsiteY7"/>
+              </a:cxn>
+              <a:cxn ang="0">
+                <a:pos x="connsiteX8" y="connsiteY8"/>
+              </a:cxn>
+              <a:cxn ang="0">
+                <a:pos x="connsiteX9" y="connsiteY9"/>
+              </a:cxn>
+              <a:cxn ang="0">
+                <a:pos x="connsiteX10" y="connsiteY10"/>
+              </a:cxn>
+              <a:cxn ang="0">
+                <a:pos x="connsiteX11" y="connsiteY11"/>
+              </a:cxn>
+              <a:cxn ang="0">
+                <a:pos x="connsiteX12" y="connsiteY12"/>
+              </a:cxn>
+              <a:cxn ang="0">
+                <a:pos x="connsiteX13" y="connsiteY13"/>
+              </a:cxn>
+              <a:cxn ang="0">
+                <a:pos x="connsiteX14" y="connsiteY14"/>
+              </a:cxn>
+              <a:cxn ang="0">
+                <a:pos x="connsiteX15" y="connsiteY15"/>
+              </a:cxn>
+              <a:cxn ang="0">
+                <a:pos x="connsiteX16" y="connsiteY16"/>
+              </a:cxn>
+            </a:cxnLst>
+            <a:rect l="l" t="t" r="r" b="b"/>
+            <a:pathLst>
+              <a:path w="1038036" h="506277">
+                <a:moveTo>
+                  <a:pt x="0" y="0"/>
+                </a:moveTo>
+                <a:lnTo>
+                  <a:pt x="182880" y="0"/>
+                </a:lnTo>
+                <a:lnTo>
+                  <a:pt x="291705" y="0"/>
+                </a:lnTo>
+                <a:lnTo>
+                  <a:pt x="291705" y="151"/>
+                </a:lnTo>
+                <a:lnTo>
+                  <a:pt x="692049" y="705"/>
+                </a:lnTo>
+                <a:lnTo>
+                  <a:pt x="782744" y="705"/>
+                </a:lnTo>
+                <a:cubicBezTo>
+                  <a:pt x="787553" y="705"/>
+                  <a:pt x="792363" y="5473"/>
+                  <a:pt x="797001" y="5473"/>
+                </a:cubicBezTo>
+                <a:cubicBezTo>
+                  <a:pt x="797001" y="10242"/>
+                  <a:pt x="801982" y="10242"/>
+                  <a:pt x="801982" y="10242"/>
+                </a:cubicBezTo>
+                <a:lnTo>
+                  <a:pt x="1030951" y="239185"/>
+                </a:lnTo>
+                <a:cubicBezTo>
+                  <a:pt x="1040398" y="248722"/>
+                  <a:pt x="1040398" y="258259"/>
+                  <a:pt x="1030951" y="267797"/>
+                </a:cubicBezTo>
+                <a:lnTo>
+                  <a:pt x="801982" y="496740"/>
+                </a:lnTo>
+                <a:cubicBezTo>
+                  <a:pt x="800436" y="498363"/>
+                  <a:pt x="798547" y="499885"/>
+                  <a:pt x="797001" y="501508"/>
+                </a:cubicBezTo>
+                <a:cubicBezTo>
+                  <a:pt x="792363" y="506277"/>
+                  <a:pt x="787553" y="506277"/>
+                  <a:pt x="782744" y="506277"/>
+                </a:cubicBezTo>
+                <a:lnTo>
+                  <a:pt x="692049" y="506277"/>
+                </a:lnTo>
+                <a:lnTo>
+                  <a:pt x="291705" y="505140"/>
+                </a:lnTo>
+                <a:lnTo>
+                  <a:pt x="291705" y="506277"/>
+                </a:lnTo>
+                <a:lnTo>
+                  <a:pt x="0" y="506277"/>
+                </a:lnTo>
+                <a:close/>
+              </a:path>
+            </a:pathLst>
+          </a:custGeom>
+          <a:ln>
+            <a:noFill/>
+          </a:ln>
+        </p:spPr>
+        <p:style>
+          <a:lnRef idx="2">
+            <a:schemeClr val="accent1">
+              <a:shade val="50000"/>
+            </a:schemeClr>
+          </a:lnRef>
+          <a:fillRef idx="1">
+            <a:schemeClr val="accent1"/>
+          </a:fillRef>
+          <a:effectRef idx="0">
+            <a:schemeClr val="accent1"/>
+          </a:effectRef>
+          <a:fontRef idx="minor">
+            <a:schemeClr val="lt1"/>
+          </a:fontRef>
+        </p:style>
+        <p:txBody>
+          <a:bodyPr rtlCol="0" anchor="ctr"/>
+          <a:lstStyle/>
+          <a:p>
+            <a:pPr algn="ctr"/>
+            <a:endParaRPr lang="en-US"/>
+          </a:p>
+        </p:txBody>
+      </p:sp>
+      <p:sp>
+        <p:nvSpPr>
+          <p:cNvPr id="3" name="スライド番号プレースホルダー 2">
+            <a:extLst>
+              <a:ext uri="{FF2B5EF4-FFF2-40B4-BE49-F238E27FC236}">
+                <a16:creationId xmlns:a16="http://schemas.microsoft.com/office/drawing/2014/main" id="{CF9BF0F7-3FBC-42C5-8233-40C6A939FD0B}"/>
+              </a:ext>
+            </a:extLst>
+          </p:cNvPr>
+          <p:cNvSpPr>
+            <a:spLocks noGrp="1"/>
+          </p:cNvSpPr>
+          <p:nvPr>
+            <p:ph type="sldNum" sz="quarter" idx="12"/>
+          </p:nvPr>
+        </p:nvSpPr>
+        <p:spPr>
+          <a:xfrm>
+            <a:off x="121514" y="6133610"/>
+            <a:ext cx="779767" cy="365125"/>
+          </a:xfrm>
+        </p:spPr>
+        <p:txBody>
+          <a:bodyPr>
+            <a:normAutofit/>
+          </a:bodyPr>
+          <a:lstStyle/>
+          <a:p>
+            <a:pPr>
+              <a:lnSpc>
+                <a:spcPct val="90000"/>
+              </a:lnSpc>
+              <a:spcAft>
+                <a:spcPts val="600"/>
+              </a:spcAft>
+            </a:pPr>
+            <a:fld id="{B3691BCB-4059-41CC-B14D-F86F2FE9ADC5}" type="slidenum">
+              <a:rPr kumimoji="1" lang="ja-JP" altLang="en-US" sz="1900" smtClean="0"/>
+              <a:pPr>
+                <a:lnSpc>
+                  <a:spcPct val="90000"/>
+                </a:lnSpc>
+                <a:spcAft>
+                  <a:spcPts val="600"/>
+                </a:spcAft>
+              </a:pPr>
+              <a:t>5</a:t>
+            </a:fld>
+            <a:endParaRPr kumimoji="1" lang="ja-JP" altLang="en-US" sz="1900"/>
+          </a:p>
+        </p:txBody>
+      </p:sp>
+      <p:pic>
+        <p:nvPicPr>
+          <p:cNvPr id="9" name="図 8" descr="スクリーンショットの画面&#10;&#10;自動的に生成された説明">
+            <a:extLst>
+              <a:ext uri="{FF2B5EF4-FFF2-40B4-BE49-F238E27FC236}">
+                <a16:creationId xmlns:a16="http://schemas.microsoft.com/office/drawing/2014/main" id="{17F5B8F1-1BD3-4D35-88E3-CF5F2B311CE2}"/>
+              </a:ext>
+            </a:extLst>
+          </p:cNvPr>
+          <p:cNvPicPr>
+            <a:picLocks noChangeAspect="1"/>
+          </p:cNvPicPr>
+          <p:nvPr/>
+        </p:nvPicPr>
+        <p:blipFill>
+          <a:blip r:embed="rId2">
+            <a:extLst>
+              <a:ext uri="{28A0092B-C50C-407E-A947-70E740481C1C}">
+                <a14:useLocalDpi xmlns:a14="http://schemas.microsoft.com/office/drawing/2010/main" val="0"/>
+              </a:ext>
+            </a:extLst>
+          </a:blip>
+          <a:stretch>
+            <a:fillRect/>
+          </a:stretch>
+        </p:blipFill>
+        <p:spPr>
+          <a:xfrm>
+            <a:off x="1599853" y="876176"/>
+            <a:ext cx="8972735" cy="5981824"/>
+          </a:xfrm>
+          <a:prstGeom prst="rect">
+            <a:avLst/>
+          </a:prstGeom>
+        </p:spPr>
+      </p:pic>
+    </p:spTree>
+    <p:extLst>
+      <p:ext uri="{BB962C8B-B14F-4D97-AF65-F5344CB8AC3E}">
+        <p14:creationId xmlns:p14="http://schemas.microsoft.com/office/powerpoint/2010/main" val="2612357184"/>
       </p:ext>
     </p:extLst>
   </p:cSld>
@@ -9961,7 +9916,7 @@
           <p:cNvPr id="2" name="タイトル 1">
             <a:extLst>
               <a:ext uri="{FF2B5EF4-FFF2-40B4-BE49-F238E27FC236}">
-                <a16:creationId xmlns:a16="http://schemas.microsoft.com/office/drawing/2014/main" id="{19CAC485-5C50-40C7-A139-C0DA48ADA1FC}"/>
+                <a16:creationId xmlns:a16="http://schemas.microsoft.com/office/drawing/2014/main" id="{AE0921F5-3D2D-4CEA-B2B0-6418F8C006A7}"/>
               </a:ext>
             </a:extLst>
           </p:cNvPr>
@@ -9981,7 +9936,7 @@
           <a:p>
             <a:r>
               <a:rPr kumimoji="1" lang="ja-JP" altLang="en-US" sz="4800" dirty="0"/>
-              <a:t>評価実験</a:t>
+              <a:t>それによって解決すること</a:t>
             </a:r>
           </a:p>
         </p:txBody>
@@ -9991,7 +9946,7 @@
           <p:cNvPr id="3" name="コンテンツ プレースホルダー 2">
             <a:extLst>
               <a:ext uri="{FF2B5EF4-FFF2-40B4-BE49-F238E27FC236}">
-                <a16:creationId xmlns:a16="http://schemas.microsoft.com/office/drawing/2014/main" id="{C4CE4EB4-6793-4CEF-A47B-BD959BF92E98}"/>
+                <a16:creationId xmlns:a16="http://schemas.microsoft.com/office/drawing/2014/main" id="{01A7A85B-155A-4FAC-B645-473B0847D49D}"/>
               </a:ext>
             </a:extLst>
           </p:cNvPr>
@@ -10002,25 +9957,41 @@
             <p:ph idx="1"/>
           </p:nvPr>
         </p:nvSpPr>
-        <p:spPr>
-          <a:xfrm>
-            <a:off x="2589212" y="2456268"/>
-            <a:ext cx="8915400" cy="3777622"/>
-          </a:xfrm>
-        </p:spPr>
+        <p:spPr/>
         <p:txBody>
           <a:bodyPr>
             <a:normAutofit/>
           </a:bodyPr>
           <a:lstStyle/>
           <a:p>
-            <a:pPr marL="0" indent="0">
-              <a:buNone/>
-            </a:pPr>
             <a:r>
               <a:rPr kumimoji="1" lang="ja-JP" altLang="en-US" sz="4400" dirty="0"/>
-              <a:t>・アナログ版とデジタル版をそれぞれプレイしてもらい、アンケートを取る。</a:t>
-            </a:r>
+              <a:t>タスク残量の変化が自動</a:t>
+            </a:r>
+            <a:endParaRPr kumimoji="1" lang="en-US" altLang="ja-JP" sz="4400" dirty="0"/>
+          </a:p>
+          <a:p>
+            <a:r>
+              <a:rPr lang="ja-JP" altLang="en-US" sz="4400" dirty="0"/>
+              <a:t>ターン経過が自動</a:t>
+            </a:r>
+            <a:endParaRPr lang="en-US" altLang="ja-JP" sz="4400" dirty="0"/>
+          </a:p>
+          <a:p>
+            <a:r>
+              <a:rPr lang="ja-JP" altLang="en-US" sz="4400" dirty="0"/>
+              <a:t>ゲームに集中できる。</a:t>
+            </a:r>
+            <a:endParaRPr lang="en-US" altLang="ja-JP" sz="4400" dirty="0"/>
+          </a:p>
+          <a:p>
+            <a:endParaRPr lang="en-US" altLang="ja-JP" sz="4400" dirty="0"/>
+          </a:p>
+          <a:p>
+            <a:endParaRPr lang="en-US" altLang="ja-JP" sz="4400" dirty="0"/>
+          </a:p>
+          <a:p>
+            <a:endParaRPr kumimoji="1" lang="ja-JP" altLang="en-US" sz="4400" dirty="0"/>
           </a:p>
         </p:txBody>
       </p:sp>
@@ -10029,7 +10000,7 @@
           <p:cNvPr id="4" name="スライド番号プレースホルダー 3">
             <a:extLst>
               <a:ext uri="{FF2B5EF4-FFF2-40B4-BE49-F238E27FC236}">
-                <a16:creationId xmlns:a16="http://schemas.microsoft.com/office/drawing/2014/main" id="{6D4F6E30-C580-4369-9347-43240E9C7DF0}"/>
+                <a16:creationId xmlns:a16="http://schemas.microsoft.com/office/drawing/2014/main" id="{E080A947-4A94-4F40-8C2D-F51B6E0BC0E7}"/>
               </a:ext>
             </a:extLst>
           </p:cNvPr>
@@ -10056,7 +10027,7 @@
     </p:spTree>
     <p:extLst>
       <p:ext uri="{BB962C8B-B14F-4D97-AF65-F5344CB8AC3E}">
-        <p14:creationId xmlns:p14="http://schemas.microsoft.com/office/powerpoint/2010/main" val="3571141518"/>
+        <p14:creationId xmlns:p14="http://schemas.microsoft.com/office/powerpoint/2010/main" val="3954068478"/>
       </p:ext>
     </p:extLst>
   </p:cSld>
@@ -10088,6 +10059,133 @@
           <p:cNvPr id="2" name="タイトル 1">
             <a:extLst>
               <a:ext uri="{FF2B5EF4-FFF2-40B4-BE49-F238E27FC236}">
+                <a16:creationId xmlns:a16="http://schemas.microsoft.com/office/drawing/2014/main" id="{19CAC485-5C50-40C7-A139-C0DA48ADA1FC}"/>
+              </a:ext>
+            </a:extLst>
+          </p:cNvPr>
+          <p:cNvSpPr>
+            <a:spLocks noGrp="1"/>
+          </p:cNvSpPr>
+          <p:nvPr>
+            <p:ph type="title"/>
+          </p:nvPr>
+        </p:nvSpPr>
+        <p:spPr/>
+        <p:txBody>
+          <a:bodyPr>
+            <a:normAutofit/>
+          </a:bodyPr>
+          <a:lstStyle/>
+          <a:p>
+            <a:r>
+              <a:rPr kumimoji="1" lang="ja-JP" altLang="en-US" sz="4800" dirty="0"/>
+              <a:t>評価実験</a:t>
+            </a:r>
+          </a:p>
+        </p:txBody>
+      </p:sp>
+      <p:sp>
+        <p:nvSpPr>
+          <p:cNvPr id="3" name="コンテンツ プレースホルダー 2">
+            <a:extLst>
+              <a:ext uri="{FF2B5EF4-FFF2-40B4-BE49-F238E27FC236}">
+                <a16:creationId xmlns:a16="http://schemas.microsoft.com/office/drawing/2014/main" id="{C4CE4EB4-6793-4CEF-A47B-BD959BF92E98}"/>
+              </a:ext>
+            </a:extLst>
+          </p:cNvPr>
+          <p:cNvSpPr>
+            <a:spLocks noGrp="1"/>
+          </p:cNvSpPr>
+          <p:nvPr>
+            <p:ph idx="1"/>
+          </p:nvPr>
+        </p:nvSpPr>
+        <p:spPr>
+          <a:xfrm>
+            <a:off x="2589212" y="2456268"/>
+            <a:ext cx="8915400" cy="3777622"/>
+          </a:xfrm>
+        </p:spPr>
+        <p:txBody>
+          <a:bodyPr>
+            <a:normAutofit/>
+          </a:bodyPr>
+          <a:lstStyle/>
+          <a:p>
+            <a:pPr marL="0" indent="0">
+              <a:buNone/>
+            </a:pPr>
+            <a:r>
+              <a:rPr kumimoji="1" lang="ja-JP" altLang="en-US" sz="4400" dirty="0"/>
+              <a:t>・アナログ版とデジタル版をそれぞれプレイしてもらい、アンケートを取る。</a:t>
+            </a:r>
+          </a:p>
+        </p:txBody>
+      </p:sp>
+      <p:sp>
+        <p:nvSpPr>
+          <p:cNvPr id="4" name="スライド番号プレースホルダー 3">
+            <a:extLst>
+              <a:ext uri="{FF2B5EF4-FFF2-40B4-BE49-F238E27FC236}">
+                <a16:creationId xmlns:a16="http://schemas.microsoft.com/office/drawing/2014/main" id="{6D4F6E30-C580-4369-9347-43240E9C7DF0}"/>
+              </a:ext>
+            </a:extLst>
+          </p:cNvPr>
+          <p:cNvSpPr>
+            <a:spLocks noGrp="1"/>
+          </p:cNvSpPr>
+          <p:nvPr>
+            <p:ph type="sldNum" sz="quarter" idx="12"/>
+          </p:nvPr>
+        </p:nvSpPr>
+        <p:spPr/>
+        <p:txBody>
+          <a:bodyPr/>
+          <a:lstStyle/>
+          <a:p>
+            <a:fld id="{B3691BCB-4059-41CC-B14D-F86F2FE9ADC5}" type="slidenum">
+              <a:rPr kumimoji="1" lang="ja-JP" altLang="en-US" smtClean="0"/>
+              <a:t>7</a:t>
+            </a:fld>
+            <a:endParaRPr kumimoji="1" lang="ja-JP" altLang="en-US"/>
+          </a:p>
+        </p:txBody>
+      </p:sp>
+    </p:spTree>
+    <p:extLst>
+      <p:ext uri="{BB962C8B-B14F-4D97-AF65-F5344CB8AC3E}">
+        <p14:creationId xmlns:p14="http://schemas.microsoft.com/office/powerpoint/2010/main" val="3571141518"/>
+      </p:ext>
+    </p:extLst>
+  </p:cSld>
+  <p:clrMapOvr>
+    <a:masterClrMapping/>
+  </p:clrMapOvr>
+</p:sld>
+</file>
+
+<file path=ppt/slides/slide8.xml><?xml version="1.0" encoding="utf-8"?>
+<p:sld xmlns:a="http://schemas.openxmlformats.org/drawingml/2006/main" xmlns:r="http://schemas.openxmlformats.org/officeDocument/2006/relationships" xmlns:p="http://schemas.openxmlformats.org/presentationml/2006/main">
+  <p:cSld>
+    <p:spTree>
+      <p:nvGrpSpPr>
+        <p:cNvPr id="1" name=""/>
+        <p:cNvGrpSpPr/>
+        <p:nvPr/>
+      </p:nvGrpSpPr>
+      <p:grpSpPr>
+        <a:xfrm>
+          <a:off x="0" y="0"/>
+          <a:ext cx="0" cy="0"/>
+          <a:chOff x="0" y="0"/>
+          <a:chExt cx="0" cy="0"/>
+        </a:xfrm>
+      </p:grpSpPr>
+      <p:sp>
+        <p:nvSpPr>
+          <p:cNvPr id="2" name="タイトル 1">
+            <a:extLst>
+              <a:ext uri="{FF2B5EF4-FFF2-40B4-BE49-F238E27FC236}">
                 <a16:creationId xmlns:a16="http://schemas.microsoft.com/office/drawing/2014/main" id="{8F2E16E4-CBBE-4E94-AFAD-9A38C68A6244}"/>
               </a:ext>
             </a:extLst>
@@ -10184,7 +10282,7 @@
           <a:p>
             <a:fld id="{B3691BCB-4059-41CC-B14D-F86F2FE9ADC5}" type="slidenum">
               <a:rPr kumimoji="1" lang="ja-JP" altLang="en-US" smtClean="0"/>
-              <a:t>7</a:t>
+              <a:t>8</a:t>
             </a:fld>
             <a:endParaRPr kumimoji="1" lang="ja-JP" altLang="en-US"/>
           </a:p>

--- a/中間発表.pptx
+++ b/中間発表.pptx
@@ -14,7 +14,7 @@
     <p:sldId id="258" r:id="rId5"/>
     <p:sldId id="259" r:id="rId6"/>
     <p:sldId id="260" r:id="rId7"/>
-    <p:sldId id="262" r:id="rId8"/>
+    <p:sldId id="266" r:id="rId8"/>
     <p:sldId id="263" r:id="rId9"/>
   </p:sldIdLst>
   <p:sldSz cx="12192000" cy="6858000"/>
@@ -534,6 +534,275 @@
     </a:lvl9pPr>
   </p:notesStyle>
 </p:notesMaster>
+</file>
+
+<file path=ppt/notesSlides/notesSlide1.xml><?xml version="1.0" encoding="utf-8"?>
+<p:notes xmlns:a="http://schemas.openxmlformats.org/drawingml/2006/main" xmlns:r="http://schemas.openxmlformats.org/officeDocument/2006/relationships" xmlns:p="http://schemas.openxmlformats.org/presentationml/2006/main">
+  <p:cSld>
+    <p:spTree>
+      <p:nvGrpSpPr>
+        <p:cNvPr id="1" name=""/>
+        <p:cNvGrpSpPr/>
+        <p:nvPr/>
+      </p:nvGrpSpPr>
+      <p:grpSpPr>
+        <a:xfrm>
+          <a:off x="0" y="0"/>
+          <a:ext cx="0" cy="0"/>
+          <a:chOff x="0" y="0"/>
+          <a:chExt cx="0" cy="0"/>
+        </a:xfrm>
+      </p:grpSpPr>
+      <p:sp>
+        <p:nvSpPr>
+          <p:cNvPr id="2" name="スライド イメージ プレースホルダー 1"/>
+          <p:cNvSpPr>
+            <a:spLocks noGrp="1" noRot="1" noChangeAspect="1"/>
+          </p:cNvSpPr>
+          <p:nvPr>
+            <p:ph type="sldImg"/>
+          </p:nvPr>
+        </p:nvSpPr>
+        <p:spPr/>
+      </p:sp>
+      <p:sp>
+        <p:nvSpPr>
+          <p:cNvPr id="3" name="ノート プレースホルダー 2"/>
+          <p:cNvSpPr>
+            <a:spLocks noGrp="1"/>
+          </p:cNvSpPr>
+          <p:nvPr>
+            <p:ph type="body" idx="1"/>
+          </p:nvPr>
+        </p:nvSpPr>
+        <p:spPr/>
+        <p:txBody>
+          <a:bodyPr/>
+          <a:lstStyle/>
+          <a:p>
+            <a:r>
+              <a:rPr kumimoji="1" lang="ja-JP" altLang="en-US" dirty="0"/>
+              <a:t>カンバンを学ぶ難しさを説明</a:t>
+            </a:r>
+          </a:p>
+        </p:txBody>
+      </p:sp>
+      <p:sp>
+        <p:nvSpPr>
+          <p:cNvPr id="4" name="スライド番号プレースホルダー 3"/>
+          <p:cNvSpPr>
+            <a:spLocks noGrp="1"/>
+          </p:cNvSpPr>
+          <p:nvPr>
+            <p:ph type="sldNum" sz="quarter" idx="5"/>
+          </p:nvPr>
+        </p:nvSpPr>
+        <p:spPr/>
+        <p:txBody>
+          <a:bodyPr/>
+          <a:lstStyle/>
+          <a:p>
+            <a:fld id="{C76C769A-2961-427B-A6D6-EFF46F5CC20B}" type="slidenum">
+              <a:rPr kumimoji="1" lang="ja-JP" altLang="en-US" smtClean="0"/>
+              <a:t>2</a:t>
+            </a:fld>
+            <a:endParaRPr kumimoji="1" lang="ja-JP" altLang="en-US"/>
+          </a:p>
+        </p:txBody>
+      </p:sp>
+    </p:spTree>
+    <p:extLst>
+      <p:ext uri="{BB962C8B-B14F-4D97-AF65-F5344CB8AC3E}">
+        <p14:creationId xmlns:p14="http://schemas.microsoft.com/office/powerpoint/2010/main" val="782772831"/>
+      </p:ext>
+    </p:extLst>
+  </p:cSld>
+  <p:clrMapOvr>
+    <a:masterClrMapping/>
+  </p:clrMapOvr>
+</p:notes>
+</file>
+
+<file path=ppt/notesSlides/notesSlide2.xml><?xml version="1.0" encoding="utf-8"?>
+<p:notes xmlns:a="http://schemas.openxmlformats.org/drawingml/2006/main" xmlns:r="http://schemas.openxmlformats.org/officeDocument/2006/relationships" xmlns:p="http://schemas.openxmlformats.org/presentationml/2006/main">
+  <p:cSld>
+    <p:spTree>
+      <p:nvGrpSpPr>
+        <p:cNvPr id="1" name=""/>
+        <p:cNvGrpSpPr/>
+        <p:nvPr/>
+      </p:nvGrpSpPr>
+      <p:grpSpPr>
+        <a:xfrm>
+          <a:off x="0" y="0"/>
+          <a:ext cx="0" cy="0"/>
+          <a:chOff x="0" y="0"/>
+          <a:chExt cx="0" cy="0"/>
+        </a:xfrm>
+      </p:grpSpPr>
+      <p:sp>
+        <p:nvSpPr>
+          <p:cNvPr id="2" name="スライド イメージ プレースホルダー 1"/>
+          <p:cNvSpPr>
+            <a:spLocks noGrp="1" noRot="1" noChangeAspect="1"/>
+          </p:cNvSpPr>
+          <p:nvPr>
+            <p:ph type="sldImg"/>
+          </p:nvPr>
+        </p:nvSpPr>
+        <p:spPr/>
+      </p:sp>
+      <p:sp>
+        <p:nvSpPr>
+          <p:cNvPr id="3" name="ノート プレースホルダー 2"/>
+          <p:cNvSpPr>
+            <a:spLocks noGrp="1"/>
+          </p:cNvSpPr>
+          <p:nvPr>
+            <p:ph type="body" idx="1"/>
+          </p:nvPr>
+        </p:nvSpPr>
+        <p:spPr/>
+        <p:txBody>
+          <a:bodyPr/>
+          <a:lstStyle/>
+          <a:p>
+            <a:r>
+              <a:rPr kumimoji="1" lang="ja-JP" altLang="en-US" dirty="0"/>
+              <a:t>作者がカンバンゲームがで学んでほしこと、カンバンゲームのルールなどを説明、進捗記録表の説明</a:t>
+            </a:r>
+          </a:p>
+        </p:txBody>
+      </p:sp>
+      <p:sp>
+        <p:nvSpPr>
+          <p:cNvPr id="4" name="スライド番号プレースホルダー 3"/>
+          <p:cNvSpPr>
+            <a:spLocks noGrp="1"/>
+          </p:cNvSpPr>
+          <p:nvPr>
+            <p:ph type="sldNum" sz="quarter" idx="5"/>
+          </p:nvPr>
+        </p:nvSpPr>
+        <p:spPr/>
+        <p:txBody>
+          <a:bodyPr/>
+          <a:lstStyle/>
+          <a:p>
+            <a:fld id="{C76C769A-2961-427B-A6D6-EFF46F5CC20B}" type="slidenum">
+              <a:rPr kumimoji="1" lang="ja-JP" altLang="en-US" smtClean="0"/>
+              <a:t>3</a:t>
+            </a:fld>
+            <a:endParaRPr kumimoji="1" lang="ja-JP" altLang="en-US"/>
+          </a:p>
+        </p:txBody>
+      </p:sp>
+    </p:spTree>
+    <p:extLst>
+      <p:ext uri="{BB962C8B-B14F-4D97-AF65-F5344CB8AC3E}">
+        <p14:creationId xmlns:p14="http://schemas.microsoft.com/office/powerpoint/2010/main" val="3830770419"/>
+      </p:ext>
+    </p:extLst>
+  </p:cSld>
+  <p:clrMapOvr>
+    <a:masterClrMapping/>
+  </p:clrMapOvr>
+</p:notes>
+</file>
+
+<file path=ppt/notesSlides/notesSlide3.xml><?xml version="1.0" encoding="utf-8"?>
+<p:notes xmlns:a="http://schemas.openxmlformats.org/drawingml/2006/main" xmlns:r="http://schemas.openxmlformats.org/officeDocument/2006/relationships" xmlns:p="http://schemas.openxmlformats.org/presentationml/2006/main">
+  <p:cSld>
+    <p:spTree>
+      <p:nvGrpSpPr>
+        <p:cNvPr id="1" name=""/>
+        <p:cNvGrpSpPr/>
+        <p:nvPr/>
+      </p:nvGrpSpPr>
+      <p:grpSpPr>
+        <a:xfrm>
+          <a:off x="0" y="0"/>
+          <a:ext cx="0" cy="0"/>
+          <a:chOff x="0" y="0"/>
+          <a:chExt cx="0" cy="0"/>
+        </a:xfrm>
+      </p:grpSpPr>
+      <p:sp>
+        <p:nvSpPr>
+          <p:cNvPr id="2" name="スライド イメージ プレースホルダー 1"/>
+          <p:cNvSpPr>
+            <a:spLocks noGrp="1" noRot="1" noChangeAspect="1"/>
+          </p:cNvSpPr>
+          <p:nvPr>
+            <p:ph type="sldImg"/>
+          </p:nvPr>
+        </p:nvSpPr>
+        <p:spPr/>
+      </p:sp>
+      <p:sp>
+        <p:nvSpPr>
+          <p:cNvPr id="3" name="ノート プレースホルダー 2"/>
+          <p:cNvSpPr>
+            <a:spLocks noGrp="1"/>
+          </p:cNvSpPr>
+          <p:nvPr>
+            <p:ph type="body" idx="1"/>
+          </p:nvPr>
+        </p:nvSpPr>
+        <p:spPr/>
+        <p:txBody>
+          <a:bodyPr/>
+          <a:lstStyle/>
+          <a:p>
+            <a:r>
+              <a:rPr kumimoji="1" lang="ja-JP" altLang="en-US" dirty="0"/>
+              <a:t>ゲームをプレイする上での説明　詳しくは</a:t>
+            </a:r>
+            <a:r>
+              <a:rPr kumimoji="1" lang="en-US" altLang="ja-JP" dirty="0"/>
+              <a:t>DEMO</a:t>
+            </a:r>
+            <a:r>
+              <a:rPr kumimoji="1" lang="ja-JP" altLang="en-US" dirty="0"/>
+              <a:t>で</a:t>
+            </a:r>
+          </a:p>
+        </p:txBody>
+      </p:sp>
+      <p:sp>
+        <p:nvSpPr>
+          <p:cNvPr id="4" name="スライド番号プレースホルダー 3"/>
+          <p:cNvSpPr>
+            <a:spLocks noGrp="1"/>
+          </p:cNvSpPr>
+          <p:nvPr>
+            <p:ph type="sldNum" sz="quarter" idx="5"/>
+          </p:nvPr>
+        </p:nvSpPr>
+        <p:spPr/>
+        <p:txBody>
+          <a:bodyPr/>
+          <a:lstStyle/>
+          <a:p>
+            <a:fld id="{C76C769A-2961-427B-A6D6-EFF46F5CC20B}" type="slidenum">
+              <a:rPr kumimoji="1" lang="ja-JP" altLang="en-US" smtClean="0"/>
+              <a:t>5</a:t>
+            </a:fld>
+            <a:endParaRPr kumimoji="1" lang="ja-JP" altLang="en-US"/>
+          </a:p>
+        </p:txBody>
+      </p:sp>
+    </p:spTree>
+    <p:extLst>
+      <p:ext uri="{BB962C8B-B14F-4D97-AF65-F5344CB8AC3E}">
+        <p14:creationId xmlns:p14="http://schemas.microsoft.com/office/powerpoint/2010/main" val="1447997267"/>
+      </p:ext>
+    </p:extLst>
+  </p:cSld>
+  <p:clrMapOvr>
+    <a:masterClrMapping/>
+  </p:clrMapOvr>
+</p:notes>
 </file>
 
 <file path=ppt/slideLayouts/slideLayout1.xml><?xml version="1.0" encoding="utf-8"?>
@@ -8556,11 +8825,13 @@
         </p:nvSpPr>
         <p:spPr/>
         <p:txBody>
-          <a:bodyPr/>
+          <a:bodyPr>
+            <a:normAutofit/>
+          </a:bodyPr>
           <a:lstStyle/>
           <a:p>
             <a:r>
-              <a:rPr kumimoji="1" lang="ja-JP" altLang="en-US" dirty="0"/>
+              <a:rPr kumimoji="1" lang="ja-JP" altLang="en-US" sz="4800" dirty="0"/>
               <a:t>カンバンとは</a:t>
             </a:r>
           </a:p>
@@ -8582,12 +8853,86 @@
             <p:ph idx="1"/>
           </p:nvPr>
         </p:nvSpPr>
-        <p:spPr/>
+        <p:spPr>
+          <a:xfrm>
+            <a:off x="2613783" y="1343204"/>
+            <a:ext cx="8915400" cy="3777622"/>
+          </a:xfrm>
+        </p:spPr>
         <p:txBody>
           <a:bodyPr/>
           <a:lstStyle/>
           <a:p>
-            <a:endParaRPr kumimoji="1" lang="ja-JP" altLang="en-US"/>
+            <a:r>
+              <a:rPr lang="ja-JP" altLang="en-US" sz="3200" dirty="0">
+                <a:latin typeface="ＭＳ ゴシック" panose="020B0609070205080204" pitchFamily="49" charset="-128"/>
+                <a:ea typeface="ＭＳ ゴシック" panose="020B0609070205080204" pitchFamily="49" charset="-128"/>
+              </a:rPr>
+              <a:t>タスクが書かれた付箋を、まだ着手できないものを</a:t>
+            </a:r>
+            <a:r>
+              <a:rPr lang="en-US" altLang="ja-JP" sz="3200" dirty="0" err="1">
+                <a:latin typeface="ＭＳ ゴシック" panose="020B0609070205080204" pitchFamily="49" charset="-128"/>
+                <a:ea typeface="ＭＳ ゴシック" panose="020B0609070205080204" pitchFamily="49" charset="-128"/>
+              </a:rPr>
+              <a:t>ToDo</a:t>
+            </a:r>
+            <a:r>
+              <a:rPr lang="ja-JP" altLang="en-US" sz="3200" dirty="0">
+                <a:latin typeface="ＭＳ ゴシック" panose="020B0609070205080204" pitchFamily="49" charset="-128"/>
+                <a:ea typeface="ＭＳ ゴシック" panose="020B0609070205080204" pitchFamily="49" charset="-128"/>
+              </a:rPr>
+              <a:t>，すぐに着手できるものを</a:t>
+            </a:r>
+            <a:r>
+              <a:rPr lang="en-US" altLang="ja-JP" sz="3200" dirty="0">
+                <a:latin typeface="ＭＳ ゴシック" panose="020B0609070205080204" pitchFamily="49" charset="-128"/>
+                <a:ea typeface="ＭＳ ゴシック" panose="020B0609070205080204" pitchFamily="49" charset="-128"/>
+              </a:rPr>
+              <a:t>Ready,</a:t>
+            </a:r>
+            <a:r>
+              <a:rPr lang="ja-JP" altLang="en-US" sz="3200" dirty="0">
+                <a:latin typeface="ＭＳ ゴシック" panose="020B0609070205080204" pitchFamily="49" charset="-128"/>
+                <a:ea typeface="ＭＳ ゴシック" panose="020B0609070205080204" pitchFamily="49" charset="-128"/>
+              </a:rPr>
+              <a:t>着手しているものを</a:t>
+            </a:r>
+            <a:r>
+              <a:rPr lang="en-US" altLang="ja-JP" sz="3200" dirty="0">
+                <a:latin typeface="ＭＳ ゴシック" panose="020B0609070205080204" pitchFamily="49" charset="-128"/>
+                <a:ea typeface="ＭＳ ゴシック" panose="020B0609070205080204" pitchFamily="49" charset="-128"/>
+              </a:rPr>
+              <a:t>Doing</a:t>
+            </a:r>
+            <a:r>
+              <a:rPr lang="ja-JP" altLang="en-US" sz="3200" dirty="0">
+                <a:latin typeface="ＭＳ ゴシック" panose="020B0609070205080204" pitchFamily="49" charset="-128"/>
+                <a:ea typeface="ＭＳ ゴシック" panose="020B0609070205080204" pitchFamily="49" charset="-128"/>
+              </a:rPr>
+              <a:t>，完了したものを</a:t>
+            </a:r>
+            <a:r>
+              <a:rPr lang="en-US" altLang="ja-JP" sz="3200" dirty="0">
+                <a:latin typeface="ＭＳ ゴシック" panose="020B0609070205080204" pitchFamily="49" charset="-128"/>
+                <a:ea typeface="ＭＳ ゴシック" panose="020B0609070205080204" pitchFamily="49" charset="-128"/>
+              </a:rPr>
+              <a:t>Done</a:t>
+            </a:r>
+            <a:r>
+              <a:rPr lang="ja-JP" altLang="en-US" sz="3200" dirty="0">
+                <a:latin typeface="ＭＳ ゴシック" panose="020B0609070205080204" pitchFamily="49" charset="-128"/>
+                <a:ea typeface="ＭＳ ゴシック" panose="020B0609070205080204" pitchFamily="49" charset="-128"/>
+              </a:rPr>
+              <a:t>に貼り付けることでタスクの進捗状況を管理することができる</a:t>
+            </a:r>
+            <a:endParaRPr lang="en-US" altLang="ja-JP" sz="3600" dirty="0">
+              <a:latin typeface="ＭＳ ゴシック" panose="020B0609070205080204" pitchFamily="49" charset="-128"/>
+              <a:ea typeface="ＭＳ ゴシック" panose="020B0609070205080204" pitchFamily="49" charset="-128"/>
+            </a:endParaRPr>
+          </a:p>
+          <a:p>
+            <a:endParaRPr kumimoji="1" lang="ja-JP" altLang="en-US" dirty="0"/>
           </a:p>
         </p:txBody>
       </p:sp>
@@ -8617,6 +8962,3093 @@
               <a:t>2</a:t>
             </a:fld>
             <a:endParaRPr kumimoji="1" lang="ja-JP" altLang="en-US"/>
+          </a:p>
+        </p:txBody>
+      </p:sp>
+      <p:grpSp>
+        <p:nvGrpSpPr>
+          <p:cNvPr id="5" name="グループ化 4">
+            <a:extLst>
+              <a:ext uri="{FF2B5EF4-FFF2-40B4-BE49-F238E27FC236}">
+                <a16:creationId xmlns:a16="http://schemas.microsoft.com/office/drawing/2014/main" id="{9C21073D-5BF1-417B-89F6-FB5DBD2CE362}"/>
+              </a:ext>
+            </a:extLst>
+          </p:cNvPr>
+          <p:cNvGrpSpPr/>
+          <p:nvPr/>
+        </p:nvGrpSpPr>
+        <p:grpSpPr>
+          <a:xfrm>
+            <a:off x="457577" y="3936455"/>
+            <a:ext cx="3415259" cy="2288609"/>
+            <a:chOff x="-50959" y="2021907"/>
+            <a:chExt cx="3432943" cy="2384723"/>
+          </a:xfrm>
+        </p:grpSpPr>
+        <p:grpSp>
+          <p:nvGrpSpPr>
+            <p:cNvPr id="6" name="グループ化 5">
+              <a:extLst>
+                <a:ext uri="{FF2B5EF4-FFF2-40B4-BE49-F238E27FC236}">
+                  <a16:creationId xmlns:a16="http://schemas.microsoft.com/office/drawing/2014/main" id="{F97575C0-9F33-4931-B251-D847AA18926C}"/>
+                </a:ext>
+              </a:extLst>
+            </p:cNvPr>
+            <p:cNvGrpSpPr/>
+            <p:nvPr/>
+          </p:nvGrpSpPr>
+          <p:grpSpPr>
+            <a:xfrm>
+              <a:off x="-50959" y="2433074"/>
+              <a:ext cx="3432943" cy="1973556"/>
+              <a:chOff x="4303049" y="3410704"/>
+              <a:chExt cx="4409574" cy="1973556"/>
+            </a:xfrm>
+          </p:grpSpPr>
+          <p:sp>
+            <p:nvSpPr>
+              <p:cNvPr id="27" name="正方形/長方形 26">
+                <a:extLst>
+                  <a:ext uri="{FF2B5EF4-FFF2-40B4-BE49-F238E27FC236}">
+                    <a16:creationId xmlns:a16="http://schemas.microsoft.com/office/drawing/2014/main" id="{8F991735-7942-4833-A567-6DE9EB7573EA}"/>
+                  </a:ext>
+                </a:extLst>
+              </p:cNvPr>
+              <p:cNvSpPr/>
+              <p:nvPr/>
+            </p:nvSpPr>
+            <p:spPr>
+              <a:xfrm>
+                <a:off x="4489393" y="3429000"/>
+                <a:ext cx="3994723" cy="1955260"/>
+              </a:xfrm>
+              <a:prstGeom prst="rect">
+                <a:avLst/>
+              </a:prstGeom>
+            </p:spPr>
+            <p:style>
+              <a:lnRef idx="2">
+                <a:schemeClr val="dk1"/>
+              </a:lnRef>
+              <a:fillRef idx="1">
+                <a:schemeClr val="lt1"/>
+              </a:fillRef>
+              <a:effectRef idx="0">
+                <a:schemeClr val="dk1"/>
+              </a:effectRef>
+              <a:fontRef idx="minor">
+                <a:schemeClr val="dk1"/>
+              </a:fontRef>
+            </p:style>
+            <p:txBody>
+              <a:bodyPr rtlCol="0" anchor="ctr"/>
+              <a:lstStyle>
+                <a:defPPr>
+                  <a:defRPr lang="en-US"/>
+                </a:defPPr>
+                <a:lvl1pPr marL="0" algn="l" defTabSz="914400" rtl="0" eaLnBrk="1" latinLnBrk="0" hangingPunct="1">
+                  <a:defRPr sz="1800" kern="1200">
+                    <a:solidFill>
+                      <a:schemeClr val="dk1"/>
+                    </a:solidFill>
+                    <a:latin typeface="+mn-lt"/>
+                    <a:ea typeface="+mn-ea"/>
+                    <a:cs typeface="+mn-cs"/>
+                  </a:defRPr>
+                </a:lvl1pPr>
+                <a:lvl2pPr marL="457200" algn="l" defTabSz="914400" rtl="0" eaLnBrk="1" latinLnBrk="0" hangingPunct="1">
+                  <a:defRPr sz="1800" kern="1200">
+                    <a:solidFill>
+                      <a:schemeClr val="dk1"/>
+                    </a:solidFill>
+                    <a:latin typeface="+mn-lt"/>
+                    <a:ea typeface="+mn-ea"/>
+                    <a:cs typeface="+mn-cs"/>
+                  </a:defRPr>
+                </a:lvl2pPr>
+                <a:lvl3pPr marL="914400" algn="l" defTabSz="914400" rtl="0" eaLnBrk="1" latinLnBrk="0" hangingPunct="1">
+                  <a:defRPr sz="1800" kern="1200">
+                    <a:solidFill>
+                      <a:schemeClr val="dk1"/>
+                    </a:solidFill>
+                    <a:latin typeface="+mn-lt"/>
+                    <a:ea typeface="+mn-ea"/>
+                    <a:cs typeface="+mn-cs"/>
+                  </a:defRPr>
+                </a:lvl3pPr>
+                <a:lvl4pPr marL="1371600" algn="l" defTabSz="914400" rtl="0" eaLnBrk="1" latinLnBrk="0" hangingPunct="1">
+                  <a:defRPr sz="1800" kern="1200">
+                    <a:solidFill>
+                      <a:schemeClr val="dk1"/>
+                    </a:solidFill>
+                    <a:latin typeface="+mn-lt"/>
+                    <a:ea typeface="+mn-ea"/>
+                    <a:cs typeface="+mn-cs"/>
+                  </a:defRPr>
+                </a:lvl4pPr>
+                <a:lvl5pPr marL="1828800" algn="l" defTabSz="914400" rtl="0" eaLnBrk="1" latinLnBrk="0" hangingPunct="1">
+                  <a:defRPr sz="1800" kern="1200">
+                    <a:solidFill>
+                      <a:schemeClr val="dk1"/>
+                    </a:solidFill>
+                    <a:latin typeface="+mn-lt"/>
+                    <a:ea typeface="+mn-ea"/>
+                    <a:cs typeface="+mn-cs"/>
+                  </a:defRPr>
+                </a:lvl5pPr>
+                <a:lvl6pPr marL="2286000" algn="l" defTabSz="914400" rtl="0" eaLnBrk="1" latinLnBrk="0" hangingPunct="1">
+                  <a:defRPr sz="1800" kern="1200">
+                    <a:solidFill>
+                      <a:schemeClr val="dk1"/>
+                    </a:solidFill>
+                    <a:latin typeface="+mn-lt"/>
+                    <a:ea typeface="+mn-ea"/>
+                    <a:cs typeface="+mn-cs"/>
+                  </a:defRPr>
+                </a:lvl6pPr>
+                <a:lvl7pPr marL="2743200" algn="l" defTabSz="914400" rtl="0" eaLnBrk="1" latinLnBrk="0" hangingPunct="1">
+                  <a:defRPr sz="1800" kern="1200">
+                    <a:solidFill>
+                      <a:schemeClr val="dk1"/>
+                    </a:solidFill>
+                    <a:latin typeface="+mn-lt"/>
+                    <a:ea typeface="+mn-ea"/>
+                    <a:cs typeface="+mn-cs"/>
+                  </a:defRPr>
+                </a:lvl7pPr>
+                <a:lvl8pPr marL="3200400" algn="l" defTabSz="914400" rtl="0" eaLnBrk="1" latinLnBrk="0" hangingPunct="1">
+                  <a:defRPr sz="1800" kern="1200">
+                    <a:solidFill>
+                      <a:schemeClr val="dk1"/>
+                    </a:solidFill>
+                    <a:latin typeface="+mn-lt"/>
+                    <a:ea typeface="+mn-ea"/>
+                    <a:cs typeface="+mn-cs"/>
+                  </a:defRPr>
+                </a:lvl8pPr>
+                <a:lvl9pPr marL="3657600" algn="l" defTabSz="914400" rtl="0" eaLnBrk="1" latinLnBrk="0" hangingPunct="1">
+                  <a:defRPr sz="1800" kern="1200">
+                    <a:solidFill>
+                      <a:schemeClr val="dk1"/>
+                    </a:solidFill>
+                    <a:latin typeface="+mn-lt"/>
+                    <a:ea typeface="+mn-ea"/>
+                    <a:cs typeface="+mn-cs"/>
+                  </a:defRPr>
+                </a:lvl9pPr>
+              </a:lstStyle>
+              <a:p>
+                <a:pPr algn="ctr"/>
+                <a:endParaRPr kumimoji="1" lang="ja-JP" altLang="en-US" dirty="0"/>
+              </a:p>
+            </p:txBody>
+          </p:sp>
+          <p:cxnSp>
+            <p:nvCxnSpPr>
+              <p:cNvPr id="28" name="直線コネクタ 27">
+                <a:extLst>
+                  <a:ext uri="{FF2B5EF4-FFF2-40B4-BE49-F238E27FC236}">
+                    <a16:creationId xmlns:a16="http://schemas.microsoft.com/office/drawing/2014/main" id="{34B38124-49F9-4FA0-85BB-72CE272B921D}"/>
+                  </a:ext>
+                </a:extLst>
+              </p:cNvPr>
+              <p:cNvCxnSpPr/>
+              <p:nvPr/>
+            </p:nvCxnSpPr>
+            <p:spPr>
+              <a:xfrm>
+                <a:off x="7462556" y="3429000"/>
+                <a:ext cx="0" cy="1955260"/>
+              </a:xfrm>
+              <a:prstGeom prst="line">
+                <a:avLst/>
+              </a:prstGeom>
+            </p:spPr>
+            <p:style>
+              <a:lnRef idx="1">
+                <a:schemeClr val="dk1"/>
+              </a:lnRef>
+              <a:fillRef idx="0">
+                <a:schemeClr val="dk1"/>
+              </a:fillRef>
+              <a:effectRef idx="0">
+                <a:schemeClr val="dk1"/>
+              </a:effectRef>
+              <a:fontRef idx="minor">
+                <a:schemeClr val="tx1"/>
+              </a:fontRef>
+            </p:style>
+          </p:cxnSp>
+          <p:cxnSp>
+            <p:nvCxnSpPr>
+              <p:cNvPr id="29" name="直線コネクタ 28">
+                <a:extLst>
+                  <a:ext uri="{FF2B5EF4-FFF2-40B4-BE49-F238E27FC236}">
+                    <a16:creationId xmlns:a16="http://schemas.microsoft.com/office/drawing/2014/main" id="{A22FF62A-8FD7-4557-94AE-877342B148D3}"/>
+                  </a:ext>
+                </a:extLst>
+              </p:cNvPr>
+              <p:cNvCxnSpPr/>
+              <p:nvPr/>
+            </p:nvCxnSpPr>
+            <p:spPr>
+              <a:xfrm>
+                <a:off x="5367499" y="3429000"/>
+                <a:ext cx="0" cy="1955260"/>
+              </a:xfrm>
+              <a:prstGeom prst="line">
+                <a:avLst/>
+              </a:prstGeom>
+            </p:spPr>
+            <p:style>
+              <a:lnRef idx="1">
+                <a:schemeClr val="dk1"/>
+              </a:lnRef>
+              <a:fillRef idx="0">
+                <a:schemeClr val="dk1"/>
+              </a:fillRef>
+              <a:effectRef idx="0">
+                <a:schemeClr val="dk1"/>
+              </a:effectRef>
+              <a:fontRef idx="minor">
+                <a:schemeClr val="tx1"/>
+              </a:fontRef>
+            </p:style>
+          </p:cxnSp>
+          <p:sp>
+            <p:nvSpPr>
+              <p:cNvPr id="30" name="テキスト ボックス 28">
+                <a:extLst>
+                  <a:ext uri="{FF2B5EF4-FFF2-40B4-BE49-F238E27FC236}">
+                    <a16:creationId xmlns:a16="http://schemas.microsoft.com/office/drawing/2014/main" id="{8E1E0837-8BFC-4BD1-B0A0-D8998FCE4814}"/>
+                  </a:ext>
+                </a:extLst>
+              </p:cNvPr>
+              <p:cNvSpPr txBox="1"/>
+              <p:nvPr/>
+            </p:nvSpPr>
+            <p:spPr>
+              <a:xfrm>
+                <a:off x="4303049" y="3410704"/>
+                <a:ext cx="4409574" cy="448983"/>
+              </a:xfrm>
+              <a:prstGeom prst="rect">
+                <a:avLst/>
+              </a:prstGeom>
+              <a:noFill/>
+            </p:spPr>
+            <p:txBody>
+              <a:bodyPr wrap="square" rtlCol="0">
+                <a:spAutoFit/>
+              </a:bodyPr>
+              <a:lstStyle>
+                <a:defPPr>
+                  <a:defRPr lang="en-US"/>
+                </a:defPPr>
+                <a:lvl1pPr marL="0" algn="l" defTabSz="914400" rtl="0" eaLnBrk="1" latinLnBrk="0" hangingPunct="1">
+                  <a:defRPr sz="1800" kern="1200">
+                    <a:solidFill>
+                      <a:schemeClr val="tx1"/>
+                    </a:solidFill>
+                    <a:latin typeface="+mn-lt"/>
+                    <a:ea typeface="+mn-ea"/>
+                    <a:cs typeface="+mn-cs"/>
+                  </a:defRPr>
+                </a:lvl1pPr>
+                <a:lvl2pPr marL="457200" algn="l" defTabSz="914400" rtl="0" eaLnBrk="1" latinLnBrk="0" hangingPunct="1">
+                  <a:defRPr sz="1800" kern="1200">
+                    <a:solidFill>
+                      <a:schemeClr val="tx1"/>
+                    </a:solidFill>
+                    <a:latin typeface="+mn-lt"/>
+                    <a:ea typeface="+mn-ea"/>
+                    <a:cs typeface="+mn-cs"/>
+                  </a:defRPr>
+                </a:lvl2pPr>
+                <a:lvl3pPr marL="914400" algn="l" defTabSz="914400" rtl="0" eaLnBrk="1" latinLnBrk="0" hangingPunct="1">
+                  <a:defRPr sz="1800" kern="1200">
+                    <a:solidFill>
+                      <a:schemeClr val="tx1"/>
+                    </a:solidFill>
+                    <a:latin typeface="+mn-lt"/>
+                    <a:ea typeface="+mn-ea"/>
+                    <a:cs typeface="+mn-cs"/>
+                  </a:defRPr>
+                </a:lvl3pPr>
+                <a:lvl4pPr marL="1371600" algn="l" defTabSz="914400" rtl="0" eaLnBrk="1" latinLnBrk="0" hangingPunct="1">
+                  <a:defRPr sz="1800" kern="1200">
+                    <a:solidFill>
+                      <a:schemeClr val="tx1"/>
+                    </a:solidFill>
+                    <a:latin typeface="+mn-lt"/>
+                    <a:ea typeface="+mn-ea"/>
+                    <a:cs typeface="+mn-cs"/>
+                  </a:defRPr>
+                </a:lvl4pPr>
+                <a:lvl5pPr marL="1828800" algn="l" defTabSz="914400" rtl="0" eaLnBrk="1" latinLnBrk="0" hangingPunct="1">
+                  <a:defRPr sz="1800" kern="1200">
+                    <a:solidFill>
+                      <a:schemeClr val="tx1"/>
+                    </a:solidFill>
+                    <a:latin typeface="+mn-lt"/>
+                    <a:ea typeface="+mn-ea"/>
+                    <a:cs typeface="+mn-cs"/>
+                  </a:defRPr>
+                </a:lvl5pPr>
+                <a:lvl6pPr marL="2286000" algn="l" defTabSz="914400" rtl="0" eaLnBrk="1" latinLnBrk="0" hangingPunct="1">
+                  <a:defRPr sz="1800" kern="1200">
+                    <a:solidFill>
+                      <a:schemeClr val="tx1"/>
+                    </a:solidFill>
+                    <a:latin typeface="+mn-lt"/>
+                    <a:ea typeface="+mn-ea"/>
+                    <a:cs typeface="+mn-cs"/>
+                  </a:defRPr>
+                </a:lvl6pPr>
+                <a:lvl7pPr marL="2743200" algn="l" defTabSz="914400" rtl="0" eaLnBrk="1" latinLnBrk="0" hangingPunct="1">
+                  <a:defRPr sz="1800" kern="1200">
+                    <a:solidFill>
+                      <a:schemeClr val="tx1"/>
+                    </a:solidFill>
+                    <a:latin typeface="+mn-lt"/>
+                    <a:ea typeface="+mn-ea"/>
+                    <a:cs typeface="+mn-cs"/>
+                  </a:defRPr>
+                </a:lvl7pPr>
+                <a:lvl8pPr marL="3200400" algn="l" defTabSz="914400" rtl="0" eaLnBrk="1" latinLnBrk="0" hangingPunct="1">
+                  <a:defRPr sz="1800" kern="1200">
+                    <a:solidFill>
+                      <a:schemeClr val="tx1"/>
+                    </a:solidFill>
+                    <a:latin typeface="+mn-lt"/>
+                    <a:ea typeface="+mn-ea"/>
+                    <a:cs typeface="+mn-cs"/>
+                  </a:defRPr>
+                </a:lvl8pPr>
+                <a:lvl9pPr marL="3657600" algn="l" defTabSz="914400" rtl="0" eaLnBrk="1" latinLnBrk="0" hangingPunct="1">
+                  <a:defRPr sz="1800" kern="1200">
+                    <a:solidFill>
+                      <a:schemeClr val="tx1"/>
+                    </a:solidFill>
+                    <a:latin typeface="+mn-lt"/>
+                    <a:ea typeface="+mn-ea"/>
+                    <a:cs typeface="+mn-cs"/>
+                  </a:defRPr>
+                </a:lvl9pPr>
+              </a:lstStyle>
+              <a:p>
+                <a:r>
+                  <a:rPr kumimoji="1" lang="ja-JP" altLang="en-US" sz="2200" b="1" dirty="0">
+                    <a:latin typeface="ＭＳ Ｐ明朝" panose="02020600040205080304" pitchFamily="18" charset="-128"/>
+                    <a:ea typeface="ＭＳ Ｐ明朝" panose="02020600040205080304" pitchFamily="18" charset="-128"/>
+                  </a:rPr>
+                  <a:t> </a:t>
+                </a:r>
+                <a:r>
+                  <a:rPr kumimoji="1" lang="en-US" altLang="ja-JP" sz="2200" b="1" dirty="0" err="1">
+                    <a:latin typeface="ＭＳ Ｐ明朝" panose="02020600040205080304" pitchFamily="18" charset="-128"/>
+                    <a:ea typeface="ＭＳ Ｐ明朝" panose="02020600040205080304" pitchFamily="18" charset="-128"/>
+                  </a:rPr>
+                  <a:t>Todo</a:t>
+                </a:r>
+                <a:r>
+                  <a:rPr kumimoji="1" lang="ja-JP" altLang="en-US" sz="2200" b="1" dirty="0">
+                    <a:latin typeface="ＭＳ Ｐ明朝" panose="02020600040205080304" pitchFamily="18" charset="-128"/>
+                    <a:ea typeface="ＭＳ Ｐ明朝" panose="02020600040205080304" pitchFamily="18" charset="-128"/>
+                  </a:rPr>
+                  <a:t> </a:t>
+                </a:r>
+                <a:r>
+                  <a:rPr kumimoji="1" lang="en-US" altLang="ja-JP" sz="2200" b="1" dirty="0">
+                    <a:latin typeface="ＭＳ Ｐ明朝" panose="02020600040205080304" pitchFamily="18" charset="-128"/>
+                    <a:ea typeface="ＭＳ Ｐ明朝" panose="02020600040205080304" pitchFamily="18" charset="-128"/>
+                  </a:rPr>
+                  <a:t>Ready</a:t>
+                </a:r>
+                <a:r>
+                  <a:rPr kumimoji="1" lang="ja-JP" altLang="en-US" sz="2200" b="1" dirty="0">
+                    <a:latin typeface="ＭＳ Ｐ明朝" panose="02020600040205080304" pitchFamily="18" charset="-128"/>
+                    <a:ea typeface="ＭＳ Ｐ明朝" panose="02020600040205080304" pitchFamily="18" charset="-128"/>
+                  </a:rPr>
+                  <a:t> </a:t>
+                </a:r>
+                <a:r>
+                  <a:rPr kumimoji="1" lang="en-US" altLang="ja-JP" sz="2200" b="1" dirty="0">
+                    <a:latin typeface="ＭＳ Ｐ明朝" panose="02020600040205080304" pitchFamily="18" charset="-128"/>
+                    <a:ea typeface="ＭＳ Ｐ明朝" panose="02020600040205080304" pitchFamily="18" charset="-128"/>
+                  </a:rPr>
+                  <a:t>Doing</a:t>
+                </a:r>
+                <a:r>
+                  <a:rPr kumimoji="1" lang="ja-JP" altLang="en-US" sz="2200" b="1" dirty="0">
+                    <a:latin typeface="ＭＳ Ｐ明朝" panose="02020600040205080304" pitchFamily="18" charset="-128"/>
+                    <a:ea typeface="ＭＳ Ｐ明朝" panose="02020600040205080304" pitchFamily="18" charset="-128"/>
+                  </a:rPr>
+                  <a:t>  </a:t>
+                </a:r>
+                <a:r>
+                  <a:rPr kumimoji="1" lang="en-US" altLang="ja-JP" sz="2200" b="1" dirty="0">
+                    <a:latin typeface="ＭＳ Ｐ明朝" panose="02020600040205080304" pitchFamily="18" charset="-128"/>
+                    <a:ea typeface="ＭＳ Ｐ明朝" panose="02020600040205080304" pitchFamily="18" charset="-128"/>
+                  </a:rPr>
+                  <a:t>Done</a:t>
+                </a:r>
+                <a:endParaRPr kumimoji="1" lang="ja-JP" altLang="en-US" sz="2200" b="1" dirty="0">
+                  <a:latin typeface="ＭＳ Ｐ明朝" panose="02020600040205080304" pitchFamily="18" charset="-128"/>
+                  <a:ea typeface="ＭＳ Ｐ明朝" panose="02020600040205080304" pitchFamily="18" charset="-128"/>
+                </a:endParaRPr>
+              </a:p>
+            </p:txBody>
+          </p:sp>
+        </p:grpSp>
+        <p:sp>
+          <p:nvSpPr>
+            <p:cNvPr id="7" name="四角形: メモ 6">
+              <a:extLst>
+                <a:ext uri="{FF2B5EF4-FFF2-40B4-BE49-F238E27FC236}">
+                  <a16:creationId xmlns:a16="http://schemas.microsoft.com/office/drawing/2014/main" id="{9266C102-0C6A-48ED-9C15-CDA2DE5B8CC1}"/>
+                </a:ext>
+              </a:extLst>
+            </p:cNvPr>
+            <p:cNvSpPr/>
+            <p:nvPr/>
+          </p:nvSpPr>
+          <p:spPr>
+            <a:xfrm>
+              <a:off x="179458" y="2926546"/>
+              <a:ext cx="471451" cy="408160"/>
+            </a:xfrm>
+            <a:prstGeom prst="foldedCorner">
+              <a:avLst>
+                <a:gd name="adj" fmla="val 50000"/>
+              </a:avLst>
+            </a:prstGeom>
+            <a:solidFill>
+              <a:schemeClr val="accent2">
+                <a:alpha val="50000"/>
+              </a:schemeClr>
+            </a:solidFill>
+            <a:ln>
+              <a:noFill/>
+            </a:ln>
+          </p:spPr>
+          <p:style>
+            <a:lnRef idx="0">
+              <a:scrgbClr r="0" g="0" b="0"/>
+            </a:lnRef>
+            <a:fillRef idx="0">
+              <a:scrgbClr r="0" g="0" b="0"/>
+            </a:fillRef>
+            <a:effectRef idx="0">
+              <a:scrgbClr r="0" g="0" b="0"/>
+            </a:effectRef>
+            <a:fontRef idx="minor">
+              <a:schemeClr val="lt1"/>
+            </a:fontRef>
+          </p:style>
+          <p:txBody>
+            <a:bodyPr rtlCol="0" anchor="ctr"/>
+            <a:lstStyle>
+              <a:defPPr>
+                <a:defRPr lang="en-US"/>
+              </a:defPPr>
+              <a:lvl1pPr marL="0" algn="l" defTabSz="914400" rtl="0" eaLnBrk="1" latinLnBrk="0" hangingPunct="1">
+                <a:defRPr sz="1800" kern="1200">
+                  <a:solidFill>
+                    <a:schemeClr val="lt1"/>
+                  </a:solidFill>
+                  <a:latin typeface="+mn-lt"/>
+                  <a:ea typeface="+mn-ea"/>
+                  <a:cs typeface="+mn-cs"/>
+                </a:defRPr>
+              </a:lvl1pPr>
+              <a:lvl2pPr marL="457200" algn="l" defTabSz="914400" rtl="0" eaLnBrk="1" latinLnBrk="0" hangingPunct="1">
+                <a:defRPr sz="1800" kern="1200">
+                  <a:solidFill>
+                    <a:schemeClr val="lt1"/>
+                  </a:solidFill>
+                  <a:latin typeface="+mn-lt"/>
+                  <a:ea typeface="+mn-ea"/>
+                  <a:cs typeface="+mn-cs"/>
+                </a:defRPr>
+              </a:lvl2pPr>
+              <a:lvl3pPr marL="914400" algn="l" defTabSz="914400" rtl="0" eaLnBrk="1" latinLnBrk="0" hangingPunct="1">
+                <a:defRPr sz="1800" kern="1200">
+                  <a:solidFill>
+                    <a:schemeClr val="lt1"/>
+                  </a:solidFill>
+                  <a:latin typeface="+mn-lt"/>
+                  <a:ea typeface="+mn-ea"/>
+                  <a:cs typeface="+mn-cs"/>
+                </a:defRPr>
+              </a:lvl3pPr>
+              <a:lvl4pPr marL="1371600" algn="l" defTabSz="914400" rtl="0" eaLnBrk="1" latinLnBrk="0" hangingPunct="1">
+                <a:defRPr sz="1800" kern="1200">
+                  <a:solidFill>
+                    <a:schemeClr val="lt1"/>
+                  </a:solidFill>
+                  <a:latin typeface="+mn-lt"/>
+                  <a:ea typeface="+mn-ea"/>
+                  <a:cs typeface="+mn-cs"/>
+                </a:defRPr>
+              </a:lvl4pPr>
+              <a:lvl5pPr marL="1828800" algn="l" defTabSz="914400" rtl="0" eaLnBrk="1" latinLnBrk="0" hangingPunct="1">
+                <a:defRPr sz="1800" kern="1200">
+                  <a:solidFill>
+                    <a:schemeClr val="lt1"/>
+                  </a:solidFill>
+                  <a:latin typeface="+mn-lt"/>
+                  <a:ea typeface="+mn-ea"/>
+                  <a:cs typeface="+mn-cs"/>
+                </a:defRPr>
+              </a:lvl5pPr>
+              <a:lvl6pPr marL="2286000" algn="l" defTabSz="914400" rtl="0" eaLnBrk="1" latinLnBrk="0" hangingPunct="1">
+                <a:defRPr sz="1800" kern="1200">
+                  <a:solidFill>
+                    <a:schemeClr val="lt1"/>
+                  </a:solidFill>
+                  <a:latin typeface="+mn-lt"/>
+                  <a:ea typeface="+mn-ea"/>
+                  <a:cs typeface="+mn-cs"/>
+                </a:defRPr>
+              </a:lvl6pPr>
+              <a:lvl7pPr marL="2743200" algn="l" defTabSz="914400" rtl="0" eaLnBrk="1" latinLnBrk="0" hangingPunct="1">
+                <a:defRPr sz="1800" kern="1200">
+                  <a:solidFill>
+                    <a:schemeClr val="lt1"/>
+                  </a:solidFill>
+                  <a:latin typeface="+mn-lt"/>
+                  <a:ea typeface="+mn-ea"/>
+                  <a:cs typeface="+mn-cs"/>
+                </a:defRPr>
+              </a:lvl7pPr>
+              <a:lvl8pPr marL="3200400" algn="l" defTabSz="914400" rtl="0" eaLnBrk="1" latinLnBrk="0" hangingPunct="1">
+                <a:defRPr sz="1800" kern="1200">
+                  <a:solidFill>
+                    <a:schemeClr val="lt1"/>
+                  </a:solidFill>
+                  <a:latin typeface="+mn-lt"/>
+                  <a:ea typeface="+mn-ea"/>
+                  <a:cs typeface="+mn-cs"/>
+                </a:defRPr>
+              </a:lvl8pPr>
+              <a:lvl9pPr marL="3657600" algn="l" defTabSz="914400" rtl="0" eaLnBrk="1" latinLnBrk="0" hangingPunct="1">
+                <a:defRPr sz="1800" kern="1200">
+                  <a:solidFill>
+                    <a:schemeClr val="lt1"/>
+                  </a:solidFill>
+                  <a:latin typeface="+mn-lt"/>
+                  <a:ea typeface="+mn-ea"/>
+                  <a:cs typeface="+mn-cs"/>
+                </a:defRPr>
+              </a:lvl9pPr>
+            </a:lstStyle>
+            <a:p>
+              <a:pPr algn="ctr">
+                <a:lnSpc>
+                  <a:spcPct val="250000"/>
+                </a:lnSpc>
+              </a:pPr>
+              <a:r>
+                <a:rPr kumimoji="1" lang="en-US" altLang="ja-JP" dirty="0">
+                  <a:solidFill>
+                    <a:schemeClr val="tx1"/>
+                  </a:solidFill>
+                </a:rPr>
+                <a:t>A</a:t>
+              </a:r>
+              <a:endParaRPr kumimoji="1" lang="ja-JP" altLang="en-US" dirty="0">
+                <a:solidFill>
+                  <a:schemeClr val="tx1"/>
+                </a:solidFill>
+              </a:endParaRPr>
+            </a:p>
+          </p:txBody>
+        </p:sp>
+        <p:sp>
+          <p:nvSpPr>
+            <p:cNvPr id="8" name="四角形: メモ 7">
+              <a:extLst>
+                <a:ext uri="{FF2B5EF4-FFF2-40B4-BE49-F238E27FC236}">
+                  <a16:creationId xmlns:a16="http://schemas.microsoft.com/office/drawing/2014/main" id="{CA6C3740-9EB9-4F35-9DB8-F169692421B4}"/>
+                </a:ext>
+              </a:extLst>
+            </p:cNvPr>
+            <p:cNvSpPr/>
+            <p:nvPr/>
+          </p:nvSpPr>
+          <p:spPr>
+            <a:xfrm>
+              <a:off x="933140" y="3438195"/>
+              <a:ext cx="471451" cy="408159"/>
+            </a:xfrm>
+            <a:prstGeom prst="foldedCorner">
+              <a:avLst>
+                <a:gd name="adj" fmla="val 50000"/>
+              </a:avLst>
+            </a:prstGeom>
+            <a:solidFill>
+              <a:schemeClr val="accent1">
+                <a:alpha val="50000"/>
+              </a:schemeClr>
+            </a:solidFill>
+            <a:ln>
+              <a:noFill/>
+            </a:ln>
+          </p:spPr>
+          <p:style>
+            <a:lnRef idx="0">
+              <a:scrgbClr r="0" g="0" b="0"/>
+            </a:lnRef>
+            <a:fillRef idx="0">
+              <a:scrgbClr r="0" g="0" b="0"/>
+            </a:fillRef>
+            <a:effectRef idx="0">
+              <a:scrgbClr r="0" g="0" b="0"/>
+            </a:effectRef>
+            <a:fontRef idx="minor">
+              <a:schemeClr val="lt1"/>
+            </a:fontRef>
+          </p:style>
+          <p:txBody>
+            <a:bodyPr rtlCol="0" anchor="ctr"/>
+            <a:lstStyle>
+              <a:defPPr>
+                <a:defRPr lang="en-US"/>
+              </a:defPPr>
+              <a:lvl1pPr marL="0" algn="l" defTabSz="914400" rtl="0" eaLnBrk="1" latinLnBrk="0" hangingPunct="1">
+                <a:defRPr sz="1800" kern="1200">
+                  <a:solidFill>
+                    <a:schemeClr val="lt1"/>
+                  </a:solidFill>
+                  <a:latin typeface="+mn-lt"/>
+                  <a:ea typeface="+mn-ea"/>
+                  <a:cs typeface="+mn-cs"/>
+                </a:defRPr>
+              </a:lvl1pPr>
+              <a:lvl2pPr marL="457200" algn="l" defTabSz="914400" rtl="0" eaLnBrk="1" latinLnBrk="0" hangingPunct="1">
+                <a:defRPr sz="1800" kern="1200">
+                  <a:solidFill>
+                    <a:schemeClr val="lt1"/>
+                  </a:solidFill>
+                  <a:latin typeface="+mn-lt"/>
+                  <a:ea typeface="+mn-ea"/>
+                  <a:cs typeface="+mn-cs"/>
+                </a:defRPr>
+              </a:lvl2pPr>
+              <a:lvl3pPr marL="914400" algn="l" defTabSz="914400" rtl="0" eaLnBrk="1" latinLnBrk="0" hangingPunct="1">
+                <a:defRPr sz="1800" kern="1200">
+                  <a:solidFill>
+                    <a:schemeClr val="lt1"/>
+                  </a:solidFill>
+                  <a:latin typeface="+mn-lt"/>
+                  <a:ea typeface="+mn-ea"/>
+                  <a:cs typeface="+mn-cs"/>
+                </a:defRPr>
+              </a:lvl3pPr>
+              <a:lvl4pPr marL="1371600" algn="l" defTabSz="914400" rtl="0" eaLnBrk="1" latinLnBrk="0" hangingPunct="1">
+                <a:defRPr sz="1800" kern="1200">
+                  <a:solidFill>
+                    <a:schemeClr val="lt1"/>
+                  </a:solidFill>
+                  <a:latin typeface="+mn-lt"/>
+                  <a:ea typeface="+mn-ea"/>
+                  <a:cs typeface="+mn-cs"/>
+                </a:defRPr>
+              </a:lvl4pPr>
+              <a:lvl5pPr marL="1828800" algn="l" defTabSz="914400" rtl="0" eaLnBrk="1" latinLnBrk="0" hangingPunct="1">
+                <a:defRPr sz="1800" kern="1200">
+                  <a:solidFill>
+                    <a:schemeClr val="lt1"/>
+                  </a:solidFill>
+                  <a:latin typeface="+mn-lt"/>
+                  <a:ea typeface="+mn-ea"/>
+                  <a:cs typeface="+mn-cs"/>
+                </a:defRPr>
+              </a:lvl5pPr>
+              <a:lvl6pPr marL="2286000" algn="l" defTabSz="914400" rtl="0" eaLnBrk="1" latinLnBrk="0" hangingPunct="1">
+                <a:defRPr sz="1800" kern="1200">
+                  <a:solidFill>
+                    <a:schemeClr val="lt1"/>
+                  </a:solidFill>
+                  <a:latin typeface="+mn-lt"/>
+                  <a:ea typeface="+mn-ea"/>
+                  <a:cs typeface="+mn-cs"/>
+                </a:defRPr>
+              </a:lvl6pPr>
+              <a:lvl7pPr marL="2743200" algn="l" defTabSz="914400" rtl="0" eaLnBrk="1" latinLnBrk="0" hangingPunct="1">
+                <a:defRPr sz="1800" kern="1200">
+                  <a:solidFill>
+                    <a:schemeClr val="lt1"/>
+                  </a:solidFill>
+                  <a:latin typeface="+mn-lt"/>
+                  <a:ea typeface="+mn-ea"/>
+                  <a:cs typeface="+mn-cs"/>
+                </a:defRPr>
+              </a:lvl7pPr>
+              <a:lvl8pPr marL="3200400" algn="l" defTabSz="914400" rtl="0" eaLnBrk="1" latinLnBrk="0" hangingPunct="1">
+                <a:defRPr sz="1800" kern="1200">
+                  <a:solidFill>
+                    <a:schemeClr val="lt1"/>
+                  </a:solidFill>
+                  <a:latin typeface="+mn-lt"/>
+                  <a:ea typeface="+mn-ea"/>
+                  <a:cs typeface="+mn-cs"/>
+                </a:defRPr>
+              </a:lvl8pPr>
+              <a:lvl9pPr marL="3657600" algn="l" defTabSz="914400" rtl="0" eaLnBrk="1" latinLnBrk="0" hangingPunct="1">
+                <a:defRPr sz="1800" kern="1200">
+                  <a:solidFill>
+                    <a:schemeClr val="lt1"/>
+                  </a:solidFill>
+                  <a:latin typeface="+mn-lt"/>
+                  <a:ea typeface="+mn-ea"/>
+                  <a:cs typeface="+mn-cs"/>
+                </a:defRPr>
+              </a:lvl9pPr>
+            </a:lstStyle>
+            <a:p>
+              <a:pPr algn="ctr">
+                <a:lnSpc>
+                  <a:spcPct val="250000"/>
+                </a:lnSpc>
+              </a:pPr>
+              <a:r>
+                <a:rPr kumimoji="1" lang="en-US" altLang="ja-JP" dirty="0">
+                  <a:solidFill>
+                    <a:schemeClr val="tx1"/>
+                  </a:solidFill>
+                </a:rPr>
+                <a:t>B</a:t>
+              </a:r>
+              <a:endParaRPr kumimoji="1" lang="ja-JP" altLang="en-US" dirty="0">
+                <a:solidFill>
+                  <a:schemeClr val="tx1"/>
+                </a:solidFill>
+              </a:endParaRPr>
+            </a:p>
+          </p:txBody>
+        </p:sp>
+        <p:sp>
+          <p:nvSpPr>
+            <p:cNvPr id="11" name="テキスト ボックス 9">
+              <a:extLst>
+                <a:ext uri="{FF2B5EF4-FFF2-40B4-BE49-F238E27FC236}">
+                  <a16:creationId xmlns:a16="http://schemas.microsoft.com/office/drawing/2014/main" id="{665C008F-457D-4E98-B077-73094F9672EB}"/>
+                </a:ext>
+              </a:extLst>
+            </p:cNvPr>
+            <p:cNvSpPr txBox="1"/>
+            <p:nvPr/>
+          </p:nvSpPr>
+          <p:spPr>
+            <a:xfrm>
+              <a:off x="677123" y="2021907"/>
+              <a:ext cx="2113273" cy="461665"/>
+            </a:xfrm>
+            <a:prstGeom prst="rect">
+              <a:avLst/>
+            </a:prstGeom>
+            <a:noFill/>
+          </p:spPr>
+          <p:txBody>
+            <a:bodyPr wrap="square" rtlCol="0">
+              <a:spAutoFit/>
+            </a:bodyPr>
+            <a:lstStyle>
+              <a:defPPr>
+                <a:defRPr lang="en-US"/>
+              </a:defPPr>
+              <a:lvl1pPr marL="0" algn="l" defTabSz="914400" rtl="0" eaLnBrk="1" latinLnBrk="0" hangingPunct="1">
+                <a:defRPr sz="1800" kern="1200">
+                  <a:solidFill>
+                    <a:schemeClr val="tx1"/>
+                  </a:solidFill>
+                  <a:latin typeface="+mn-lt"/>
+                  <a:ea typeface="+mn-ea"/>
+                  <a:cs typeface="+mn-cs"/>
+                </a:defRPr>
+              </a:lvl1pPr>
+              <a:lvl2pPr marL="457200" algn="l" defTabSz="914400" rtl="0" eaLnBrk="1" latinLnBrk="0" hangingPunct="1">
+                <a:defRPr sz="1800" kern="1200">
+                  <a:solidFill>
+                    <a:schemeClr val="tx1"/>
+                  </a:solidFill>
+                  <a:latin typeface="+mn-lt"/>
+                  <a:ea typeface="+mn-ea"/>
+                  <a:cs typeface="+mn-cs"/>
+                </a:defRPr>
+              </a:lvl2pPr>
+              <a:lvl3pPr marL="914400" algn="l" defTabSz="914400" rtl="0" eaLnBrk="1" latinLnBrk="0" hangingPunct="1">
+                <a:defRPr sz="1800" kern="1200">
+                  <a:solidFill>
+                    <a:schemeClr val="tx1"/>
+                  </a:solidFill>
+                  <a:latin typeface="+mn-lt"/>
+                  <a:ea typeface="+mn-ea"/>
+                  <a:cs typeface="+mn-cs"/>
+                </a:defRPr>
+              </a:lvl3pPr>
+              <a:lvl4pPr marL="1371600" algn="l" defTabSz="914400" rtl="0" eaLnBrk="1" latinLnBrk="0" hangingPunct="1">
+                <a:defRPr sz="1800" kern="1200">
+                  <a:solidFill>
+                    <a:schemeClr val="tx1"/>
+                  </a:solidFill>
+                  <a:latin typeface="+mn-lt"/>
+                  <a:ea typeface="+mn-ea"/>
+                  <a:cs typeface="+mn-cs"/>
+                </a:defRPr>
+              </a:lvl4pPr>
+              <a:lvl5pPr marL="1828800" algn="l" defTabSz="914400" rtl="0" eaLnBrk="1" latinLnBrk="0" hangingPunct="1">
+                <a:defRPr sz="1800" kern="1200">
+                  <a:solidFill>
+                    <a:schemeClr val="tx1"/>
+                  </a:solidFill>
+                  <a:latin typeface="+mn-lt"/>
+                  <a:ea typeface="+mn-ea"/>
+                  <a:cs typeface="+mn-cs"/>
+                </a:defRPr>
+              </a:lvl5pPr>
+              <a:lvl6pPr marL="2286000" algn="l" defTabSz="914400" rtl="0" eaLnBrk="1" latinLnBrk="0" hangingPunct="1">
+                <a:defRPr sz="1800" kern="1200">
+                  <a:solidFill>
+                    <a:schemeClr val="tx1"/>
+                  </a:solidFill>
+                  <a:latin typeface="+mn-lt"/>
+                  <a:ea typeface="+mn-ea"/>
+                  <a:cs typeface="+mn-cs"/>
+                </a:defRPr>
+              </a:lvl6pPr>
+              <a:lvl7pPr marL="2743200" algn="l" defTabSz="914400" rtl="0" eaLnBrk="1" latinLnBrk="0" hangingPunct="1">
+                <a:defRPr sz="1800" kern="1200">
+                  <a:solidFill>
+                    <a:schemeClr val="tx1"/>
+                  </a:solidFill>
+                  <a:latin typeface="+mn-lt"/>
+                  <a:ea typeface="+mn-ea"/>
+                  <a:cs typeface="+mn-cs"/>
+                </a:defRPr>
+              </a:lvl7pPr>
+              <a:lvl8pPr marL="3200400" algn="l" defTabSz="914400" rtl="0" eaLnBrk="1" latinLnBrk="0" hangingPunct="1">
+                <a:defRPr sz="1800" kern="1200">
+                  <a:solidFill>
+                    <a:schemeClr val="tx1"/>
+                  </a:solidFill>
+                  <a:latin typeface="+mn-lt"/>
+                  <a:ea typeface="+mn-ea"/>
+                  <a:cs typeface="+mn-cs"/>
+                </a:defRPr>
+              </a:lvl8pPr>
+              <a:lvl9pPr marL="3657600" algn="l" defTabSz="914400" rtl="0" eaLnBrk="1" latinLnBrk="0" hangingPunct="1">
+                <a:defRPr sz="1800" kern="1200">
+                  <a:solidFill>
+                    <a:schemeClr val="tx1"/>
+                  </a:solidFill>
+                  <a:latin typeface="+mn-lt"/>
+                  <a:ea typeface="+mn-ea"/>
+                  <a:cs typeface="+mn-cs"/>
+                </a:defRPr>
+              </a:lvl9pPr>
+            </a:lstStyle>
+            <a:p>
+              <a:r>
+                <a:rPr kumimoji="1" lang="ja-JP" altLang="en-US" sz="2400" dirty="0">
+                  <a:latin typeface="ＭＳ ゴシック" panose="020B0609070205080204" pitchFamily="49" charset="-128"/>
+                  <a:ea typeface="ＭＳ ゴシック" panose="020B0609070205080204" pitchFamily="49" charset="-128"/>
+                </a:rPr>
+                <a:t>タスク開始前</a:t>
+              </a:r>
+            </a:p>
+          </p:txBody>
+        </p:sp>
+      </p:grpSp>
+      <p:cxnSp>
+        <p:nvCxnSpPr>
+          <p:cNvPr id="31" name="直線コネクタ 30">
+            <a:extLst>
+              <a:ext uri="{FF2B5EF4-FFF2-40B4-BE49-F238E27FC236}">
+                <a16:creationId xmlns:a16="http://schemas.microsoft.com/office/drawing/2014/main" id="{02CDB865-709B-4AF4-93F5-91F79ECA5731}"/>
+              </a:ext>
+            </a:extLst>
+          </p:cNvPr>
+          <p:cNvCxnSpPr/>
+          <p:nvPr/>
+        </p:nvCxnSpPr>
+        <p:spPr>
+          <a:xfrm>
+            <a:off x="2057051" y="4411323"/>
+            <a:ext cx="0" cy="1876454"/>
+          </a:xfrm>
+          <a:prstGeom prst="line">
+            <a:avLst/>
+          </a:prstGeom>
+        </p:spPr>
+        <p:style>
+          <a:lnRef idx="1">
+            <a:schemeClr val="dk1"/>
+          </a:lnRef>
+          <a:fillRef idx="0">
+            <a:schemeClr val="dk1"/>
+          </a:fillRef>
+          <a:effectRef idx="0">
+            <a:schemeClr val="dk1"/>
+          </a:effectRef>
+          <a:fontRef idx="minor">
+            <a:schemeClr val="tx1"/>
+          </a:fontRef>
+        </p:style>
+      </p:cxnSp>
+      <p:grpSp>
+        <p:nvGrpSpPr>
+          <p:cNvPr id="32" name="グループ化 31">
+            <a:extLst>
+              <a:ext uri="{FF2B5EF4-FFF2-40B4-BE49-F238E27FC236}">
+                <a16:creationId xmlns:a16="http://schemas.microsoft.com/office/drawing/2014/main" id="{643BDFDF-B8B7-4534-B2A9-70FFC76F7088}"/>
+              </a:ext>
+            </a:extLst>
+          </p:cNvPr>
+          <p:cNvGrpSpPr/>
+          <p:nvPr/>
+        </p:nvGrpSpPr>
+        <p:grpSpPr>
+          <a:xfrm>
+            <a:off x="4449675" y="3945280"/>
+            <a:ext cx="3415259" cy="2288609"/>
+            <a:chOff x="-50959" y="2021907"/>
+            <a:chExt cx="3432943" cy="2384723"/>
+          </a:xfrm>
+        </p:grpSpPr>
+        <p:grpSp>
+          <p:nvGrpSpPr>
+            <p:cNvPr id="33" name="グループ化 32">
+              <a:extLst>
+                <a:ext uri="{FF2B5EF4-FFF2-40B4-BE49-F238E27FC236}">
+                  <a16:creationId xmlns:a16="http://schemas.microsoft.com/office/drawing/2014/main" id="{93ABED02-00F4-47FB-A7A1-C6ADBE018887}"/>
+                </a:ext>
+              </a:extLst>
+            </p:cNvPr>
+            <p:cNvGrpSpPr/>
+            <p:nvPr/>
+          </p:nvGrpSpPr>
+          <p:grpSpPr>
+            <a:xfrm>
+              <a:off x="-50959" y="2433074"/>
+              <a:ext cx="3432943" cy="1973556"/>
+              <a:chOff x="4303049" y="3410704"/>
+              <a:chExt cx="4409574" cy="1973556"/>
+            </a:xfrm>
+          </p:grpSpPr>
+          <p:sp>
+            <p:nvSpPr>
+              <p:cNvPr id="39" name="正方形/長方形 38">
+                <a:extLst>
+                  <a:ext uri="{FF2B5EF4-FFF2-40B4-BE49-F238E27FC236}">
+                    <a16:creationId xmlns:a16="http://schemas.microsoft.com/office/drawing/2014/main" id="{82EAF710-3D04-4493-9A44-8792FDACF099}"/>
+                  </a:ext>
+                </a:extLst>
+              </p:cNvPr>
+              <p:cNvSpPr/>
+              <p:nvPr/>
+            </p:nvSpPr>
+            <p:spPr>
+              <a:xfrm>
+                <a:off x="4489393" y="3429000"/>
+                <a:ext cx="3994723" cy="1955260"/>
+              </a:xfrm>
+              <a:prstGeom prst="rect">
+                <a:avLst/>
+              </a:prstGeom>
+            </p:spPr>
+            <p:style>
+              <a:lnRef idx="2">
+                <a:schemeClr val="dk1"/>
+              </a:lnRef>
+              <a:fillRef idx="1">
+                <a:schemeClr val="lt1"/>
+              </a:fillRef>
+              <a:effectRef idx="0">
+                <a:schemeClr val="dk1"/>
+              </a:effectRef>
+              <a:fontRef idx="minor">
+                <a:schemeClr val="dk1"/>
+              </a:fontRef>
+            </p:style>
+            <p:txBody>
+              <a:bodyPr rtlCol="0" anchor="ctr"/>
+              <a:lstStyle>
+                <a:defPPr>
+                  <a:defRPr lang="en-US"/>
+                </a:defPPr>
+                <a:lvl1pPr marL="0" algn="l" defTabSz="914400" rtl="0" eaLnBrk="1" latinLnBrk="0" hangingPunct="1">
+                  <a:defRPr sz="1800" kern="1200">
+                    <a:solidFill>
+                      <a:schemeClr val="dk1"/>
+                    </a:solidFill>
+                    <a:latin typeface="+mn-lt"/>
+                    <a:ea typeface="+mn-ea"/>
+                    <a:cs typeface="+mn-cs"/>
+                  </a:defRPr>
+                </a:lvl1pPr>
+                <a:lvl2pPr marL="457200" algn="l" defTabSz="914400" rtl="0" eaLnBrk="1" latinLnBrk="0" hangingPunct="1">
+                  <a:defRPr sz="1800" kern="1200">
+                    <a:solidFill>
+                      <a:schemeClr val="dk1"/>
+                    </a:solidFill>
+                    <a:latin typeface="+mn-lt"/>
+                    <a:ea typeface="+mn-ea"/>
+                    <a:cs typeface="+mn-cs"/>
+                  </a:defRPr>
+                </a:lvl2pPr>
+                <a:lvl3pPr marL="914400" algn="l" defTabSz="914400" rtl="0" eaLnBrk="1" latinLnBrk="0" hangingPunct="1">
+                  <a:defRPr sz="1800" kern="1200">
+                    <a:solidFill>
+                      <a:schemeClr val="dk1"/>
+                    </a:solidFill>
+                    <a:latin typeface="+mn-lt"/>
+                    <a:ea typeface="+mn-ea"/>
+                    <a:cs typeface="+mn-cs"/>
+                  </a:defRPr>
+                </a:lvl3pPr>
+                <a:lvl4pPr marL="1371600" algn="l" defTabSz="914400" rtl="0" eaLnBrk="1" latinLnBrk="0" hangingPunct="1">
+                  <a:defRPr sz="1800" kern="1200">
+                    <a:solidFill>
+                      <a:schemeClr val="dk1"/>
+                    </a:solidFill>
+                    <a:latin typeface="+mn-lt"/>
+                    <a:ea typeface="+mn-ea"/>
+                    <a:cs typeface="+mn-cs"/>
+                  </a:defRPr>
+                </a:lvl4pPr>
+                <a:lvl5pPr marL="1828800" algn="l" defTabSz="914400" rtl="0" eaLnBrk="1" latinLnBrk="0" hangingPunct="1">
+                  <a:defRPr sz="1800" kern="1200">
+                    <a:solidFill>
+                      <a:schemeClr val="dk1"/>
+                    </a:solidFill>
+                    <a:latin typeface="+mn-lt"/>
+                    <a:ea typeface="+mn-ea"/>
+                    <a:cs typeface="+mn-cs"/>
+                  </a:defRPr>
+                </a:lvl5pPr>
+                <a:lvl6pPr marL="2286000" algn="l" defTabSz="914400" rtl="0" eaLnBrk="1" latinLnBrk="0" hangingPunct="1">
+                  <a:defRPr sz="1800" kern="1200">
+                    <a:solidFill>
+                      <a:schemeClr val="dk1"/>
+                    </a:solidFill>
+                    <a:latin typeface="+mn-lt"/>
+                    <a:ea typeface="+mn-ea"/>
+                    <a:cs typeface="+mn-cs"/>
+                  </a:defRPr>
+                </a:lvl6pPr>
+                <a:lvl7pPr marL="2743200" algn="l" defTabSz="914400" rtl="0" eaLnBrk="1" latinLnBrk="0" hangingPunct="1">
+                  <a:defRPr sz="1800" kern="1200">
+                    <a:solidFill>
+                      <a:schemeClr val="dk1"/>
+                    </a:solidFill>
+                    <a:latin typeface="+mn-lt"/>
+                    <a:ea typeface="+mn-ea"/>
+                    <a:cs typeface="+mn-cs"/>
+                  </a:defRPr>
+                </a:lvl7pPr>
+                <a:lvl8pPr marL="3200400" algn="l" defTabSz="914400" rtl="0" eaLnBrk="1" latinLnBrk="0" hangingPunct="1">
+                  <a:defRPr sz="1800" kern="1200">
+                    <a:solidFill>
+                      <a:schemeClr val="dk1"/>
+                    </a:solidFill>
+                    <a:latin typeface="+mn-lt"/>
+                    <a:ea typeface="+mn-ea"/>
+                    <a:cs typeface="+mn-cs"/>
+                  </a:defRPr>
+                </a:lvl8pPr>
+                <a:lvl9pPr marL="3657600" algn="l" defTabSz="914400" rtl="0" eaLnBrk="1" latinLnBrk="0" hangingPunct="1">
+                  <a:defRPr sz="1800" kern="1200">
+                    <a:solidFill>
+                      <a:schemeClr val="dk1"/>
+                    </a:solidFill>
+                    <a:latin typeface="+mn-lt"/>
+                    <a:ea typeface="+mn-ea"/>
+                    <a:cs typeface="+mn-cs"/>
+                  </a:defRPr>
+                </a:lvl9pPr>
+              </a:lstStyle>
+              <a:p>
+                <a:pPr algn="ctr"/>
+                <a:endParaRPr kumimoji="1" lang="ja-JP" altLang="en-US" dirty="0"/>
+              </a:p>
+            </p:txBody>
+          </p:sp>
+          <p:cxnSp>
+            <p:nvCxnSpPr>
+              <p:cNvPr id="40" name="直線コネクタ 39">
+                <a:extLst>
+                  <a:ext uri="{FF2B5EF4-FFF2-40B4-BE49-F238E27FC236}">
+                    <a16:creationId xmlns:a16="http://schemas.microsoft.com/office/drawing/2014/main" id="{E50B3EB2-966A-4171-9881-C1982807DAF2}"/>
+                  </a:ext>
+                </a:extLst>
+              </p:cNvPr>
+              <p:cNvCxnSpPr/>
+              <p:nvPr/>
+            </p:nvCxnSpPr>
+            <p:spPr>
+              <a:xfrm>
+                <a:off x="7462556" y="3429000"/>
+                <a:ext cx="0" cy="1955260"/>
+              </a:xfrm>
+              <a:prstGeom prst="line">
+                <a:avLst/>
+              </a:prstGeom>
+            </p:spPr>
+            <p:style>
+              <a:lnRef idx="1">
+                <a:schemeClr val="dk1"/>
+              </a:lnRef>
+              <a:fillRef idx="0">
+                <a:schemeClr val="dk1"/>
+              </a:fillRef>
+              <a:effectRef idx="0">
+                <a:schemeClr val="dk1"/>
+              </a:effectRef>
+              <a:fontRef idx="minor">
+                <a:schemeClr val="tx1"/>
+              </a:fontRef>
+            </p:style>
+          </p:cxnSp>
+          <p:cxnSp>
+            <p:nvCxnSpPr>
+              <p:cNvPr id="41" name="直線コネクタ 40">
+                <a:extLst>
+                  <a:ext uri="{FF2B5EF4-FFF2-40B4-BE49-F238E27FC236}">
+                    <a16:creationId xmlns:a16="http://schemas.microsoft.com/office/drawing/2014/main" id="{0B54F570-9FF0-4BA3-816F-1899F697DD29}"/>
+                  </a:ext>
+                </a:extLst>
+              </p:cNvPr>
+              <p:cNvCxnSpPr/>
+              <p:nvPr/>
+            </p:nvCxnSpPr>
+            <p:spPr>
+              <a:xfrm>
+                <a:off x="5367499" y="3429000"/>
+                <a:ext cx="0" cy="1955260"/>
+              </a:xfrm>
+              <a:prstGeom prst="line">
+                <a:avLst/>
+              </a:prstGeom>
+            </p:spPr>
+            <p:style>
+              <a:lnRef idx="1">
+                <a:schemeClr val="dk1"/>
+              </a:lnRef>
+              <a:fillRef idx="0">
+                <a:schemeClr val="dk1"/>
+              </a:fillRef>
+              <a:effectRef idx="0">
+                <a:schemeClr val="dk1"/>
+              </a:effectRef>
+              <a:fontRef idx="minor">
+                <a:schemeClr val="tx1"/>
+              </a:fontRef>
+            </p:style>
+          </p:cxnSp>
+          <p:sp>
+            <p:nvSpPr>
+              <p:cNvPr id="42" name="テキスト ボックス 28">
+                <a:extLst>
+                  <a:ext uri="{FF2B5EF4-FFF2-40B4-BE49-F238E27FC236}">
+                    <a16:creationId xmlns:a16="http://schemas.microsoft.com/office/drawing/2014/main" id="{6E63EDD9-C159-4D9A-82E4-7D9D1E5AEE38}"/>
+                  </a:ext>
+                </a:extLst>
+              </p:cNvPr>
+              <p:cNvSpPr txBox="1"/>
+              <p:nvPr/>
+            </p:nvSpPr>
+            <p:spPr>
+              <a:xfrm>
+                <a:off x="4303049" y="3410704"/>
+                <a:ext cx="4409574" cy="448983"/>
+              </a:xfrm>
+              <a:prstGeom prst="rect">
+                <a:avLst/>
+              </a:prstGeom>
+              <a:noFill/>
+            </p:spPr>
+            <p:txBody>
+              <a:bodyPr wrap="square" rtlCol="0">
+                <a:spAutoFit/>
+              </a:bodyPr>
+              <a:lstStyle>
+                <a:defPPr>
+                  <a:defRPr lang="en-US"/>
+                </a:defPPr>
+                <a:lvl1pPr marL="0" algn="l" defTabSz="914400" rtl="0" eaLnBrk="1" latinLnBrk="0" hangingPunct="1">
+                  <a:defRPr sz="1800" kern="1200">
+                    <a:solidFill>
+                      <a:schemeClr val="tx1"/>
+                    </a:solidFill>
+                    <a:latin typeface="+mn-lt"/>
+                    <a:ea typeface="+mn-ea"/>
+                    <a:cs typeface="+mn-cs"/>
+                  </a:defRPr>
+                </a:lvl1pPr>
+                <a:lvl2pPr marL="457200" algn="l" defTabSz="914400" rtl="0" eaLnBrk="1" latinLnBrk="0" hangingPunct="1">
+                  <a:defRPr sz="1800" kern="1200">
+                    <a:solidFill>
+                      <a:schemeClr val="tx1"/>
+                    </a:solidFill>
+                    <a:latin typeface="+mn-lt"/>
+                    <a:ea typeface="+mn-ea"/>
+                    <a:cs typeface="+mn-cs"/>
+                  </a:defRPr>
+                </a:lvl2pPr>
+                <a:lvl3pPr marL="914400" algn="l" defTabSz="914400" rtl="0" eaLnBrk="1" latinLnBrk="0" hangingPunct="1">
+                  <a:defRPr sz="1800" kern="1200">
+                    <a:solidFill>
+                      <a:schemeClr val="tx1"/>
+                    </a:solidFill>
+                    <a:latin typeface="+mn-lt"/>
+                    <a:ea typeface="+mn-ea"/>
+                    <a:cs typeface="+mn-cs"/>
+                  </a:defRPr>
+                </a:lvl3pPr>
+                <a:lvl4pPr marL="1371600" algn="l" defTabSz="914400" rtl="0" eaLnBrk="1" latinLnBrk="0" hangingPunct="1">
+                  <a:defRPr sz="1800" kern="1200">
+                    <a:solidFill>
+                      <a:schemeClr val="tx1"/>
+                    </a:solidFill>
+                    <a:latin typeface="+mn-lt"/>
+                    <a:ea typeface="+mn-ea"/>
+                    <a:cs typeface="+mn-cs"/>
+                  </a:defRPr>
+                </a:lvl4pPr>
+                <a:lvl5pPr marL="1828800" algn="l" defTabSz="914400" rtl="0" eaLnBrk="1" latinLnBrk="0" hangingPunct="1">
+                  <a:defRPr sz="1800" kern="1200">
+                    <a:solidFill>
+                      <a:schemeClr val="tx1"/>
+                    </a:solidFill>
+                    <a:latin typeface="+mn-lt"/>
+                    <a:ea typeface="+mn-ea"/>
+                    <a:cs typeface="+mn-cs"/>
+                  </a:defRPr>
+                </a:lvl5pPr>
+                <a:lvl6pPr marL="2286000" algn="l" defTabSz="914400" rtl="0" eaLnBrk="1" latinLnBrk="0" hangingPunct="1">
+                  <a:defRPr sz="1800" kern="1200">
+                    <a:solidFill>
+                      <a:schemeClr val="tx1"/>
+                    </a:solidFill>
+                    <a:latin typeface="+mn-lt"/>
+                    <a:ea typeface="+mn-ea"/>
+                    <a:cs typeface="+mn-cs"/>
+                  </a:defRPr>
+                </a:lvl6pPr>
+                <a:lvl7pPr marL="2743200" algn="l" defTabSz="914400" rtl="0" eaLnBrk="1" latinLnBrk="0" hangingPunct="1">
+                  <a:defRPr sz="1800" kern="1200">
+                    <a:solidFill>
+                      <a:schemeClr val="tx1"/>
+                    </a:solidFill>
+                    <a:latin typeface="+mn-lt"/>
+                    <a:ea typeface="+mn-ea"/>
+                    <a:cs typeface="+mn-cs"/>
+                  </a:defRPr>
+                </a:lvl7pPr>
+                <a:lvl8pPr marL="3200400" algn="l" defTabSz="914400" rtl="0" eaLnBrk="1" latinLnBrk="0" hangingPunct="1">
+                  <a:defRPr sz="1800" kern="1200">
+                    <a:solidFill>
+                      <a:schemeClr val="tx1"/>
+                    </a:solidFill>
+                    <a:latin typeface="+mn-lt"/>
+                    <a:ea typeface="+mn-ea"/>
+                    <a:cs typeface="+mn-cs"/>
+                  </a:defRPr>
+                </a:lvl8pPr>
+                <a:lvl9pPr marL="3657600" algn="l" defTabSz="914400" rtl="0" eaLnBrk="1" latinLnBrk="0" hangingPunct="1">
+                  <a:defRPr sz="1800" kern="1200">
+                    <a:solidFill>
+                      <a:schemeClr val="tx1"/>
+                    </a:solidFill>
+                    <a:latin typeface="+mn-lt"/>
+                    <a:ea typeface="+mn-ea"/>
+                    <a:cs typeface="+mn-cs"/>
+                  </a:defRPr>
+                </a:lvl9pPr>
+              </a:lstStyle>
+              <a:p>
+                <a:r>
+                  <a:rPr kumimoji="1" lang="ja-JP" altLang="en-US" sz="2200" b="1" dirty="0">
+                    <a:latin typeface="ＭＳ Ｐ明朝" panose="02020600040205080304" pitchFamily="18" charset="-128"/>
+                    <a:ea typeface="ＭＳ Ｐ明朝" panose="02020600040205080304" pitchFamily="18" charset="-128"/>
+                  </a:rPr>
+                  <a:t> </a:t>
+                </a:r>
+                <a:r>
+                  <a:rPr kumimoji="1" lang="en-US" altLang="ja-JP" sz="2200" b="1" dirty="0" err="1">
+                    <a:latin typeface="ＭＳ Ｐ明朝" panose="02020600040205080304" pitchFamily="18" charset="-128"/>
+                    <a:ea typeface="ＭＳ Ｐ明朝" panose="02020600040205080304" pitchFamily="18" charset="-128"/>
+                  </a:rPr>
+                  <a:t>Todo</a:t>
+                </a:r>
+                <a:r>
+                  <a:rPr kumimoji="1" lang="ja-JP" altLang="en-US" sz="2200" b="1" dirty="0">
+                    <a:latin typeface="ＭＳ Ｐ明朝" panose="02020600040205080304" pitchFamily="18" charset="-128"/>
+                    <a:ea typeface="ＭＳ Ｐ明朝" panose="02020600040205080304" pitchFamily="18" charset="-128"/>
+                  </a:rPr>
+                  <a:t> </a:t>
+                </a:r>
+                <a:r>
+                  <a:rPr kumimoji="1" lang="en-US" altLang="ja-JP" sz="2200" b="1" dirty="0">
+                    <a:latin typeface="ＭＳ Ｐ明朝" panose="02020600040205080304" pitchFamily="18" charset="-128"/>
+                    <a:ea typeface="ＭＳ Ｐ明朝" panose="02020600040205080304" pitchFamily="18" charset="-128"/>
+                  </a:rPr>
+                  <a:t>Ready</a:t>
+                </a:r>
+                <a:r>
+                  <a:rPr kumimoji="1" lang="ja-JP" altLang="en-US" sz="2200" b="1" dirty="0">
+                    <a:latin typeface="ＭＳ Ｐ明朝" panose="02020600040205080304" pitchFamily="18" charset="-128"/>
+                    <a:ea typeface="ＭＳ Ｐ明朝" panose="02020600040205080304" pitchFamily="18" charset="-128"/>
+                  </a:rPr>
+                  <a:t> </a:t>
+                </a:r>
+                <a:r>
+                  <a:rPr kumimoji="1" lang="en-US" altLang="ja-JP" sz="2200" b="1" dirty="0">
+                    <a:latin typeface="ＭＳ Ｐ明朝" panose="02020600040205080304" pitchFamily="18" charset="-128"/>
+                    <a:ea typeface="ＭＳ Ｐ明朝" panose="02020600040205080304" pitchFamily="18" charset="-128"/>
+                  </a:rPr>
+                  <a:t>Doing</a:t>
+                </a:r>
+                <a:r>
+                  <a:rPr kumimoji="1" lang="ja-JP" altLang="en-US" sz="2200" b="1" dirty="0">
+                    <a:latin typeface="ＭＳ Ｐ明朝" panose="02020600040205080304" pitchFamily="18" charset="-128"/>
+                    <a:ea typeface="ＭＳ Ｐ明朝" panose="02020600040205080304" pitchFamily="18" charset="-128"/>
+                  </a:rPr>
+                  <a:t>  </a:t>
+                </a:r>
+                <a:r>
+                  <a:rPr kumimoji="1" lang="en-US" altLang="ja-JP" sz="2200" b="1" dirty="0">
+                    <a:latin typeface="ＭＳ Ｐ明朝" panose="02020600040205080304" pitchFamily="18" charset="-128"/>
+                    <a:ea typeface="ＭＳ Ｐ明朝" panose="02020600040205080304" pitchFamily="18" charset="-128"/>
+                  </a:rPr>
+                  <a:t>Done</a:t>
+                </a:r>
+                <a:endParaRPr kumimoji="1" lang="ja-JP" altLang="en-US" sz="2200" b="1" dirty="0">
+                  <a:latin typeface="ＭＳ Ｐ明朝" panose="02020600040205080304" pitchFamily="18" charset="-128"/>
+                  <a:ea typeface="ＭＳ Ｐ明朝" panose="02020600040205080304" pitchFamily="18" charset="-128"/>
+                </a:endParaRPr>
+              </a:p>
+            </p:txBody>
+          </p:sp>
+        </p:grpSp>
+        <p:sp>
+          <p:nvSpPr>
+            <p:cNvPr id="34" name="四角形: メモ 33">
+              <a:extLst>
+                <a:ext uri="{FF2B5EF4-FFF2-40B4-BE49-F238E27FC236}">
+                  <a16:creationId xmlns:a16="http://schemas.microsoft.com/office/drawing/2014/main" id="{F77E5A26-AF5B-490B-9349-3ED0DFC65BF4}"/>
+                </a:ext>
+              </a:extLst>
+            </p:cNvPr>
+            <p:cNvSpPr/>
+            <p:nvPr/>
+          </p:nvSpPr>
+          <p:spPr>
+            <a:xfrm>
+              <a:off x="179458" y="2926546"/>
+              <a:ext cx="471451" cy="408160"/>
+            </a:xfrm>
+            <a:prstGeom prst="foldedCorner">
+              <a:avLst>
+                <a:gd name="adj" fmla="val 50000"/>
+              </a:avLst>
+            </a:prstGeom>
+            <a:solidFill>
+              <a:schemeClr val="accent2">
+                <a:alpha val="50000"/>
+              </a:schemeClr>
+            </a:solidFill>
+            <a:ln>
+              <a:noFill/>
+            </a:ln>
+          </p:spPr>
+          <p:style>
+            <a:lnRef idx="0">
+              <a:scrgbClr r="0" g="0" b="0"/>
+            </a:lnRef>
+            <a:fillRef idx="0">
+              <a:scrgbClr r="0" g="0" b="0"/>
+            </a:fillRef>
+            <a:effectRef idx="0">
+              <a:scrgbClr r="0" g="0" b="0"/>
+            </a:effectRef>
+            <a:fontRef idx="minor">
+              <a:schemeClr val="lt1"/>
+            </a:fontRef>
+          </p:style>
+          <p:txBody>
+            <a:bodyPr rtlCol="0" anchor="ctr"/>
+            <a:lstStyle>
+              <a:defPPr>
+                <a:defRPr lang="en-US"/>
+              </a:defPPr>
+              <a:lvl1pPr marL="0" algn="l" defTabSz="914400" rtl="0" eaLnBrk="1" latinLnBrk="0" hangingPunct="1">
+                <a:defRPr sz="1800" kern="1200">
+                  <a:solidFill>
+                    <a:schemeClr val="lt1"/>
+                  </a:solidFill>
+                  <a:latin typeface="+mn-lt"/>
+                  <a:ea typeface="+mn-ea"/>
+                  <a:cs typeface="+mn-cs"/>
+                </a:defRPr>
+              </a:lvl1pPr>
+              <a:lvl2pPr marL="457200" algn="l" defTabSz="914400" rtl="0" eaLnBrk="1" latinLnBrk="0" hangingPunct="1">
+                <a:defRPr sz="1800" kern="1200">
+                  <a:solidFill>
+                    <a:schemeClr val="lt1"/>
+                  </a:solidFill>
+                  <a:latin typeface="+mn-lt"/>
+                  <a:ea typeface="+mn-ea"/>
+                  <a:cs typeface="+mn-cs"/>
+                </a:defRPr>
+              </a:lvl2pPr>
+              <a:lvl3pPr marL="914400" algn="l" defTabSz="914400" rtl="0" eaLnBrk="1" latinLnBrk="0" hangingPunct="1">
+                <a:defRPr sz="1800" kern="1200">
+                  <a:solidFill>
+                    <a:schemeClr val="lt1"/>
+                  </a:solidFill>
+                  <a:latin typeface="+mn-lt"/>
+                  <a:ea typeface="+mn-ea"/>
+                  <a:cs typeface="+mn-cs"/>
+                </a:defRPr>
+              </a:lvl3pPr>
+              <a:lvl4pPr marL="1371600" algn="l" defTabSz="914400" rtl="0" eaLnBrk="1" latinLnBrk="0" hangingPunct="1">
+                <a:defRPr sz="1800" kern="1200">
+                  <a:solidFill>
+                    <a:schemeClr val="lt1"/>
+                  </a:solidFill>
+                  <a:latin typeface="+mn-lt"/>
+                  <a:ea typeface="+mn-ea"/>
+                  <a:cs typeface="+mn-cs"/>
+                </a:defRPr>
+              </a:lvl4pPr>
+              <a:lvl5pPr marL="1828800" algn="l" defTabSz="914400" rtl="0" eaLnBrk="1" latinLnBrk="0" hangingPunct="1">
+                <a:defRPr sz="1800" kern="1200">
+                  <a:solidFill>
+                    <a:schemeClr val="lt1"/>
+                  </a:solidFill>
+                  <a:latin typeface="+mn-lt"/>
+                  <a:ea typeface="+mn-ea"/>
+                  <a:cs typeface="+mn-cs"/>
+                </a:defRPr>
+              </a:lvl5pPr>
+              <a:lvl6pPr marL="2286000" algn="l" defTabSz="914400" rtl="0" eaLnBrk="1" latinLnBrk="0" hangingPunct="1">
+                <a:defRPr sz="1800" kern="1200">
+                  <a:solidFill>
+                    <a:schemeClr val="lt1"/>
+                  </a:solidFill>
+                  <a:latin typeface="+mn-lt"/>
+                  <a:ea typeface="+mn-ea"/>
+                  <a:cs typeface="+mn-cs"/>
+                </a:defRPr>
+              </a:lvl6pPr>
+              <a:lvl7pPr marL="2743200" algn="l" defTabSz="914400" rtl="0" eaLnBrk="1" latinLnBrk="0" hangingPunct="1">
+                <a:defRPr sz="1800" kern="1200">
+                  <a:solidFill>
+                    <a:schemeClr val="lt1"/>
+                  </a:solidFill>
+                  <a:latin typeface="+mn-lt"/>
+                  <a:ea typeface="+mn-ea"/>
+                  <a:cs typeface="+mn-cs"/>
+                </a:defRPr>
+              </a:lvl7pPr>
+              <a:lvl8pPr marL="3200400" algn="l" defTabSz="914400" rtl="0" eaLnBrk="1" latinLnBrk="0" hangingPunct="1">
+                <a:defRPr sz="1800" kern="1200">
+                  <a:solidFill>
+                    <a:schemeClr val="lt1"/>
+                  </a:solidFill>
+                  <a:latin typeface="+mn-lt"/>
+                  <a:ea typeface="+mn-ea"/>
+                  <a:cs typeface="+mn-cs"/>
+                </a:defRPr>
+              </a:lvl8pPr>
+              <a:lvl9pPr marL="3657600" algn="l" defTabSz="914400" rtl="0" eaLnBrk="1" latinLnBrk="0" hangingPunct="1">
+                <a:defRPr sz="1800" kern="1200">
+                  <a:solidFill>
+                    <a:schemeClr val="lt1"/>
+                  </a:solidFill>
+                  <a:latin typeface="+mn-lt"/>
+                  <a:ea typeface="+mn-ea"/>
+                  <a:cs typeface="+mn-cs"/>
+                </a:defRPr>
+              </a:lvl9pPr>
+            </a:lstStyle>
+            <a:p>
+              <a:pPr algn="ctr">
+                <a:lnSpc>
+                  <a:spcPct val="250000"/>
+                </a:lnSpc>
+              </a:pPr>
+              <a:r>
+                <a:rPr kumimoji="1" lang="en-US" altLang="ja-JP" dirty="0">
+                  <a:solidFill>
+                    <a:schemeClr val="tx1"/>
+                  </a:solidFill>
+                </a:rPr>
+                <a:t>A</a:t>
+              </a:r>
+              <a:endParaRPr kumimoji="1" lang="ja-JP" altLang="en-US" dirty="0">
+                <a:solidFill>
+                  <a:schemeClr val="tx1"/>
+                </a:solidFill>
+              </a:endParaRPr>
+            </a:p>
+          </p:txBody>
+        </p:sp>
+        <p:sp>
+          <p:nvSpPr>
+            <p:cNvPr id="35" name="四角形: メモ 34">
+              <a:extLst>
+                <a:ext uri="{FF2B5EF4-FFF2-40B4-BE49-F238E27FC236}">
+                  <a16:creationId xmlns:a16="http://schemas.microsoft.com/office/drawing/2014/main" id="{244FE20A-A967-444E-BAE3-CE53081A4974}"/>
+                </a:ext>
+              </a:extLst>
+            </p:cNvPr>
+            <p:cNvSpPr/>
+            <p:nvPr/>
+          </p:nvSpPr>
+          <p:spPr>
+            <a:xfrm>
+              <a:off x="1709495" y="3325509"/>
+              <a:ext cx="471451" cy="408159"/>
+            </a:xfrm>
+            <a:prstGeom prst="foldedCorner">
+              <a:avLst>
+                <a:gd name="adj" fmla="val 50000"/>
+              </a:avLst>
+            </a:prstGeom>
+            <a:solidFill>
+              <a:schemeClr val="accent1">
+                <a:alpha val="50000"/>
+              </a:schemeClr>
+            </a:solidFill>
+            <a:ln>
+              <a:noFill/>
+            </a:ln>
+          </p:spPr>
+          <p:style>
+            <a:lnRef idx="0">
+              <a:scrgbClr r="0" g="0" b="0"/>
+            </a:lnRef>
+            <a:fillRef idx="0">
+              <a:scrgbClr r="0" g="0" b="0"/>
+            </a:fillRef>
+            <a:effectRef idx="0">
+              <a:scrgbClr r="0" g="0" b="0"/>
+            </a:effectRef>
+            <a:fontRef idx="minor">
+              <a:schemeClr val="lt1"/>
+            </a:fontRef>
+          </p:style>
+          <p:txBody>
+            <a:bodyPr rtlCol="0" anchor="ctr"/>
+            <a:lstStyle>
+              <a:defPPr>
+                <a:defRPr lang="en-US"/>
+              </a:defPPr>
+              <a:lvl1pPr marL="0" algn="l" defTabSz="914400" rtl="0" eaLnBrk="1" latinLnBrk="0" hangingPunct="1">
+                <a:defRPr sz="1800" kern="1200">
+                  <a:solidFill>
+                    <a:schemeClr val="lt1"/>
+                  </a:solidFill>
+                  <a:latin typeface="+mn-lt"/>
+                  <a:ea typeface="+mn-ea"/>
+                  <a:cs typeface="+mn-cs"/>
+                </a:defRPr>
+              </a:lvl1pPr>
+              <a:lvl2pPr marL="457200" algn="l" defTabSz="914400" rtl="0" eaLnBrk="1" latinLnBrk="0" hangingPunct="1">
+                <a:defRPr sz="1800" kern="1200">
+                  <a:solidFill>
+                    <a:schemeClr val="lt1"/>
+                  </a:solidFill>
+                  <a:latin typeface="+mn-lt"/>
+                  <a:ea typeface="+mn-ea"/>
+                  <a:cs typeface="+mn-cs"/>
+                </a:defRPr>
+              </a:lvl2pPr>
+              <a:lvl3pPr marL="914400" algn="l" defTabSz="914400" rtl="0" eaLnBrk="1" latinLnBrk="0" hangingPunct="1">
+                <a:defRPr sz="1800" kern="1200">
+                  <a:solidFill>
+                    <a:schemeClr val="lt1"/>
+                  </a:solidFill>
+                  <a:latin typeface="+mn-lt"/>
+                  <a:ea typeface="+mn-ea"/>
+                  <a:cs typeface="+mn-cs"/>
+                </a:defRPr>
+              </a:lvl3pPr>
+              <a:lvl4pPr marL="1371600" algn="l" defTabSz="914400" rtl="0" eaLnBrk="1" latinLnBrk="0" hangingPunct="1">
+                <a:defRPr sz="1800" kern="1200">
+                  <a:solidFill>
+                    <a:schemeClr val="lt1"/>
+                  </a:solidFill>
+                  <a:latin typeface="+mn-lt"/>
+                  <a:ea typeface="+mn-ea"/>
+                  <a:cs typeface="+mn-cs"/>
+                </a:defRPr>
+              </a:lvl4pPr>
+              <a:lvl5pPr marL="1828800" algn="l" defTabSz="914400" rtl="0" eaLnBrk="1" latinLnBrk="0" hangingPunct="1">
+                <a:defRPr sz="1800" kern="1200">
+                  <a:solidFill>
+                    <a:schemeClr val="lt1"/>
+                  </a:solidFill>
+                  <a:latin typeface="+mn-lt"/>
+                  <a:ea typeface="+mn-ea"/>
+                  <a:cs typeface="+mn-cs"/>
+                </a:defRPr>
+              </a:lvl5pPr>
+              <a:lvl6pPr marL="2286000" algn="l" defTabSz="914400" rtl="0" eaLnBrk="1" latinLnBrk="0" hangingPunct="1">
+                <a:defRPr sz="1800" kern="1200">
+                  <a:solidFill>
+                    <a:schemeClr val="lt1"/>
+                  </a:solidFill>
+                  <a:latin typeface="+mn-lt"/>
+                  <a:ea typeface="+mn-ea"/>
+                  <a:cs typeface="+mn-cs"/>
+                </a:defRPr>
+              </a:lvl6pPr>
+              <a:lvl7pPr marL="2743200" algn="l" defTabSz="914400" rtl="0" eaLnBrk="1" latinLnBrk="0" hangingPunct="1">
+                <a:defRPr sz="1800" kern="1200">
+                  <a:solidFill>
+                    <a:schemeClr val="lt1"/>
+                  </a:solidFill>
+                  <a:latin typeface="+mn-lt"/>
+                  <a:ea typeface="+mn-ea"/>
+                  <a:cs typeface="+mn-cs"/>
+                </a:defRPr>
+              </a:lvl7pPr>
+              <a:lvl8pPr marL="3200400" algn="l" defTabSz="914400" rtl="0" eaLnBrk="1" latinLnBrk="0" hangingPunct="1">
+                <a:defRPr sz="1800" kern="1200">
+                  <a:solidFill>
+                    <a:schemeClr val="lt1"/>
+                  </a:solidFill>
+                  <a:latin typeface="+mn-lt"/>
+                  <a:ea typeface="+mn-ea"/>
+                  <a:cs typeface="+mn-cs"/>
+                </a:defRPr>
+              </a:lvl8pPr>
+              <a:lvl9pPr marL="3657600" algn="l" defTabSz="914400" rtl="0" eaLnBrk="1" latinLnBrk="0" hangingPunct="1">
+                <a:defRPr sz="1800" kern="1200">
+                  <a:solidFill>
+                    <a:schemeClr val="lt1"/>
+                  </a:solidFill>
+                  <a:latin typeface="+mn-lt"/>
+                  <a:ea typeface="+mn-ea"/>
+                  <a:cs typeface="+mn-cs"/>
+                </a:defRPr>
+              </a:lvl9pPr>
+            </a:lstStyle>
+            <a:p>
+              <a:pPr algn="ctr">
+                <a:lnSpc>
+                  <a:spcPct val="250000"/>
+                </a:lnSpc>
+              </a:pPr>
+              <a:r>
+                <a:rPr kumimoji="1" lang="en-US" altLang="ja-JP" dirty="0">
+                  <a:solidFill>
+                    <a:schemeClr val="tx1"/>
+                  </a:solidFill>
+                </a:rPr>
+                <a:t>B</a:t>
+              </a:r>
+              <a:endParaRPr kumimoji="1" lang="ja-JP" altLang="en-US" dirty="0">
+                <a:solidFill>
+                  <a:schemeClr val="tx1"/>
+                </a:solidFill>
+              </a:endParaRPr>
+            </a:p>
+          </p:txBody>
+        </p:sp>
+        <p:sp>
+          <p:nvSpPr>
+            <p:cNvPr id="36" name="テキスト ボックス 9">
+              <a:extLst>
+                <a:ext uri="{FF2B5EF4-FFF2-40B4-BE49-F238E27FC236}">
+                  <a16:creationId xmlns:a16="http://schemas.microsoft.com/office/drawing/2014/main" id="{A9E54552-882C-46C1-8F09-6E9D6877AA30}"/>
+                </a:ext>
+              </a:extLst>
+            </p:cNvPr>
+            <p:cNvSpPr txBox="1"/>
+            <p:nvPr/>
+          </p:nvSpPr>
+          <p:spPr>
+            <a:xfrm>
+              <a:off x="677123" y="2021907"/>
+              <a:ext cx="2113273" cy="481053"/>
+            </a:xfrm>
+            <a:prstGeom prst="rect">
+              <a:avLst/>
+            </a:prstGeom>
+            <a:noFill/>
+          </p:spPr>
+          <p:txBody>
+            <a:bodyPr wrap="square" rtlCol="0">
+              <a:spAutoFit/>
+            </a:bodyPr>
+            <a:lstStyle>
+              <a:defPPr>
+                <a:defRPr lang="en-US"/>
+              </a:defPPr>
+              <a:lvl1pPr marL="0" algn="l" defTabSz="914400" rtl="0" eaLnBrk="1" latinLnBrk="0" hangingPunct="1">
+                <a:defRPr sz="1800" kern="1200">
+                  <a:solidFill>
+                    <a:schemeClr val="tx1"/>
+                  </a:solidFill>
+                  <a:latin typeface="+mn-lt"/>
+                  <a:ea typeface="+mn-ea"/>
+                  <a:cs typeface="+mn-cs"/>
+                </a:defRPr>
+              </a:lvl1pPr>
+              <a:lvl2pPr marL="457200" algn="l" defTabSz="914400" rtl="0" eaLnBrk="1" latinLnBrk="0" hangingPunct="1">
+                <a:defRPr sz="1800" kern="1200">
+                  <a:solidFill>
+                    <a:schemeClr val="tx1"/>
+                  </a:solidFill>
+                  <a:latin typeface="+mn-lt"/>
+                  <a:ea typeface="+mn-ea"/>
+                  <a:cs typeface="+mn-cs"/>
+                </a:defRPr>
+              </a:lvl2pPr>
+              <a:lvl3pPr marL="914400" algn="l" defTabSz="914400" rtl="0" eaLnBrk="1" latinLnBrk="0" hangingPunct="1">
+                <a:defRPr sz="1800" kern="1200">
+                  <a:solidFill>
+                    <a:schemeClr val="tx1"/>
+                  </a:solidFill>
+                  <a:latin typeface="+mn-lt"/>
+                  <a:ea typeface="+mn-ea"/>
+                  <a:cs typeface="+mn-cs"/>
+                </a:defRPr>
+              </a:lvl3pPr>
+              <a:lvl4pPr marL="1371600" algn="l" defTabSz="914400" rtl="0" eaLnBrk="1" latinLnBrk="0" hangingPunct="1">
+                <a:defRPr sz="1800" kern="1200">
+                  <a:solidFill>
+                    <a:schemeClr val="tx1"/>
+                  </a:solidFill>
+                  <a:latin typeface="+mn-lt"/>
+                  <a:ea typeface="+mn-ea"/>
+                  <a:cs typeface="+mn-cs"/>
+                </a:defRPr>
+              </a:lvl4pPr>
+              <a:lvl5pPr marL="1828800" algn="l" defTabSz="914400" rtl="0" eaLnBrk="1" latinLnBrk="0" hangingPunct="1">
+                <a:defRPr sz="1800" kern="1200">
+                  <a:solidFill>
+                    <a:schemeClr val="tx1"/>
+                  </a:solidFill>
+                  <a:latin typeface="+mn-lt"/>
+                  <a:ea typeface="+mn-ea"/>
+                  <a:cs typeface="+mn-cs"/>
+                </a:defRPr>
+              </a:lvl5pPr>
+              <a:lvl6pPr marL="2286000" algn="l" defTabSz="914400" rtl="0" eaLnBrk="1" latinLnBrk="0" hangingPunct="1">
+                <a:defRPr sz="1800" kern="1200">
+                  <a:solidFill>
+                    <a:schemeClr val="tx1"/>
+                  </a:solidFill>
+                  <a:latin typeface="+mn-lt"/>
+                  <a:ea typeface="+mn-ea"/>
+                  <a:cs typeface="+mn-cs"/>
+                </a:defRPr>
+              </a:lvl6pPr>
+              <a:lvl7pPr marL="2743200" algn="l" defTabSz="914400" rtl="0" eaLnBrk="1" latinLnBrk="0" hangingPunct="1">
+                <a:defRPr sz="1800" kern="1200">
+                  <a:solidFill>
+                    <a:schemeClr val="tx1"/>
+                  </a:solidFill>
+                  <a:latin typeface="+mn-lt"/>
+                  <a:ea typeface="+mn-ea"/>
+                  <a:cs typeface="+mn-cs"/>
+                </a:defRPr>
+              </a:lvl7pPr>
+              <a:lvl8pPr marL="3200400" algn="l" defTabSz="914400" rtl="0" eaLnBrk="1" latinLnBrk="0" hangingPunct="1">
+                <a:defRPr sz="1800" kern="1200">
+                  <a:solidFill>
+                    <a:schemeClr val="tx1"/>
+                  </a:solidFill>
+                  <a:latin typeface="+mn-lt"/>
+                  <a:ea typeface="+mn-ea"/>
+                  <a:cs typeface="+mn-cs"/>
+                </a:defRPr>
+              </a:lvl8pPr>
+              <a:lvl9pPr marL="3657600" algn="l" defTabSz="914400" rtl="0" eaLnBrk="1" latinLnBrk="0" hangingPunct="1">
+                <a:defRPr sz="1800" kern="1200">
+                  <a:solidFill>
+                    <a:schemeClr val="tx1"/>
+                  </a:solidFill>
+                  <a:latin typeface="+mn-lt"/>
+                  <a:ea typeface="+mn-ea"/>
+                  <a:cs typeface="+mn-cs"/>
+                </a:defRPr>
+              </a:lvl9pPr>
+            </a:lstStyle>
+            <a:p>
+              <a:r>
+                <a:rPr kumimoji="1" lang="ja-JP" altLang="en-US" sz="2400" dirty="0">
+                  <a:latin typeface="ＭＳ ゴシック" panose="020B0609070205080204" pitchFamily="49" charset="-128"/>
+                  <a:ea typeface="ＭＳ ゴシック" panose="020B0609070205080204" pitchFamily="49" charset="-128"/>
+                </a:rPr>
+                <a:t>タスク開始時</a:t>
+              </a:r>
+            </a:p>
+          </p:txBody>
+        </p:sp>
+      </p:grpSp>
+      <p:grpSp>
+        <p:nvGrpSpPr>
+          <p:cNvPr id="43" name="グループ化 42">
+            <a:extLst>
+              <a:ext uri="{FF2B5EF4-FFF2-40B4-BE49-F238E27FC236}">
+                <a16:creationId xmlns:a16="http://schemas.microsoft.com/office/drawing/2014/main" id="{D31F0863-2C71-4A28-B339-644AAE073A9B}"/>
+              </a:ext>
+            </a:extLst>
+          </p:cNvPr>
+          <p:cNvGrpSpPr/>
+          <p:nvPr/>
+        </p:nvGrpSpPr>
+        <p:grpSpPr>
+          <a:xfrm>
+            <a:off x="8539377" y="3936455"/>
+            <a:ext cx="3415259" cy="2288609"/>
+            <a:chOff x="-50959" y="2021907"/>
+            <a:chExt cx="3432943" cy="2384723"/>
+          </a:xfrm>
+        </p:grpSpPr>
+        <p:grpSp>
+          <p:nvGrpSpPr>
+            <p:cNvPr id="44" name="グループ化 43">
+              <a:extLst>
+                <a:ext uri="{FF2B5EF4-FFF2-40B4-BE49-F238E27FC236}">
+                  <a16:creationId xmlns:a16="http://schemas.microsoft.com/office/drawing/2014/main" id="{8BC6787B-3A84-4D9F-B913-7DDB1B22C9F0}"/>
+                </a:ext>
+              </a:extLst>
+            </p:cNvPr>
+            <p:cNvGrpSpPr/>
+            <p:nvPr/>
+          </p:nvGrpSpPr>
+          <p:grpSpPr>
+            <a:xfrm>
+              <a:off x="-50959" y="2433074"/>
+              <a:ext cx="3432943" cy="1973556"/>
+              <a:chOff x="4303049" y="3410704"/>
+              <a:chExt cx="4409574" cy="1973556"/>
+            </a:xfrm>
+          </p:grpSpPr>
+          <p:sp>
+            <p:nvSpPr>
+              <p:cNvPr id="50" name="正方形/長方形 49">
+                <a:extLst>
+                  <a:ext uri="{FF2B5EF4-FFF2-40B4-BE49-F238E27FC236}">
+                    <a16:creationId xmlns:a16="http://schemas.microsoft.com/office/drawing/2014/main" id="{C1076371-BED6-4F52-8292-9F6E95E06CE2}"/>
+                  </a:ext>
+                </a:extLst>
+              </p:cNvPr>
+              <p:cNvSpPr/>
+              <p:nvPr/>
+            </p:nvSpPr>
+            <p:spPr>
+              <a:xfrm>
+                <a:off x="4489393" y="3429000"/>
+                <a:ext cx="3994723" cy="1955260"/>
+              </a:xfrm>
+              <a:prstGeom prst="rect">
+                <a:avLst/>
+              </a:prstGeom>
+            </p:spPr>
+            <p:style>
+              <a:lnRef idx="2">
+                <a:schemeClr val="dk1"/>
+              </a:lnRef>
+              <a:fillRef idx="1">
+                <a:schemeClr val="lt1"/>
+              </a:fillRef>
+              <a:effectRef idx="0">
+                <a:schemeClr val="dk1"/>
+              </a:effectRef>
+              <a:fontRef idx="minor">
+                <a:schemeClr val="dk1"/>
+              </a:fontRef>
+            </p:style>
+            <p:txBody>
+              <a:bodyPr rtlCol="0" anchor="ctr"/>
+              <a:lstStyle>
+                <a:defPPr>
+                  <a:defRPr lang="en-US"/>
+                </a:defPPr>
+                <a:lvl1pPr marL="0" algn="l" defTabSz="914400" rtl="0" eaLnBrk="1" latinLnBrk="0" hangingPunct="1">
+                  <a:defRPr sz="1800" kern="1200">
+                    <a:solidFill>
+                      <a:schemeClr val="dk1"/>
+                    </a:solidFill>
+                    <a:latin typeface="+mn-lt"/>
+                    <a:ea typeface="+mn-ea"/>
+                    <a:cs typeface="+mn-cs"/>
+                  </a:defRPr>
+                </a:lvl1pPr>
+                <a:lvl2pPr marL="457200" algn="l" defTabSz="914400" rtl="0" eaLnBrk="1" latinLnBrk="0" hangingPunct="1">
+                  <a:defRPr sz="1800" kern="1200">
+                    <a:solidFill>
+                      <a:schemeClr val="dk1"/>
+                    </a:solidFill>
+                    <a:latin typeface="+mn-lt"/>
+                    <a:ea typeface="+mn-ea"/>
+                    <a:cs typeface="+mn-cs"/>
+                  </a:defRPr>
+                </a:lvl2pPr>
+                <a:lvl3pPr marL="914400" algn="l" defTabSz="914400" rtl="0" eaLnBrk="1" latinLnBrk="0" hangingPunct="1">
+                  <a:defRPr sz="1800" kern="1200">
+                    <a:solidFill>
+                      <a:schemeClr val="dk1"/>
+                    </a:solidFill>
+                    <a:latin typeface="+mn-lt"/>
+                    <a:ea typeface="+mn-ea"/>
+                    <a:cs typeface="+mn-cs"/>
+                  </a:defRPr>
+                </a:lvl3pPr>
+                <a:lvl4pPr marL="1371600" algn="l" defTabSz="914400" rtl="0" eaLnBrk="1" latinLnBrk="0" hangingPunct="1">
+                  <a:defRPr sz="1800" kern="1200">
+                    <a:solidFill>
+                      <a:schemeClr val="dk1"/>
+                    </a:solidFill>
+                    <a:latin typeface="+mn-lt"/>
+                    <a:ea typeface="+mn-ea"/>
+                    <a:cs typeface="+mn-cs"/>
+                  </a:defRPr>
+                </a:lvl4pPr>
+                <a:lvl5pPr marL="1828800" algn="l" defTabSz="914400" rtl="0" eaLnBrk="1" latinLnBrk="0" hangingPunct="1">
+                  <a:defRPr sz="1800" kern="1200">
+                    <a:solidFill>
+                      <a:schemeClr val="dk1"/>
+                    </a:solidFill>
+                    <a:latin typeface="+mn-lt"/>
+                    <a:ea typeface="+mn-ea"/>
+                    <a:cs typeface="+mn-cs"/>
+                  </a:defRPr>
+                </a:lvl5pPr>
+                <a:lvl6pPr marL="2286000" algn="l" defTabSz="914400" rtl="0" eaLnBrk="1" latinLnBrk="0" hangingPunct="1">
+                  <a:defRPr sz="1800" kern="1200">
+                    <a:solidFill>
+                      <a:schemeClr val="dk1"/>
+                    </a:solidFill>
+                    <a:latin typeface="+mn-lt"/>
+                    <a:ea typeface="+mn-ea"/>
+                    <a:cs typeface="+mn-cs"/>
+                  </a:defRPr>
+                </a:lvl6pPr>
+                <a:lvl7pPr marL="2743200" algn="l" defTabSz="914400" rtl="0" eaLnBrk="1" latinLnBrk="0" hangingPunct="1">
+                  <a:defRPr sz="1800" kern="1200">
+                    <a:solidFill>
+                      <a:schemeClr val="dk1"/>
+                    </a:solidFill>
+                    <a:latin typeface="+mn-lt"/>
+                    <a:ea typeface="+mn-ea"/>
+                    <a:cs typeface="+mn-cs"/>
+                  </a:defRPr>
+                </a:lvl7pPr>
+                <a:lvl8pPr marL="3200400" algn="l" defTabSz="914400" rtl="0" eaLnBrk="1" latinLnBrk="0" hangingPunct="1">
+                  <a:defRPr sz="1800" kern="1200">
+                    <a:solidFill>
+                      <a:schemeClr val="dk1"/>
+                    </a:solidFill>
+                    <a:latin typeface="+mn-lt"/>
+                    <a:ea typeface="+mn-ea"/>
+                    <a:cs typeface="+mn-cs"/>
+                  </a:defRPr>
+                </a:lvl8pPr>
+                <a:lvl9pPr marL="3657600" algn="l" defTabSz="914400" rtl="0" eaLnBrk="1" latinLnBrk="0" hangingPunct="1">
+                  <a:defRPr sz="1800" kern="1200">
+                    <a:solidFill>
+                      <a:schemeClr val="dk1"/>
+                    </a:solidFill>
+                    <a:latin typeface="+mn-lt"/>
+                    <a:ea typeface="+mn-ea"/>
+                    <a:cs typeface="+mn-cs"/>
+                  </a:defRPr>
+                </a:lvl9pPr>
+              </a:lstStyle>
+              <a:p>
+                <a:pPr algn="ctr"/>
+                <a:endParaRPr kumimoji="1" lang="ja-JP" altLang="en-US" dirty="0"/>
+              </a:p>
+            </p:txBody>
+          </p:sp>
+          <p:cxnSp>
+            <p:nvCxnSpPr>
+              <p:cNvPr id="51" name="直線コネクタ 50">
+                <a:extLst>
+                  <a:ext uri="{FF2B5EF4-FFF2-40B4-BE49-F238E27FC236}">
+                    <a16:creationId xmlns:a16="http://schemas.microsoft.com/office/drawing/2014/main" id="{353F5535-0260-4022-9AFE-73969058FDB9}"/>
+                  </a:ext>
+                </a:extLst>
+              </p:cNvPr>
+              <p:cNvCxnSpPr/>
+              <p:nvPr/>
+            </p:nvCxnSpPr>
+            <p:spPr>
+              <a:xfrm>
+                <a:off x="7462556" y="3429000"/>
+                <a:ext cx="0" cy="1955260"/>
+              </a:xfrm>
+              <a:prstGeom prst="line">
+                <a:avLst/>
+              </a:prstGeom>
+            </p:spPr>
+            <p:style>
+              <a:lnRef idx="1">
+                <a:schemeClr val="dk1"/>
+              </a:lnRef>
+              <a:fillRef idx="0">
+                <a:schemeClr val="dk1"/>
+              </a:fillRef>
+              <a:effectRef idx="0">
+                <a:schemeClr val="dk1"/>
+              </a:effectRef>
+              <a:fontRef idx="minor">
+                <a:schemeClr val="tx1"/>
+              </a:fontRef>
+            </p:style>
+          </p:cxnSp>
+          <p:cxnSp>
+            <p:nvCxnSpPr>
+              <p:cNvPr id="52" name="直線コネクタ 51">
+                <a:extLst>
+                  <a:ext uri="{FF2B5EF4-FFF2-40B4-BE49-F238E27FC236}">
+                    <a16:creationId xmlns:a16="http://schemas.microsoft.com/office/drawing/2014/main" id="{1ADA9F15-5704-4140-8313-E5215AEA3617}"/>
+                  </a:ext>
+                </a:extLst>
+              </p:cNvPr>
+              <p:cNvCxnSpPr/>
+              <p:nvPr/>
+            </p:nvCxnSpPr>
+            <p:spPr>
+              <a:xfrm>
+                <a:off x="5367499" y="3429000"/>
+                <a:ext cx="0" cy="1955260"/>
+              </a:xfrm>
+              <a:prstGeom prst="line">
+                <a:avLst/>
+              </a:prstGeom>
+            </p:spPr>
+            <p:style>
+              <a:lnRef idx="1">
+                <a:schemeClr val="dk1"/>
+              </a:lnRef>
+              <a:fillRef idx="0">
+                <a:schemeClr val="dk1"/>
+              </a:fillRef>
+              <a:effectRef idx="0">
+                <a:schemeClr val="dk1"/>
+              </a:effectRef>
+              <a:fontRef idx="minor">
+                <a:schemeClr val="tx1"/>
+              </a:fontRef>
+            </p:style>
+          </p:cxnSp>
+          <p:sp>
+            <p:nvSpPr>
+              <p:cNvPr id="53" name="テキスト ボックス 28">
+                <a:extLst>
+                  <a:ext uri="{FF2B5EF4-FFF2-40B4-BE49-F238E27FC236}">
+                    <a16:creationId xmlns:a16="http://schemas.microsoft.com/office/drawing/2014/main" id="{C726FEFC-A6E8-4EC0-91EC-1A7E00A5A329}"/>
+                  </a:ext>
+                </a:extLst>
+              </p:cNvPr>
+              <p:cNvSpPr txBox="1"/>
+              <p:nvPr/>
+            </p:nvSpPr>
+            <p:spPr>
+              <a:xfrm>
+                <a:off x="4303049" y="3410704"/>
+                <a:ext cx="4409574" cy="448983"/>
+              </a:xfrm>
+              <a:prstGeom prst="rect">
+                <a:avLst/>
+              </a:prstGeom>
+              <a:noFill/>
+            </p:spPr>
+            <p:txBody>
+              <a:bodyPr wrap="square" rtlCol="0">
+                <a:spAutoFit/>
+              </a:bodyPr>
+              <a:lstStyle>
+                <a:defPPr>
+                  <a:defRPr lang="en-US"/>
+                </a:defPPr>
+                <a:lvl1pPr marL="0" algn="l" defTabSz="914400" rtl="0" eaLnBrk="1" latinLnBrk="0" hangingPunct="1">
+                  <a:defRPr sz="1800" kern="1200">
+                    <a:solidFill>
+                      <a:schemeClr val="tx1"/>
+                    </a:solidFill>
+                    <a:latin typeface="+mn-lt"/>
+                    <a:ea typeface="+mn-ea"/>
+                    <a:cs typeface="+mn-cs"/>
+                  </a:defRPr>
+                </a:lvl1pPr>
+                <a:lvl2pPr marL="457200" algn="l" defTabSz="914400" rtl="0" eaLnBrk="1" latinLnBrk="0" hangingPunct="1">
+                  <a:defRPr sz="1800" kern="1200">
+                    <a:solidFill>
+                      <a:schemeClr val="tx1"/>
+                    </a:solidFill>
+                    <a:latin typeface="+mn-lt"/>
+                    <a:ea typeface="+mn-ea"/>
+                    <a:cs typeface="+mn-cs"/>
+                  </a:defRPr>
+                </a:lvl2pPr>
+                <a:lvl3pPr marL="914400" algn="l" defTabSz="914400" rtl="0" eaLnBrk="1" latinLnBrk="0" hangingPunct="1">
+                  <a:defRPr sz="1800" kern="1200">
+                    <a:solidFill>
+                      <a:schemeClr val="tx1"/>
+                    </a:solidFill>
+                    <a:latin typeface="+mn-lt"/>
+                    <a:ea typeface="+mn-ea"/>
+                    <a:cs typeface="+mn-cs"/>
+                  </a:defRPr>
+                </a:lvl3pPr>
+                <a:lvl4pPr marL="1371600" algn="l" defTabSz="914400" rtl="0" eaLnBrk="1" latinLnBrk="0" hangingPunct="1">
+                  <a:defRPr sz="1800" kern="1200">
+                    <a:solidFill>
+                      <a:schemeClr val="tx1"/>
+                    </a:solidFill>
+                    <a:latin typeface="+mn-lt"/>
+                    <a:ea typeface="+mn-ea"/>
+                    <a:cs typeface="+mn-cs"/>
+                  </a:defRPr>
+                </a:lvl4pPr>
+                <a:lvl5pPr marL="1828800" algn="l" defTabSz="914400" rtl="0" eaLnBrk="1" latinLnBrk="0" hangingPunct="1">
+                  <a:defRPr sz="1800" kern="1200">
+                    <a:solidFill>
+                      <a:schemeClr val="tx1"/>
+                    </a:solidFill>
+                    <a:latin typeface="+mn-lt"/>
+                    <a:ea typeface="+mn-ea"/>
+                    <a:cs typeface="+mn-cs"/>
+                  </a:defRPr>
+                </a:lvl5pPr>
+                <a:lvl6pPr marL="2286000" algn="l" defTabSz="914400" rtl="0" eaLnBrk="1" latinLnBrk="0" hangingPunct="1">
+                  <a:defRPr sz="1800" kern="1200">
+                    <a:solidFill>
+                      <a:schemeClr val="tx1"/>
+                    </a:solidFill>
+                    <a:latin typeface="+mn-lt"/>
+                    <a:ea typeface="+mn-ea"/>
+                    <a:cs typeface="+mn-cs"/>
+                  </a:defRPr>
+                </a:lvl6pPr>
+                <a:lvl7pPr marL="2743200" algn="l" defTabSz="914400" rtl="0" eaLnBrk="1" latinLnBrk="0" hangingPunct="1">
+                  <a:defRPr sz="1800" kern="1200">
+                    <a:solidFill>
+                      <a:schemeClr val="tx1"/>
+                    </a:solidFill>
+                    <a:latin typeface="+mn-lt"/>
+                    <a:ea typeface="+mn-ea"/>
+                    <a:cs typeface="+mn-cs"/>
+                  </a:defRPr>
+                </a:lvl7pPr>
+                <a:lvl8pPr marL="3200400" algn="l" defTabSz="914400" rtl="0" eaLnBrk="1" latinLnBrk="0" hangingPunct="1">
+                  <a:defRPr sz="1800" kern="1200">
+                    <a:solidFill>
+                      <a:schemeClr val="tx1"/>
+                    </a:solidFill>
+                    <a:latin typeface="+mn-lt"/>
+                    <a:ea typeface="+mn-ea"/>
+                    <a:cs typeface="+mn-cs"/>
+                  </a:defRPr>
+                </a:lvl8pPr>
+                <a:lvl9pPr marL="3657600" algn="l" defTabSz="914400" rtl="0" eaLnBrk="1" latinLnBrk="0" hangingPunct="1">
+                  <a:defRPr sz="1800" kern="1200">
+                    <a:solidFill>
+                      <a:schemeClr val="tx1"/>
+                    </a:solidFill>
+                    <a:latin typeface="+mn-lt"/>
+                    <a:ea typeface="+mn-ea"/>
+                    <a:cs typeface="+mn-cs"/>
+                  </a:defRPr>
+                </a:lvl9pPr>
+              </a:lstStyle>
+              <a:p>
+                <a:r>
+                  <a:rPr kumimoji="1" lang="ja-JP" altLang="en-US" sz="2200" b="1" dirty="0">
+                    <a:latin typeface="ＭＳ Ｐ明朝" panose="02020600040205080304" pitchFamily="18" charset="-128"/>
+                    <a:ea typeface="ＭＳ Ｐ明朝" panose="02020600040205080304" pitchFamily="18" charset="-128"/>
+                  </a:rPr>
+                  <a:t> </a:t>
+                </a:r>
+                <a:r>
+                  <a:rPr kumimoji="1" lang="en-US" altLang="ja-JP" sz="2200" b="1" dirty="0" err="1">
+                    <a:latin typeface="ＭＳ Ｐ明朝" panose="02020600040205080304" pitchFamily="18" charset="-128"/>
+                    <a:ea typeface="ＭＳ Ｐ明朝" panose="02020600040205080304" pitchFamily="18" charset="-128"/>
+                  </a:rPr>
+                  <a:t>Todo</a:t>
+                </a:r>
+                <a:r>
+                  <a:rPr kumimoji="1" lang="ja-JP" altLang="en-US" sz="2200" b="1" dirty="0">
+                    <a:latin typeface="ＭＳ Ｐ明朝" panose="02020600040205080304" pitchFamily="18" charset="-128"/>
+                    <a:ea typeface="ＭＳ Ｐ明朝" panose="02020600040205080304" pitchFamily="18" charset="-128"/>
+                  </a:rPr>
+                  <a:t> </a:t>
+                </a:r>
+                <a:r>
+                  <a:rPr kumimoji="1" lang="en-US" altLang="ja-JP" sz="2200" b="1" dirty="0">
+                    <a:latin typeface="ＭＳ Ｐ明朝" panose="02020600040205080304" pitchFamily="18" charset="-128"/>
+                    <a:ea typeface="ＭＳ Ｐ明朝" panose="02020600040205080304" pitchFamily="18" charset="-128"/>
+                  </a:rPr>
+                  <a:t>Ready</a:t>
+                </a:r>
+                <a:r>
+                  <a:rPr kumimoji="1" lang="ja-JP" altLang="en-US" sz="2200" b="1" dirty="0">
+                    <a:latin typeface="ＭＳ Ｐ明朝" panose="02020600040205080304" pitchFamily="18" charset="-128"/>
+                    <a:ea typeface="ＭＳ Ｐ明朝" panose="02020600040205080304" pitchFamily="18" charset="-128"/>
+                  </a:rPr>
+                  <a:t> </a:t>
+                </a:r>
+                <a:r>
+                  <a:rPr kumimoji="1" lang="en-US" altLang="ja-JP" sz="2200" b="1" dirty="0">
+                    <a:latin typeface="ＭＳ Ｐ明朝" panose="02020600040205080304" pitchFamily="18" charset="-128"/>
+                    <a:ea typeface="ＭＳ Ｐ明朝" panose="02020600040205080304" pitchFamily="18" charset="-128"/>
+                  </a:rPr>
+                  <a:t>Doing</a:t>
+                </a:r>
+                <a:r>
+                  <a:rPr kumimoji="1" lang="ja-JP" altLang="en-US" sz="2200" b="1" dirty="0">
+                    <a:latin typeface="ＭＳ Ｐ明朝" panose="02020600040205080304" pitchFamily="18" charset="-128"/>
+                    <a:ea typeface="ＭＳ Ｐ明朝" panose="02020600040205080304" pitchFamily="18" charset="-128"/>
+                  </a:rPr>
+                  <a:t>  </a:t>
+                </a:r>
+                <a:r>
+                  <a:rPr kumimoji="1" lang="en-US" altLang="ja-JP" sz="2200" b="1" dirty="0">
+                    <a:latin typeface="ＭＳ Ｐ明朝" panose="02020600040205080304" pitchFamily="18" charset="-128"/>
+                    <a:ea typeface="ＭＳ Ｐ明朝" panose="02020600040205080304" pitchFamily="18" charset="-128"/>
+                  </a:rPr>
+                  <a:t>Done</a:t>
+                </a:r>
+                <a:endParaRPr kumimoji="1" lang="ja-JP" altLang="en-US" sz="2200" b="1" dirty="0">
+                  <a:latin typeface="ＭＳ Ｐ明朝" panose="02020600040205080304" pitchFamily="18" charset="-128"/>
+                  <a:ea typeface="ＭＳ Ｐ明朝" panose="02020600040205080304" pitchFamily="18" charset="-128"/>
+                </a:endParaRPr>
+              </a:p>
+            </p:txBody>
+          </p:sp>
+        </p:grpSp>
+        <p:sp>
+          <p:nvSpPr>
+            <p:cNvPr id="45" name="四角形: メモ 44">
+              <a:extLst>
+                <a:ext uri="{FF2B5EF4-FFF2-40B4-BE49-F238E27FC236}">
+                  <a16:creationId xmlns:a16="http://schemas.microsoft.com/office/drawing/2014/main" id="{84CA9E64-A7F6-4986-9BBA-D66A3EF02C02}"/>
+                </a:ext>
+              </a:extLst>
+            </p:cNvPr>
+            <p:cNvSpPr/>
+            <p:nvPr/>
+          </p:nvSpPr>
+          <p:spPr>
+            <a:xfrm>
+              <a:off x="179458" y="2926546"/>
+              <a:ext cx="471451" cy="408160"/>
+            </a:xfrm>
+            <a:prstGeom prst="foldedCorner">
+              <a:avLst>
+                <a:gd name="adj" fmla="val 50000"/>
+              </a:avLst>
+            </a:prstGeom>
+            <a:solidFill>
+              <a:schemeClr val="accent2">
+                <a:alpha val="50000"/>
+              </a:schemeClr>
+            </a:solidFill>
+            <a:ln>
+              <a:noFill/>
+            </a:ln>
+          </p:spPr>
+          <p:style>
+            <a:lnRef idx="0">
+              <a:scrgbClr r="0" g="0" b="0"/>
+            </a:lnRef>
+            <a:fillRef idx="0">
+              <a:scrgbClr r="0" g="0" b="0"/>
+            </a:fillRef>
+            <a:effectRef idx="0">
+              <a:scrgbClr r="0" g="0" b="0"/>
+            </a:effectRef>
+            <a:fontRef idx="minor">
+              <a:schemeClr val="lt1"/>
+            </a:fontRef>
+          </p:style>
+          <p:txBody>
+            <a:bodyPr rtlCol="0" anchor="ctr"/>
+            <a:lstStyle>
+              <a:defPPr>
+                <a:defRPr lang="en-US"/>
+              </a:defPPr>
+              <a:lvl1pPr marL="0" algn="l" defTabSz="914400" rtl="0" eaLnBrk="1" latinLnBrk="0" hangingPunct="1">
+                <a:defRPr sz="1800" kern="1200">
+                  <a:solidFill>
+                    <a:schemeClr val="lt1"/>
+                  </a:solidFill>
+                  <a:latin typeface="+mn-lt"/>
+                  <a:ea typeface="+mn-ea"/>
+                  <a:cs typeface="+mn-cs"/>
+                </a:defRPr>
+              </a:lvl1pPr>
+              <a:lvl2pPr marL="457200" algn="l" defTabSz="914400" rtl="0" eaLnBrk="1" latinLnBrk="0" hangingPunct="1">
+                <a:defRPr sz="1800" kern="1200">
+                  <a:solidFill>
+                    <a:schemeClr val="lt1"/>
+                  </a:solidFill>
+                  <a:latin typeface="+mn-lt"/>
+                  <a:ea typeface="+mn-ea"/>
+                  <a:cs typeface="+mn-cs"/>
+                </a:defRPr>
+              </a:lvl2pPr>
+              <a:lvl3pPr marL="914400" algn="l" defTabSz="914400" rtl="0" eaLnBrk="1" latinLnBrk="0" hangingPunct="1">
+                <a:defRPr sz="1800" kern="1200">
+                  <a:solidFill>
+                    <a:schemeClr val="lt1"/>
+                  </a:solidFill>
+                  <a:latin typeface="+mn-lt"/>
+                  <a:ea typeface="+mn-ea"/>
+                  <a:cs typeface="+mn-cs"/>
+                </a:defRPr>
+              </a:lvl3pPr>
+              <a:lvl4pPr marL="1371600" algn="l" defTabSz="914400" rtl="0" eaLnBrk="1" latinLnBrk="0" hangingPunct="1">
+                <a:defRPr sz="1800" kern="1200">
+                  <a:solidFill>
+                    <a:schemeClr val="lt1"/>
+                  </a:solidFill>
+                  <a:latin typeface="+mn-lt"/>
+                  <a:ea typeface="+mn-ea"/>
+                  <a:cs typeface="+mn-cs"/>
+                </a:defRPr>
+              </a:lvl4pPr>
+              <a:lvl5pPr marL="1828800" algn="l" defTabSz="914400" rtl="0" eaLnBrk="1" latinLnBrk="0" hangingPunct="1">
+                <a:defRPr sz="1800" kern="1200">
+                  <a:solidFill>
+                    <a:schemeClr val="lt1"/>
+                  </a:solidFill>
+                  <a:latin typeface="+mn-lt"/>
+                  <a:ea typeface="+mn-ea"/>
+                  <a:cs typeface="+mn-cs"/>
+                </a:defRPr>
+              </a:lvl5pPr>
+              <a:lvl6pPr marL="2286000" algn="l" defTabSz="914400" rtl="0" eaLnBrk="1" latinLnBrk="0" hangingPunct="1">
+                <a:defRPr sz="1800" kern="1200">
+                  <a:solidFill>
+                    <a:schemeClr val="lt1"/>
+                  </a:solidFill>
+                  <a:latin typeface="+mn-lt"/>
+                  <a:ea typeface="+mn-ea"/>
+                  <a:cs typeface="+mn-cs"/>
+                </a:defRPr>
+              </a:lvl6pPr>
+              <a:lvl7pPr marL="2743200" algn="l" defTabSz="914400" rtl="0" eaLnBrk="1" latinLnBrk="0" hangingPunct="1">
+                <a:defRPr sz="1800" kern="1200">
+                  <a:solidFill>
+                    <a:schemeClr val="lt1"/>
+                  </a:solidFill>
+                  <a:latin typeface="+mn-lt"/>
+                  <a:ea typeface="+mn-ea"/>
+                  <a:cs typeface="+mn-cs"/>
+                </a:defRPr>
+              </a:lvl7pPr>
+              <a:lvl8pPr marL="3200400" algn="l" defTabSz="914400" rtl="0" eaLnBrk="1" latinLnBrk="0" hangingPunct="1">
+                <a:defRPr sz="1800" kern="1200">
+                  <a:solidFill>
+                    <a:schemeClr val="lt1"/>
+                  </a:solidFill>
+                  <a:latin typeface="+mn-lt"/>
+                  <a:ea typeface="+mn-ea"/>
+                  <a:cs typeface="+mn-cs"/>
+                </a:defRPr>
+              </a:lvl8pPr>
+              <a:lvl9pPr marL="3657600" algn="l" defTabSz="914400" rtl="0" eaLnBrk="1" latinLnBrk="0" hangingPunct="1">
+                <a:defRPr sz="1800" kern="1200">
+                  <a:solidFill>
+                    <a:schemeClr val="lt1"/>
+                  </a:solidFill>
+                  <a:latin typeface="+mn-lt"/>
+                  <a:ea typeface="+mn-ea"/>
+                  <a:cs typeface="+mn-cs"/>
+                </a:defRPr>
+              </a:lvl9pPr>
+            </a:lstStyle>
+            <a:p>
+              <a:pPr algn="ctr">
+                <a:lnSpc>
+                  <a:spcPct val="250000"/>
+                </a:lnSpc>
+              </a:pPr>
+              <a:r>
+                <a:rPr kumimoji="1" lang="en-US" altLang="ja-JP" dirty="0">
+                  <a:solidFill>
+                    <a:schemeClr val="tx1"/>
+                  </a:solidFill>
+                </a:rPr>
+                <a:t>A</a:t>
+              </a:r>
+              <a:endParaRPr kumimoji="1" lang="ja-JP" altLang="en-US" dirty="0">
+                <a:solidFill>
+                  <a:schemeClr val="tx1"/>
+                </a:solidFill>
+              </a:endParaRPr>
+            </a:p>
+          </p:txBody>
+        </p:sp>
+        <p:sp>
+          <p:nvSpPr>
+            <p:cNvPr id="46" name="四角形: メモ 45">
+              <a:extLst>
+                <a:ext uri="{FF2B5EF4-FFF2-40B4-BE49-F238E27FC236}">
+                  <a16:creationId xmlns:a16="http://schemas.microsoft.com/office/drawing/2014/main" id="{C242F61D-6E59-474F-9999-421C6EB656DD}"/>
+                </a:ext>
+              </a:extLst>
+            </p:cNvPr>
+            <p:cNvSpPr/>
+            <p:nvPr/>
+          </p:nvSpPr>
+          <p:spPr>
+            <a:xfrm>
+              <a:off x="2482877" y="3419899"/>
+              <a:ext cx="471451" cy="408159"/>
+            </a:xfrm>
+            <a:prstGeom prst="foldedCorner">
+              <a:avLst>
+                <a:gd name="adj" fmla="val 50000"/>
+              </a:avLst>
+            </a:prstGeom>
+            <a:solidFill>
+              <a:schemeClr val="accent1">
+                <a:alpha val="50000"/>
+              </a:schemeClr>
+            </a:solidFill>
+            <a:ln>
+              <a:noFill/>
+            </a:ln>
+          </p:spPr>
+          <p:style>
+            <a:lnRef idx="0">
+              <a:scrgbClr r="0" g="0" b="0"/>
+            </a:lnRef>
+            <a:fillRef idx="0">
+              <a:scrgbClr r="0" g="0" b="0"/>
+            </a:fillRef>
+            <a:effectRef idx="0">
+              <a:scrgbClr r="0" g="0" b="0"/>
+            </a:effectRef>
+            <a:fontRef idx="minor">
+              <a:schemeClr val="lt1"/>
+            </a:fontRef>
+          </p:style>
+          <p:txBody>
+            <a:bodyPr rtlCol="0" anchor="ctr"/>
+            <a:lstStyle>
+              <a:defPPr>
+                <a:defRPr lang="en-US"/>
+              </a:defPPr>
+              <a:lvl1pPr marL="0" algn="l" defTabSz="914400" rtl="0" eaLnBrk="1" latinLnBrk="0" hangingPunct="1">
+                <a:defRPr sz="1800" kern="1200">
+                  <a:solidFill>
+                    <a:schemeClr val="lt1"/>
+                  </a:solidFill>
+                  <a:latin typeface="+mn-lt"/>
+                  <a:ea typeface="+mn-ea"/>
+                  <a:cs typeface="+mn-cs"/>
+                </a:defRPr>
+              </a:lvl1pPr>
+              <a:lvl2pPr marL="457200" algn="l" defTabSz="914400" rtl="0" eaLnBrk="1" latinLnBrk="0" hangingPunct="1">
+                <a:defRPr sz="1800" kern="1200">
+                  <a:solidFill>
+                    <a:schemeClr val="lt1"/>
+                  </a:solidFill>
+                  <a:latin typeface="+mn-lt"/>
+                  <a:ea typeface="+mn-ea"/>
+                  <a:cs typeface="+mn-cs"/>
+                </a:defRPr>
+              </a:lvl2pPr>
+              <a:lvl3pPr marL="914400" algn="l" defTabSz="914400" rtl="0" eaLnBrk="1" latinLnBrk="0" hangingPunct="1">
+                <a:defRPr sz="1800" kern="1200">
+                  <a:solidFill>
+                    <a:schemeClr val="lt1"/>
+                  </a:solidFill>
+                  <a:latin typeface="+mn-lt"/>
+                  <a:ea typeface="+mn-ea"/>
+                  <a:cs typeface="+mn-cs"/>
+                </a:defRPr>
+              </a:lvl3pPr>
+              <a:lvl4pPr marL="1371600" algn="l" defTabSz="914400" rtl="0" eaLnBrk="1" latinLnBrk="0" hangingPunct="1">
+                <a:defRPr sz="1800" kern="1200">
+                  <a:solidFill>
+                    <a:schemeClr val="lt1"/>
+                  </a:solidFill>
+                  <a:latin typeface="+mn-lt"/>
+                  <a:ea typeface="+mn-ea"/>
+                  <a:cs typeface="+mn-cs"/>
+                </a:defRPr>
+              </a:lvl4pPr>
+              <a:lvl5pPr marL="1828800" algn="l" defTabSz="914400" rtl="0" eaLnBrk="1" latinLnBrk="0" hangingPunct="1">
+                <a:defRPr sz="1800" kern="1200">
+                  <a:solidFill>
+                    <a:schemeClr val="lt1"/>
+                  </a:solidFill>
+                  <a:latin typeface="+mn-lt"/>
+                  <a:ea typeface="+mn-ea"/>
+                  <a:cs typeface="+mn-cs"/>
+                </a:defRPr>
+              </a:lvl5pPr>
+              <a:lvl6pPr marL="2286000" algn="l" defTabSz="914400" rtl="0" eaLnBrk="1" latinLnBrk="0" hangingPunct="1">
+                <a:defRPr sz="1800" kern="1200">
+                  <a:solidFill>
+                    <a:schemeClr val="lt1"/>
+                  </a:solidFill>
+                  <a:latin typeface="+mn-lt"/>
+                  <a:ea typeface="+mn-ea"/>
+                  <a:cs typeface="+mn-cs"/>
+                </a:defRPr>
+              </a:lvl6pPr>
+              <a:lvl7pPr marL="2743200" algn="l" defTabSz="914400" rtl="0" eaLnBrk="1" latinLnBrk="0" hangingPunct="1">
+                <a:defRPr sz="1800" kern="1200">
+                  <a:solidFill>
+                    <a:schemeClr val="lt1"/>
+                  </a:solidFill>
+                  <a:latin typeface="+mn-lt"/>
+                  <a:ea typeface="+mn-ea"/>
+                  <a:cs typeface="+mn-cs"/>
+                </a:defRPr>
+              </a:lvl7pPr>
+              <a:lvl8pPr marL="3200400" algn="l" defTabSz="914400" rtl="0" eaLnBrk="1" latinLnBrk="0" hangingPunct="1">
+                <a:defRPr sz="1800" kern="1200">
+                  <a:solidFill>
+                    <a:schemeClr val="lt1"/>
+                  </a:solidFill>
+                  <a:latin typeface="+mn-lt"/>
+                  <a:ea typeface="+mn-ea"/>
+                  <a:cs typeface="+mn-cs"/>
+                </a:defRPr>
+              </a:lvl8pPr>
+              <a:lvl9pPr marL="3657600" algn="l" defTabSz="914400" rtl="0" eaLnBrk="1" latinLnBrk="0" hangingPunct="1">
+                <a:defRPr sz="1800" kern="1200">
+                  <a:solidFill>
+                    <a:schemeClr val="lt1"/>
+                  </a:solidFill>
+                  <a:latin typeface="+mn-lt"/>
+                  <a:ea typeface="+mn-ea"/>
+                  <a:cs typeface="+mn-cs"/>
+                </a:defRPr>
+              </a:lvl9pPr>
+            </a:lstStyle>
+            <a:p>
+              <a:pPr algn="ctr">
+                <a:lnSpc>
+                  <a:spcPct val="250000"/>
+                </a:lnSpc>
+              </a:pPr>
+              <a:r>
+                <a:rPr kumimoji="1" lang="en-US" altLang="ja-JP" dirty="0">
+                  <a:solidFill>
+                    <a:schemeClr val="tx1"/>
+                  </a:solidFill>
+                </a:rPr>
+                <a:t>B</a:t>
+              </a:r>
+              <a:endParaRPr kumimoji="1" lang="ja-JP" altLang="en-US" dirty="0">
+                <a:solidFill>
+                  <a:schemeClr val="tx1"/>
+                </a:solidFill>
+              </a:endParaRPr>
+            </a:p>
+          </p:txBody>
+        </p:sp>
+        <p:sp>
+          <p:nvSpPr>
+            <p:cNvPr id="47" name="テキスト ボックス 9">
+              <a:extLst>
+                <a:ext uri="{FF2B5EF4-FFF2-40B4-BE49-F238E27FC236}">
+                  <a16:creationId xmlns:a16="http://schemas.microsoft.com/office/drawing/2014/main" id="{8CFA3B4F-BE03-44A1-8DA8-CD641B74D9CB}"/>
+                </a:ext>
+              </a:extLst>
+            </p:cNvPr>
+            <p:cNvSpPr txBox="1"/>
+            <p:nvPr/>
+          </p:nvSpPr>
+          <p:spPr>
+            <a:xfrm>
+              <a:off x="677123" y="2021907"/>
+              <a:ext cx="2113273" cy="481053"/>
+            </a:xfrm>
+            <a:prstGeom prst="rect">
+              <a:avLst/>
+            </a:prstGeom>
+            <a:noFill/>
+          </p:spPr>
+          <p:txBody>
+            <a:bodyPr wrap="square" rtlCol="0">
+              <a:spAutoFit/>
+            </a:bodyPr>
+            <a:lstStyle>
+              <a:defPPr>
+                <a:defRPr lang="en-US"/>
+              </a:defPPr>
+              <a:lvl1pPr marL="0" algn="l" defTabSz="914400" rtl="0" eaLnBrk="1" latinLnBrk="0" hangingPunct="1">
+                <a:defRPr sz="1800" kern="1200">
+                  <a:solidFill>
+                    <a:schemeClr val="tx1"/>
+                  </a:solidFill>
+                  <a:latin typeface="+mn-lt"/>
+                  <a:ea typeface="+mn-ea"/>
+                  <a:cs typeface="+mn-cs"/>
+                </a:defRPr>
+              </a:lvl1pPr>
+              <a:lvl2pPr marL="457200" algn="l" defTabSz="914400" rtl="0" eaLnBrk="1" latinLnBrk="0" hangingPunct="1">
+                <a:defRPr sz="1800" kern="1200">
+                  <a:solidFill>
+                    <a:schemeClr val="tx1"/>
+                  </a:solidFill>
+                  <a:latin typeface="+mn-lt"/>
+                  <a:ea typeface="+mn-ea"/>
+                  <a:cs typeface="+mn-cs"/>
+                </a:defRPr>
+              </a:lvl2pPr>
+              <a:lvl3pPr marL="914400" algn="l" defTabSz="914400" rtl="0" eaLnBrk="1" latinLnBrk="0" hangingPunct="1">
+                <a:defRPr sz="1800" kern="1200">
+                  <a:solidFill>
+                    <a:schemeClr val="tx1"/>
+                  </a:solidFill>
+                  <a:latin typeface="+mn-lt"/>
+                  <a:ea typeface="+mn-ea"/>
+                  <a:cs typeface="+mn-cs"/>
+                </a:defRPr>
+              </a:lvl3pPr>
+              <a:lvl4pPr marL="1371600" algn="l" defTabSz="914400" rtl="0" eaLnBrk="1" latinLnBrk="0" hangingPunct="1">
+                <a:defRPr sz="1800" kern="1200">
+                  <a:solidFill>
+                    <a:schemeClr val="tx1"/>
+                  </a:solidFill>
+                  <a:latin typeface="+mn-lt"/>
+                  <a:ea typeface="+mn-ea"/>
+                  <a:cs typeface="+mn-cs"/>
+                </a:defRPr>
+              </a:lvl4pPr>
+              <a:lvl5pPr marL="1828800" algn="l" defTabSz="914400" rtl="0" eaLnBrk="1" latinLnBrk="0" hangingPunct="1">
+                <a:defRPr sz="1800" kern="1200">
+                  <a:solidFill>
+                    <a:schemeClr val="tx1"/>
+                  </a:solidFill>
+                  <a:latin typeface="+mn-lt"/>
+                  <a:ea typeface="+mn-ea"/>
+                  <a:cs typeface="+mn-cs"/>
+                </a:defRPr>
+              </a:lvl5pPr>
+              <a:lvl6pPr marL="2286000" algn="l" defTabSz="914400" rtl="0" eaLnBrk="1" latinLnBrk="0" hangingPunct="1">
+                <a:defRPr sz="1800" kern="1200">
+                  <a:solidFill>
+                    <a:schemeClr val="tx1"/>
+                  </a:solidFill>
+                  <a:latin typeface="+mn-lt"/>
+                  <a:ea typeface="+mn-ea"/>
+                  <a:cs typeface="+mn-cs"/>
+                </a:defRPr>
+              </a:lvl6pPr>
+              <a:lvl7pPr marL="2743200" algn="l" defTabSz="914400" rtl="0" eaLnBrk="1" latinLnBrk="0" hangingPunct="1">
+                <a:defRPr sz="1800" kern="1200">
+                  <a:solidFill>
+                    <a:schemeClr val="tx1"/>
+                  </a:solidFill>
+                  <a:latin typeface="+mn-lt"/>
+                  <a:ea typeface="+mn-ea"/>
+                  <a:cs typeface="+mn-cs"/>
+                </a:defRPr>
+              </a:lvl7pPr>
+              <a:lvl8pPr marL="3200400" algn="l" defTabSz="914400" rtl="0" eaLnBrk="1" latinLnBrk="0" hangingPunct="1">
+                <a:defRPr sz="1800" kern="1200">
+                  <a:solidFill>
+                    <a:schemeClr val="tx1"/>
+                  </a:solidFill>
+                  <a:latin typeface="+mn-lt"/>
+                  <a:ea typeface="+mn-ea"/>
+                  <a:cs typeface="+mn-cs"/>
+                </a:defRPr>
+              </a:lvl8pPr>
+              <a:lvl9pPr marL="3657600" algn="l" defTabSz="914400" rtl="0" eaLnBrk="1" latinLnBrk="0" hangingPunct="1">
+                <a:defRPr sz="1800" kern="1200">
+                  <a:solidFill>
+                    <a:schemeClr val="tx1"/>
+                  </a:solidFill>
+                  <a:latin typeface="+mn-lt"/>
+                  <a:ea typeface="+mn-ea"/>
+                  <a:cs typeface="+mn-cs"/>
+                </a:defRPr>
+              </a:lvl9pPr>
+            </a:lstStyle>
+            <a:p>
+              <a:r>
+                <a:rPr kumimoji="1" lang="ja-JP" altLang="en-US" sz="2400" dirty="0">
+                  <a:latin typeface="ＭＳ ゴシック" panose="020B0609070205080204" pitchFamily="49" charset="-128"/>
+                  <a:ea typeface="ＭＳ ゴシック" panose="020B0609070205080204" pitchFamily="49" charset="-128"/>
+                </a:rPr>
+                <a:t>タスク完了時</a:t>
+              </a:r>
+            </a:p>
+          </p:txBody>
+        </p:sp>
+      </p:grpSp>
+      <p:cxnSp>
+        <p:nvCxnSpPr>
+          <p:cNvPr id="54" name="直線コネクタ 53">
+            <a:extLst>
+              <a:ext uri="{FF2B5EF4-FFF2-40B4-BE49-F238E27FC236}">
+                <a16:creationId xmlns:a16="http://schemas.microsoft.com/office/drawing/2014/main" id="{3F3E75E9-F3B2-4AE0-94CA-AC52E517A736}"/>
+              </a:ext>
+            </a:extLst>
+          </p:cNvPr>
+          <p:cNvCxnSpPr/>
+          <p:nvPr/>
+        </p:nvCxnSpPr>
+        <p:spPr>
+          <a:xfrm>
+            <a:off x="10149120" y="4339875"/>
+            <a:ext cx="0" cy="1876454"/>
+          </a:xfrm>
+          <a:prstGeom prst="line">
+            <a:avLst/>
+          </a:prstGeom>
+        </p:spPr>
+        <p:style>
+          <a:lnRef idx="1">
+            <a:schemeClr val="dk1"/>
+          </a:lnRef>
+          <a:fillRef idx="0">
+            <a:schemeClr val="dk1"/>
+          </a:fillRef>
+          <a:effectRef idx="0">
+            <a:schemeClr val="dk1"/>
+          </a:effectRef>
+          <a:fontRef idx="minor">
+            <a:schemeClr val="tx1"/>
+          </a:fontRef>
+        </p:style>
+      </p:cxnSp>
+      <p:cxnSp>
+        <p:nvCxnSpPr>
+          <p:cNvPr id="55" name="直線コネクタ 54">
+            <a:extLst>
+              <a:ext uri="{FF2B5EF4-FFF2-40B4-BE49-F238E27FC236}">
+                <a16:creationId xmlns:a16="http://schemas.microsoft.com/office/drawing/2014/main" id="{D006857A-A3F2-4BD7-A3D7-6CFA72B76352}"/>
+              </a:ext>
+            </a:extLst>
+          </p:cNvPr>
+          <p:cNvCxnSpPr/>
+          <p:nvPr/>
+        </p:nvCxnSpPr>
+        <p:spPr>
+          <a:xfrm>
+            <a:off x="6090075" y="4357435"/>
+            <a:ext cx="0" cy="1876454"/>
+          </a:xfrm>
+          <a:prstGeom prst="line">
+            <a:avLst/>
+          </a:prstGeom>
+        </p:spPr>
+        <p:style>
+          <a:lnRef idx="1">
+            <a:schemeClr val="dk1"/>
+          </a:lnRef>
+          <a:fillRef idx="0">
+            <a:schemeClr val="dk1"/>
+          </a:fillRef>
+          <a:effectRef idx="0">
+            <a:schemeClr val="dk1"/>
+          </a:effectRef>
+          <a:fontRef idx="minor">
+            <a:schemeClr val="tx1"/>
+          </a:fontRef>
+        </p:style>
+      </p:cxnSp>
+      <p:sp>
+        <p:nvSpPr>
+          <p:cNvPr id="56" name="矢印: 上カーブ 55">
+            <a:extLst>
+              <a:ext uri="{FF2B5EF4-FFF2-40B4-BE49-F238E27FC236}">
+                <a16:creationId xmlns:a16="http://schemas.microsoft.com/office/drawing/2014/main" id="{E2B4A145-EC9F-4274-A538-939D5B4D693B}"/>
+              </a:ext>
+            </a:extLst>
+          </p:cNvPr>
+          <p:cNvSpPr/>
+          <p:nvPr/>
+        </p:nvSpPr>
+        <p:spPr>
+          <a:xfrm>
+            <a:off x="5712234" y="5719345"/>
+            <a:ext cx="772240" cy="391709"/>
+          </a:xfrm>
+          <a:prstGeom prst="curvedUpArrow">
+            <a:avLst/>
+          </a:prstGeom>
+        </p:spPr>
+        <p:style>
+          <a:lnRef idx="2">
+            <a:schemeClr val="accent1">
+              <a:shade val="50000"/>
+            </a:schemeClr>
+          </a:lnRef>
+          <a:fillRef idx="1">
+            <a:schemeClr val="accent1"/>
+          </a:fillRef>
+          <a:effectRef idx="0">
+            <a:schemeClr val="accent1"/>
+          </a:effectRef>
+          <a:fontRef idx="minor">
+            <a:schemeClr val="lt1"/>
+          </a:fontRef>
+        </p:style>
+        <p:txBody>
+          <a:bodyPr rtlCol="0" anchor="ctr"/>
+          <a:lstStyle>
+            <a:defPPr>
+              <a:defRPr lang="en-US"/>
+            </a:defPPr>
+            <a:lvl1pPr marL="0" algn="l" defTabSz="914400" rtl="0" eaLnBrk="1" latinLnBrk="0" hangingPunct="1">
+              <a:defRPr sz="1800" kern="1200">
+                <a:solidFill>
+                  <a:schemeClr val="lt1"/>
+                </a:solidFill>
+                <a:latin typeface="+mn-lt"/>
+                <a:ea typeface="+mn-ea"/>
+                <a:cs typeface="+mn-cs"/>
+              </a:defRPr>
+            </a:lvl1pPr>
+            <a:lvl2pPr marL="457200" algn="l" defTabSz="914400" rtl="0" eaLnBrk="1" latinLnBrk="0" hangingPunct="1">
+              <a:defRPr sz="1800" kern="1200">
+                <a:solidFill>
+                  <a:schemeClr val="lt1"/>
+                </a:solidFill>
+                <a:latin typeface="+mn-lt"/>
+                <a:ea typeface="+mn-ea"/>
+                <a:cs typeface="+mn-cs"/>
+              </a:defRPr>
+            </a:lvl2pPr>
+            <a:lvl3pPr marL="914400" algn="l" defTabSz="914400" rtl="0" eaLnBrk="1" latinLnBrk="0" hangingPunct="1">
+              <a:defRPr sz="1800" kern="1200">
+                <a:solidFill>
+                  <a:schemeClr val="lt1"/>
+                </a:solidFill>
+                <a:latin typeface="+mn-lt"/>
+                <a:ea typeface="+mn-ea"/>
+                <a:cs typeface="+mn-cs"/>
+              </a:defRPr>
+            </a:lvl3pPr>
+            <a:lvl4pPr marL="1371600" algn="l" defTabSz="914400" rtl="0" eaLnBrk="1" latinLnBrk="0" hangingPunct="1">
+              <a:defRPr sz="1800" kern="1200">
+                <a:solidFill>
+                  <a:schemeClr val="lt1"/>
+                </a:solidFill>
+                <a:latin typeface="+mn-lt"/>
+                <a:ea typeface="+mn-ea"/>
+                <a:cs typeface="+mn-cs"/>
+              </a:defRPr>
+            </a:lvl4pPr>
+            <a:lvl5pPr marL="1828800" algn="l" defTabSz="914400" rtl="0" eaLnBrk="1" latinLnBrk="0" hangingPunct="1">
+              <a:defRPr sz="1800" kern="1200">
+                <a:solidFill>
+                  <a:schemeClr val="lt1"/>
+                </a:solidFill>
+                <a:latin typeface="+mn-lt"/>
+                <a:ea typeface="+mn-ea"/>
+                <a:cs typeface="+mn-cs"/>
+              </a:defRPr>
+            </a:lvl5pPr>
+            <a:lvl6pPr marL="2286000" algn="l" defTabSz="914400" rtl="0" eaLnBrk="1" latinLnBrk="0" hangingPunct="1">
+              <a:defRPr sz="1800" kern="1200">
+                <a:solidFill>
+                  <a:schemeClr val="lt1"/>
+                </a:solidFill>
+                <a:latin typeface="+mn-lt"/>
+                <a:ea typeface="+mn-ea"/>
+                <a:cs typeface="+mn-cs"/>
+              </a:defRPr>
+            </a:lvl6pPr>
+            <a:lvl7pPr marL="2743200" algn="l" defTabSz="914400" rtl="0" eaLnBrk="1" latinLnBrk="0" hangingPunct="1">
+              <a:defRPr sz="1800" kern="1200">
+                <a:solidFill>
+                  <a:schemeClr val="lt1"/>
+                </a:solidFill>
+                <a:latin typeface="+mn-lt"/>
+                <a:ea typeface="+mn-ea"/>
+                <a:cs typeface="+mn-cs"/>
+              </a:defRPr>
+            </a:lvl7pPr>
+            <a:lvl8pPr marL="3200400" algn="l" defTabSz="914400" rtl="0" eaLnBrk="1" latinLnBrk="0" hangingPunct="1">
+              <a:defRPr sz="1800" kern="1200">
+                <a:solidFill>
+                  <a:schemeClr val="lt1"/>
+                </a:solidFill>
+                <a:latin typeface="+mn-lt"/>
+                <a:ea typeface="+mn-ea"/>
+                <a:cs typeface="+mn-cs"/>
+              </a:defRPr>
+            </a:lvl8pPr>
+            <a:lvl9pPr marL="3657600" algn="l" defTabSz="914400" rtl="0" eaLnBrk="1" latinLnBrk="0" hangingPunct="1">
+              <a:defRPr sz="1800" kern="1200">
+                <a:solidFill>
+                  <a:schemeClr val="lt1"/>
+                </a:solidFill>
+                <a:latin typeface="+mn-lt"/>
+                <a:ea typeface="+mn-ea"/>
+                <a:cs typeface="+mn-cs"/>
+              </a:defRPr>
+            </a:lvl9pPr>
+          </a:lstStyle>
+          <a:p>
+            <a:pPr algn="ctr"/>
+            <a:endParaRPr kumimoji="1" lang="ja-JP" altLang="en-US">
+              <a:solidFill>
+                <a:schemeClr val="tx1"/>
+              </a:solidFill>
+            </a:endParaRPr>
+          </a:p>
+        </p:txBody>
+      </p:sp>
+      <p:sp>
+        <p:nvSpPr>
+          <p:cNvPr id="57" name="矢印: 上カーブ 56">
+            <a:extLst>
+              <a:ext uri="{FF2B5EF4-FFF2-40B4-BE49-F238E27FC236}">
+                <a16:creationId xmlns:a16="http://schemas.microsoft.com/office/drawing/2014/main" id="{B30DB28D-E06F-4D73-96D9-EAE76C88231F}"/>
+              </a:ext>
+            </a:extLst>
+          </p:cNvPr>
+          <p:cNvSpPr/>
+          <p:nvPr/>
+        </p:nvSpPr>
+        <p:spPr>
+          <a:xfrm>
+            <a:off x="10548316" y="5719345"/>
+            <a:ext cx="772240" cy="391709"/>
+          </a:xfrm>
+          <a:prstGeom prst="curvedUpArrow">
+            <a:avLst/>
+          </a:prstGeom>
+        </p:spPr>
+        <p:style>
+          <a:lnRef idx="2">
+            <a:schemeClr val="accent1">
+              <a:shade val="50000"/>
+            </a:schemeClr>
+          </a:lnRef>
+          <a:fillRef idx="1">
+            <a:schemeClr val="accent1"/>
+          </a:fillRef>
+          <a:effectRef idx="0">
+            <a:schemeClr val="accent1"/>
+          </a:effectRef>
+          <a:fontRef idx="minor">
+            <a:schemeClr val="lt1"/>
+          </a:fontRef>
+        </p:style>
+        <p:txBody>
+          <a:bodyPr rtlCol="0" anchor="ctr"/>
+          <a:lstStyle>
+            <a:defPPr>
+              <a:defRPr lang="en-US"/>
+            </a:defPPr>
+            <a:lvl1pPr marL="0" algn="l" defTabSz="914400" rtl="0" eaLnBrk="1" latinLnBrk="0" hangingPunct="1">
+              <a:defRPr sz="1800" kern="1200">
+                <a:solidFill>
+                  <a:schemeClr val="lt1"/>
+                </a:solidFill>
+                <a:latin typeface="+mn-lt"/>
+                <a:ea typeface="+mn-ea"/>
+                <a:cs typeface="+mn-cs"/>
+              </a:defRPr>
+            </a:lvl1pPr>
+            <a:lvl2pPr marL="457200" algn="l" defTabSz="914400" rtl="0" eaLnBrk="1" latinLnBrk="0" hangingPunct="1">
+              <a:defRPr sz="1800" kern="1200">
+                <a:solidFill>
+                  <a:schemeClr val="lt1"/>
+                </a:solidFill>
+                <a:latin typeface="+mn-lt"/>
+                <a:ea typeface="+mn-ea"/>
+                <a:cs typeface="+mn-cs"/>
+              </a:defRPr>
+            </a:lvl2pPr>
+            <a:lvl3pPr marL="914400" algn="l" defTabSz="914400" rtl="0" eaLnBrk="1" latinLnBrk="0" hangingPunct="1">
+              <a:defRPr sz="1800" kern="1200">
+                <a:solidFill>
+                  <a:schemeClr val="lt1"/>
+                </a:solidFill>
+                <a:latin typeface="+mn-lt"/>
+                <a:ea typeface="+mn-ea"/>
+                <a:cs typeface="+mn-cs"/>
+              </a:defRPr>
+            </a:lvl3pPr>
+            <a:lvl4pPr marL="1371600" algn="l" defTabSz="914400" rtl="0" eaLnBrk="1" latinLnBrk="0" hangingPunct="1">
+              <a:defRPr sz="1800" kern="1200">
+                <a:solidFill>
+                  <a:schemeClr val="lt1"/>
+                </a:solidFill>
+                <a:latin typeface="+mn-lt"/>
+                <a:ea typeface="+mn-ea"/>
+                <a:cs typeface="+mn-cs"/>
+              </a:defRPr>
+            </a:lvl4pPr>
+            <a:lvl5pPr marL="1828800" algn="l" defTabSz="914400" rtl="0" eaLnBrk="1" latinLnBrk="0" hangingPunct="1">
+              <a:defRPr sz="1800" kern="1200">
+                <a:solidFill>
+                  <a:schemeClr val="lt1"/>
+                </a:solidFill>
+                <a:latin typeface="+mn-lt"/>
+                <a:ea typeface="+mn-ea"/>
+                <a:cs typeface="+mn-cs"/>
+              </a:defRPr>
+            </a:lvl5pPr>
+            <a:lvl6pPr marL="2286000" algn="l" defTabSz="914400" rtl="0" eaLnBrk="1" latinLnBrk="0" hangingPunct="1">
+              <a:defRPr sz="1800" kern="1200">
+                <a:solidFill>
+                  <a:schemeClr val="lt1"/>
+                </a:solidFill>
+                <a:latin typeface="+mn-lt"/>
+                <a:ea typeface="+mn-ea"/>
+                <a:cs typeface="+mn-cs"/>
+              </a:defRPr>
+            </a:lvl6pPr>
+            <a:lvl7pPr marL="2743200" algn="l" defTabSz="914400" rtl="0" eaLnBrk="1" latinLnBrk="0" hangingPunct="1">
+              <a:defRPr sz="1800" kern="1200">
+                <a:solidFill>
+                  <a:schemeClr val="lt1"/>
+                </a:solidFill>
+                <a:latin typeface="+mn-lt"/>
+                <a:ea typeface="+mn-ea"/>
+                <a:cs typeface="+mn-cs"/>
+              </a:defRPr>
+            </a:lvl7pPr>
+            <a:lvl8pPr marL="3200400" algn="l" defTabSz="914400" rtl="0" eaLnBrk="1" latinLnBrk="0" hangingPunct="1">
+              <a:defRPr sz="1800" kern="1200">
+                <a:solidFill>
+                  <a:schemeClr val="lt1"/>
+                </a:solidFill>
+                <a:latin typeface="+mn-lt"/>
+                <a:ea typeface="+mn-ea"/>
+                <a:cs typeface="+mn-cs"/>
+              </a:defRPr>
+            </a:lvl8pPr>
+            <a:lvl9pPr marL="3657600" algn="l" defTabSz="914400" rtl="0" eaLnBrk="1" latinLnBrk="0" hangingPunct="1">
+              <a:defRPr sz="1800" kern="1200">
+                <a:solidFill>
+                  <a:schemeClr val="lt1"/>
+                </a:solidFill>
+                <a:latin typeface="+mn-lt"/>
+                <a:ea typeface="+mn-ea"/>
+                <a:cs typeface="+mn-cs"/>
+              </a:defRPr>
+            </a:lvl9pPr>
+          </a:lstStyle>
+          <a:p>
+            <a:pPr algn="ctr"/>
+            <a:endParaRPr kumimoji="1" lang="ja-JP" altLang="en-US">
+              <a:solidFill>
+                <a:schemeClr val="tx1"/>
+              </a:solidFill>
+            </a:endParaRPr>
           </a:p>
         </p:txBody>
       </p:sp>
@@ -8861,6 +12293,9 @@
               <a:rPr lang="ja-JP" altLang="en-US" sz="3700" dirty="0"/>
               <a:t>仕事を進める手法を学ぶゲームです。</a:t>
             </a:r>
+            <a:endParaRPr lang="en-US" altLang="ja-JP" sz="3700" dirty="0"/>
+          </a:p>
+          <a:p>
             <a:endParaRPr kumimoji="1" lang="en-US" altLang="ja-JP" sz="3700" dirty="0"/>
           </a:p>
           <a:p>
@@ -8901,7 +12336,7 @@
           <p:nvPr/>
         </p:nvPicPr>
         <p:blipFill rotWithShape="1">
-          <a:blip r:embed="rId2">
+          <a:blip r:embed="rId3">
             <a:extLst>
               <a:ext uri="{28A0092B-C50C-407E-A947-70E740481C1C}">
                 <a14:useLocalDpi xmlns:a14="http://schemas.microsoft.com/office/drawing/2010/main" val="0"/>
@@ -9847,10 +13282,10 @@
       </p:sp>
       <p:pic>
         <p:nvPicPr>
-          <p:cNvPr id="9" name="図 8" descr="スクリーンショットの画面&#10;&#10;自動的に生成された説明">
+          <p:cNvPr id="5" name="図 4" descr="スクリーンショットの画面&#10;&#10;自動的に生成された説明">
             <a:extLst>
               <a:ext uri="{FF2B5EF4-FFF2-40B4-BE49-F238E27FC236}">
-                <a16:creationId xmlns:a16="http://schemas.microsoft.com/office/drawing/2014/main" id="{17F5B8F1-1BD3-4D35-88E3-CF5F2B311CE2}"/>
+                <a16:creationId xmlns:a16="http://schemas.microsoft.com/office/drawing/2014/main" id="{91B6E4D8-0A57-477B-85C8-91682F77FDD5}"/>
               </a:ext>
             </a:extLst>
           </p:cNvPr>
@@ -9860,7 +13295,7 @@
           <p:nvPr/>
         </p:nvPicPr>
         <p:blipFill>
-          <a:blip r:embed="rId2">
+          <a:blip r:embed="rId3">
             <a:extLst>
               <a:ext uri="{28A0092B-C50C-407E-A947-70E740481C1C}">
                 <a14:useLocalDpi xmlns:a14="http://schemas.microsoft.com/office/drawing/2010/main" val="0"/>
@@ -9873,8 +13308,8 @@
         </p:blipFill>
         <p:spPr>
           <a:xfrm>
-            <a:off x="1599853" y="876176"/>
-            <a:ext cx="8972735" cy="5981824"/>
+            <a:off x="1580690" y="952870"/>
+            <a:ext cx="8850572" cy="5900382"/>
           </a:xfrm>
           <a:prstGeom prst="rect">
             <a:avLst/>
@@ -10059,7 +13494,7 @@
           <p:cNvPr id="2" name="タイトル 1">
             <a:extLst>
               <a:ext uri="{FF2B5EF4-FFF2-40B4-BE49-F238E27FC236}">
-                <a16:creationId xmlns:a16="http://schemas.microsoft.com/office/drawing/2014/main" id="{19CAC485-5C50-40C7-A139-C0DA48ADA1FC}"/>
+                <a16:creationId xmlns:a16="http://schemas.microsoft.com/office/drawing/2014/main" id="{E192BE5C-424A-467E-AE85-4E84153AA187}"/>
               </a:ext>
             </a:extLst>
           </p:cNvPr>
@@ -10078,9 +13513,10 @@
           <a:lstStyle/>
           <a:p>
             <a:r>
-              <a:rPr kumimoji="1" lang="ja-JP" altLang="en-US" sz="4800" dirty="0"/>
+              <a:rPr lang="ja-JP" altLang="en-US" sz="4800" dirty="0"/>
               <a:t>評価実験</a:t>
             </a:r>
+            <a:endParaRPr kumimoji="1" lang="ja-JP" altLang="en-US" sz="4800" dirty="0"/>
           </a:p>
         </p:txBody>
       </p:sp>
@@ -10089,7 +13525,7 @@
           <p:cNvPr id="3" name="コンテンツ プレースホルダー 2">
             <a:extLst>
               <a:ext uri="{FF2B5EF4-FFF2-40B4-BE49-F238E27FC236}">
-                <a16:creationId xmlns:a16="http://schemas.microsoft.com/office/drawing/2014/main" id="{C4CE4EB4-6793-4CEF-A47B-BD959BF92E98}"/>
+                <a16:creationId xmlns:a16="http://schemas.microsoft.com/office/drawing/2014/main" id="{78A4518C-D1DE-41C7-9FB4-C0F55BA0F248}"/>
               </a:ext>
             </a:extLst>
           </p:cNvPr>
@@ -10102,8 +13538,8 @@
         </p:nvSpPr>
         <p:spPr>
           <a:xfrm>
-            <a:off x="2589212" y="2456268"/>
-            <a:ext cx="8915400" cy="3777622"/>
+            <a:off x="2589212" y="1540189"/>
+            <a:ext cx="8915400" cy="2976055"/>
           </a:xfrm>
         </p:spPr>
         <p:txBody>
@@ -10112,12 +13548,31 @@
           </a:bodyPr>
           <a:lstStyle/>
           <a:p>
-            <a:pPr marL="0" indent="0">
-              <a:buNone/>
-            </a:pPr>
-            <a:r>
-              <a:rPr kumimoji="1" lang="ja-JP" altLang="en-US" sz="4400" dirty="0"/>
-              <a:t>・アナログ版とデジタル版をそれぞれプレイしてもらい、アンケートを取る。</a:t>
+            <a:r>
+              <a:rPr kumimoji="1" lang="ja-JP" altLang="en-US" sz="3200" dirty="0"/>
+              <a:t>内容：アナログ版とデジタル版のカンバンゲームをプレイしてもらう</a:t>
+            </a:r>
+            <a:endParaRPr kumimoji="1" lang="en-US" altLang="ja-JP" sz="3200" dirty="0"/>
+          </a:p>
+          <a:p>
+            <a:r>
+              <a:rPr lang="ja-JP" altLang="en-US" sz="3200" dirty="0"/>
+              <a:t>目的：アナログ版とデジタル版の使用感の違いの確認</a:t>
+            </a:r>
+            <a:endParaRPr lang="en-US" altLang="ja-JP" sz="3200" dirty="0"/>
+          </a:p>
+          <a:p>
+            <a:r>
+              <a:rPr kumimoji="1" lang="ja-JP" altLang="en-US" sz="3200" dirty="0"/>
+              <a:t>実験後：</a:t>
+            </a:r>
+            <a:r>
+              <a:rPr kumimoji="1" lang="en-US" altLang="ja-JP" sz="3200" dirty="0"/>
+              <a:t>SUS</a:t>
+            </a:r>
+            <a:r>
+              <a:rPr kumimoji="1" lang="ja-JP" altLang="en-US" sz="3200" dirty="0"/>
+              <a:t>に基づいたアンケート収集</a:t>
             </a:r>
           </a:p>
         </p:txBody>
@@ -10127,7 +13582,7 @@
           <p:cNvPr id="4" name="スライド番号プレースホルダー 3">
             <a:extLst>
               <a:ext uri="{FF2B5EF4-FFF2-40B4-BE49-F238E27FC236}">
-                <a16:creationId xmlns:a16="http://schemas.microsoft.com/office/drawing/2014/main" id="{6D4F6E30-C580-4369-9347-43240E9C7DF0}"/>
+                <a16:creationId xmlns:a16="http://schemas.microsoft.com/office/drawing/2014/main" id="{0704DAC9-6FA1-47C7-BDEB-DF8EB179225C}"/>
               </a:ext>
             </a:extLst>
           </p:cNvPr>
@@ -10151,10 +13606,88 @@
           </a:p>
         </p:txBody>
       </p:sp>
+      <p:sp>
+        <p:nvSpPr>
+          <p:cNvPr id="6" name="テキスト ボックス 5">
+            <a:extLst>
+              <a:ext uri="{FF2B5EF4-FFF2-40B4-BE49-F238E27FC236}">
+                <a16:creationId xmlns:a16="http://schemas.microsoft.com/office/drawing/2014/main" id="{64CF838C-98B4-432F-B634-ECD7210D205C}"/>
+              </a:ext>
+            </a:extLst>
+          </p:cNvPr>
+          <p:cNvSpPr txBox="1"/>
+          <p:nvPr/>
+        </p:nvSpPr>
+        <p:spPr>
+          <a:xfrm>
+            <a:off x="2589212" y="4763430"/>
+            <a:ext cx="8335270" cy="1846659"/>
+          </a:xfrm>
+          <a:prstGeom prst="rect">
+            <a:avLst/>
+          </a:prstGeom>
+          <a:noFill/>
+          <a:ln>
+            <a:solidFill>
+              <a:schemeClr val="tx1"/>
+            </a:solidFill>
+          </a:ln>
+        </p:spPr>
+        <p:txBody>
+          <a:bodyPr wrap="square" rtlCol="0">
+            <a:spAutoFit/>
+          </a:bodyPr>
+          <a:lstStyle/>
+          <a:p>
+            <a:r>
+              <a:rPr kumimoji="1" lang="en-US" altLang="ja-JP" sz="2400" dirty="0"/>
+              <a:t>SUS</a:t>
+            </a:r>
+            <a:r>
+              <a:rPr kumimoji="1" lang="ja-JP" altLang="en-US" sz="2400" dirty="0"/>
+              <a:t>（システムユーザビリティスケール）</a:t>
+            </a:r>
+            <a:endParaRPr kumimoji="1" lang="en-US" altLang="ja-JP" sz="2400" dirty="0"/>
+          </a:p>
+          <a:p>
+            <a:r>
+              <a:rPr kumimoji="1" lang="ja-JP" altLang="en-US" sz="2400" dirty="0"/>
+              <a:t>・システムの使い勝手を評価するための指標</a:t>
+            </a:r>
+            <a:endParaRPr kumimoji="1" lang="en-US" altLang="ja-JP" sz="2400" dirty="0"/>
+          </a:p>
+          <a:p>
+            <a:r>
+              <a:rPr kumimoji="1" lang="ja-JP" altLang="en-US" sz="2400" dirty="0"/>
+              <a:t>・統一感や使い勝手といった</a:t>
+            </a:r>
+            <a:r>
+              <a:rPr kumimoji="1" lang="en-US" altLang="ja-JP" sz="2400" dirty="0"/>
+              <a:t>10</a:t>
+            </a:r>
+            <a:r>
+              <a:rPr kumimoji="1" lang="ja-JP" altLang="en-US" sz="2400" dirty="0"/>
+              <a:t>項目の質問があり、</a:t>
+            </a:r>
+            <a:r>
+              <a:rPr kumimoji="1" lang="en-US" altLang="ja-JP" sz="2400" dirty="0"/>
+              <a:t>100</a:t>
+            </a:r>
+            <a:r>
+              <a:rPr kumimoji="1" lang="ja-JP" altLang="en-US" sz="2400" dirty="0"/>
+              <a:t>点満点でシステムを評価できる。</a:t>
+            </a:r>
+            <a:endParaRPr kumimoji="1" lang="en-US" altLang="ja-JP" sz="2400" dirty="0"/>
+          </a:p>
+          <a:p>
+            <a:endParaRPr kumimoji="1" lang="ja-JP" altLang="en-US" dirty="0"/>
+          </a:p>
+        </p:txBody>
+      </p:sp>
     </p:spTree>
     <p:extLst>
       <p:ext uri="{BB962C8B-B14F-4D97-AF65-F5344CB8AC3E}">
-        <p14:creationId xmlns:p14="http://schemas.microsoft.com/office/powerpoint/2010/main" val="3571141518"/>
+        <p14:creationId xmlns:p14="http://schemas.microsoft.com/office/powerpoint/2010/main" val="2909454611"/>
       </p:ext>
     </p:extLst>
   </p:cSld>

--- a/中間発表.pptx
+++ b/中間発表.pptx
@@ -314,7 +314,7 @@
           <a:p>
             <a:fld id="{80A97E7E-BA4F-4139-BAB0-7DE5FC162D75}" type="datetimeFigureOut">
               <a:rPr kumimoji="1" lang="ja-JP" altLang="en-US" smtClean="0"/>
-              <a:t>2019/12/12</a:t>
+              <a:t>2019/12/17</a:t>
             </a:fld>
             <a:endParaRPr kumimoji="1" lang="ja-JP" altLang="en-US"/>
           </a:p>
@@ -582,8 +582,73 @@
           <a:p>
             <a:r>
               <a:rPr kumimoji="1" lang="ja-JP" altLang="en-US" dirty="0"/>
-              <a:t>カンバンを学ぶ難しさを説明</a:t>
-            </a:r>
+              <a:t>カンバンの良さカンバンメリット</a:t>
+            </a:r>
+            <a:endParaRPr kumimoji="1" lang="en-US" altLang="ja-JP" dirty="0"/>
+          </a:p>
+          <a:p>
+            <a:r>
+              <a:rPr kumimoji="1" lang="ja-JP" altLang="en-US" dirty="0"/>
+              <a:t>・何が未着手で何が今行われていて何が完了したかチーム全員に加えてほかの関係者も一目でわかる、管理しやすい</a:t>
+            </a:r>
+            <a:endParaRPr kumimoji="1" lang="en-US" altLang="ja-JP" dirty="0"/>
+          </a:p>
+          <a:p>
+            <a:r>
+              <a:rPr kumimoji="1" lang="ja-JP" altLang="en-US" dirty="0"/>
+              <a:t>・チームのコミュニケーションがしやすい</a:t>
+            </a:r>
+            <a:endParaRPr kumimoji="1" lang="en-US" altLang="ja-JP" dirty="0"/>
+          </a:p>
+          <a:p>
+            <a:endParaRPr kumimoji="1" lang="en-US" altLang="ja-JP" dirty="0"/>
+          </a:p>
+          <a:p>
+            <a:pPr marL="0" marR="0" lvl="0" indent="0" algn="l" defTabSz="914400" rtl="0" eaLnBrk="1" fontAlgn="auto" latinLnBrk="0" hangingPunct="1">
+              <a:lnSpc>
+                <a:spcPct val="100000"/>
+              </a:lnSpc>
+              <a:spcBef>
+                <a:spcPts val="0"/>
+              </a:spcBef>
+              <a:spcAft>
+                <a:spcPts val="0"/>
+              </a:spcAft>
+              <a:buClrTx/>
+              <a:buSzTx/>
+              <a:buFontTx/>
+              <a:buNone/>
+              <a:tabLst/>
+              <a:defRPr/>
+            </a:pPr>
+            <a:r>
+              <a:rPr kumimoji="1" lang="ja-JP" altLang="en-US" dirty="0"/>
+              <a:t>カンバンを学ぶことの重要さ</a:t>
+            </a:r>
+            <a:endParaRPr kumimoji="1" lang="en-US" altLang="ja-JP" dirty="0"/>
+          </a:p>
+          <a:p>
+            <a:pPr marL="0" marR="0" lvl="0" indent="0" algn="l" defTabSz="914400" rtl="0" eaLnBrk="1" fontAlgn="auto" latinLnBrk="0" hangingPunct="1">
+              <a:lnSpc>
+                <a:spcPct val="100000"/>
+              </a:lnSpc>
+              <a:spcBef>
+                <a:spcPts val="0"/>
+              </a:spcBef>
+              <a:spcAft>
+                <a:spcPts val="0"/>
+              </a:spcAft>
+              <a:buClrTx/>
+              <a:buSzTx/>
+              <a:buFontTx/>
+              <a:buNone/>
+              <a:tabLst/>
+              <a:defRPr/>
+            </a:pPr>
+            <a:endParaRPr kumimoji="1" lang="en-US" altLang="ja-JP" dirty="0"/>
+          </a:p>
+          <a:p>
+            <a:endParaRPr kumimoji="1" lang="en-US" altLang="ja-JP" dirty="0"/>
           </a:p>
         </p:txBody>
       </p:sp>
@@ -669,7 +734,7 @@
           <a:p>
             <a:r>
               <a:rPr kumimoji="1" lang="ja-JP" altLang="en-US" dirty="0"/>
-              <a:t>作者がカンバンゲームがで学んでほしこと、カンバンゲームのルールなどを説明、進捗記録表の説明</a:t>
+              <a:t>（作者がカンバンゲームがで学んでほしこと、）カンバンゲームのルールなどを説明（、進捗記録表の説明）</a:t>
             </a:r>
           </a:p>
         </p:txBody>
@@ -993,7 +1058,7 @@
           <a:p>
             <a:fld id="{213E3A13-B134-4BD3-93C7-4DD36E6F9305}" type="datetime1">
               <a:rPr kumimoji="1" lang="ja-JP" altLang="en-US" smtClean="0"/>
-              <a:t>2019/12/12</a:t>
+              <a:t>2019/12/17</a:t>
             </a:fld>
             <a:endParaRPr kumimoji="1" lang="ja-JP" altLang="en-US"/>
           </a:p>
@@ -1331,7 +1396,7 @@
           <a:p>
             <a:fld id="{A2F046FF-5E7A-40C7-B23E-5F9AB6DE95C5}" type="datetime1">
               <a:rPr kumimoji="1" lang="ja-JP" altLang="en-US" smtClean="0"/>
-              <a:t>2019/12/12</a:t>
+              <a:t>2019/12/17</a:t>
             </a:fld>
             <a:endParaRPr kumimoji="1" lang="ja-JP" altLang="en-US"/>
           </a:p>
@@ -1732,7 +1797,7 @@
           <a:p>
             <a:fld id="{9394B7DE-A219-4C28-8674-CC1AFA16E5C3}" type="datetime1">
               <a:rPr kumimoji="1" lang="ja-JP" altLang="en-US" smtClean="0"/>
-              <a:t>2019/12/12</a:t>
+              <a:t>2019/12/17</a:t>
             </a:fld>
             <a:endParaRPr kumimoji="1" lang="ja-JP" altLang="en-US"/>
           </a:p>
@@ -2068,7 +2133,7 @@
           <a:p>
             <a:fld id="{3F2717DC-A5F9-4D0B-B643-956E4A180638}" type="datetime1">
               <a:rPr kumimoji="1" lang="ja-JP" altLang="en-US" smtClean="0"/>
-              <a:t>2019/12/12</a:t>
+              <a:t>2019/12/17</a:t>
             </a:fld>
             <a:endParaRPr kumimoji="1" lang="ja-JP" altLang="en-US"/>
           </a:p>
@@ -2388,7 +2453,7 @@
           <a:p>
             <a:fld id="{83B1552F-749A-4BC0-8F34-E8A4DF486EED}" type="datetime1">
               <a:rPr kumimoji="1" lang="ja-JP" altLang="en-US" smtClean="0"/>
-              <a:t>2019/12/12</a:t>
+              <a:t>2019/12/17</a:t>
             </a:fld>
             <a:endParaRPr kumimoji="1" lang="ja-JP" altLang="en-US"/>
           </a:p>
@@ -2784,7 +2849,7 @@
           <a:p>
             <a:fld id="{C7967545-5901-4432-BC49-23DED1F069F8}" type="datetime1">
               <a:rPr kumimoji="1" lang="ja-JP" altLang="en-US" smtClean="0"/>
-              <a:t>2019/12/12</a:t>
+              <a:t>2019/12/17</a:t>
             </a:fld>
             <a:endParaRPr kumimoji="1" lang="ja-JP" altLang="en-US"/>
           </a:p>
@@ -3073,7 +3138,7 @@
           <a:p>
             <a:fld id="{6F0FC8B7-8B55-411E-9162-6419B97EF824}" type="datetime1">
               <a:rPr kumimoji="1" lang="ja-JP" altLang="en-US" smtClean="0"/>
-              <a:t>2019/12/12</a:t>
+              <a:t>2019/12/17</a:t>
             </a:fld>
             <a:endParaRPr kumimoji="1" lang="ja-JP" altLang="en-US"/>
           </a:p>
@@ -3367,7 +3432,7 @@
           <a:p>
             <a:fld id="{6C7AC2A2-C048-4B5E-8C8B-2DC82415AFF1}" type="datetime1">
               <a:rPr kumimoji="1" lang="ja-JP" altLang="en-US" smtClean="0"/>
-              <a:t>2019/12/12</a:t>
+              <a:t>2019/12/17</a:t>
             </a:fld>
             <a:endParaRPr kumimoji="1" lang="ja-JP" altLang="en-US"/>
           </a:p>
@@ -3661,7 +3726,7 @@
           <a:p>
             <a:fld id="{1AFE09C7-A084-4A99-978D-5FCB8B2C7672}" type="datetime1">
               <a:rPr kumimoji="1" lang="ja-JP" altLang="en-US" smtClean="0"/>
-              <a:t>2019/12/12</a:t>
+              <a:t>2019/12/17</a:t>
             </a:fld>
             <a:endParaRPr kumimoji="1" lang="ja-JP" altLang="en-US"/>
           </a:p>
@@ -3990,7 +4055,7 @@
           <a:p>
             <a:fld id="{7EBC03EC-0973-4FC9-812C-39D11D60BDB3}" type="datetime1">
               <a:rPr kumimoji="1" lang="ja-JP" altLang="en-US" smtClean="0"/>
-              <a:t>2019/12/12</a:t>
+              <a:t>2019/12/17</a:t>
             </a:fld>
             <a:endParaRPr kumimoji="1" lang="ja-JP" altLang="en-US"/>
           </a:p>
@@ -4377,7 +4442,7 @@
           <a:p>
             <a:fld id="{782DD7EA-DDE9-4847-AC02-6DFD2B0DD921}" type="datetime1">
               <a:rPr kumimoji="1" lang="ja-JP" altLang="en-US" smtClean="0"/>
-              <a:t>2019/12/12</a:t>
+              <a:t>2019/12/17</a:t>
             </a:fld>
             <a:endParaRPr kumimoji="1" lang="ja-JP" altLang="en-US"/>
           </a:p>
@@ -4898,7 +4963,7 @@
           <a:p>
             <a:fld id="{E8CA6957-F8DF-42B7-A631-22BE741E1E9E}" type="datetime1">
               <a:rPr kumimoji="1" lang="ja-JP" altLang="en-US" smtClean="0"/>
-              <a:t>2019/12/12</a:t>
+              <a:t>2019/12/17</a:t>
             </a:fld>
             <a:endParaRPr kumimoji="1" lang="ja-JP" altLang="en-US"/>
           </a:p>
@@ -5103,7 +5168,7 @@
           <a:p>
             <a:fld id="{08D1D1D5-5A5D-4C42-B38A-37365631E69B}" type="datetime1">
               <a:rPr kumimoji="1" lang="ja-JP" altLang="en-US" smtClean="0"/>
-              <a:t>2019/12/12</a:t>
+              <a:t>2019/12/17</a:t>
             </a:fld>
             <a:endParaRPr kumimoji="1" lang="ja-JP" altLang="en-US"/>
           </a:p>
@@ -5280,7 +5345,7 @@
           <a:p>
             <a:fld id="{3B7E7C85-4222-4BF7-95EF-33BD8F28C25C}" type="datetime1">
               <a:rPr kumimoji="1" lang="ja-JP" altLang="en-US" smtClean="0"/>
-              <a:t>2019/12/12</a:t>
+              <a:t>2019/12/17</a:t>
             </a:fld>
             <a:endParaRPr kumimoji="1" lang="ja-JP" altLang="en-US"/>
           </a:p>
@@ -5645,7 +5710,7 @@
           <a:p>
             <a:fld id="{DF5F6F42-AB9F-42B3-9750-3D80A4A3C4F7}" type="datetime1">
               <a:rPr kumimoji="1" lang="ja-JP" altLang="en-US" smtClean="0"/>
-              <a:t>2019/12/12</a:t>
+              <a:t>2019/12/17</a:t>
             </a:fld>
             <a:endParaRPr kumimoji="1" lang="ja-JP" altLang="en-US"/>
           </a:p>
@@ -5990,7 +6055,7 @@
           <a:p>
             <a:fld id="{8AF3991E-A3E1-4866-AA17-FE90FB5F0DD1}" type="datetime1">
               <a:rPr kumimoji="1" lang="ja-JP" altLang="en-US" smtClean="0"/>
-              <a:t>2019/12/12</a:t>
+              <a:t>2019/12/17</a:t>
             </a:fld>
             <a:endParaRPr kumimoji="1" lang="ja-JP" altLang="en-US"/>
           </a:p>
@@ -8139,7 +8204,7 @@
           <a:p>
             <a:fld id="{656BA055-7830-432E-B8F6-A210E39A5065}" type="datetime1">
               <a:rPr kumimoji="1" lang="ja-JP" altLang="en-US" smtClean="0"/>
-              <a:t>2019/12/12</a:t>
+              <a:t>2019/12/17</a:t>
             </a:fld>
             <a:endParaRPr kumimoji="1" lang="ja-JP" altLang="en-US"/>
           </a:p>
